--- a/slides/On-Campus/05_03_StringManipulation.pptx
+++ b/slides/On-Campus/05_03_StringManipulation.pptx
@@ -5,20 +5,24 @@
     <p:sldMasterId id="2147483648" r:id="rId1"/>
   </p:sldMasterIdLst>
   <p:notesMasterIdLst>
-    <p:notesMasterId r:id="rId10"/>
+    <p:notesMasterId r:id="rId14"/>
   </p:notesMasterIdLst>
   <p:handoutMasterIdLst>
-    <p:handoutMasterId r:id="rId11"/>
+    <p:handoutMasterId r:id="rId15"/>
   </p:handoutMasterIdLst>
   <p:sldIdLst>
     <p:sldId id="256" r:id="rId2"/>
     <p:sldId id="257" r:id="rId3"/>
     <p:sldId id="258" r:id="rId4"/>
     <p:sldId id="259" r:id="rId5"/>
-    <p:sldId id="260" r:id="rId6"/>
-    <p:sldId id="261" r:id="rId7"/>
-    <p:sldId id="263" r:id="rId8"/>
-    <p:sldId id="262" r:id="rId9"/>
+    <p:sldId id="264" r:id="rId6"/>
+    <p:sldId id="260" r:id="rId7"/>
+    <p:sldId id="265" r:id="rId8"/>
+    <p:sldId id="261" r:id="rId9"/>
+    <p:sldId id="266" r:id="rId10"/>
+    <p:sldId id="263" r:id="rId11"/>
+    <p:sldId id="267" r:id="rId12"/>
+    <p:sldId id="262" r:id="rId13"/>
   </p:sldIdLst>
   <p:sldSz cx="13817600" cy="7772400"/>
   <p:notesSz cx="6858000" cy="9144000"/>
@@ -221,7 +225,7 @@
           <a:p>
             <a:fld id="{4D7E51A5-B478-1E40-8CBB-0DAA8831E99D}" type="datetimeFigureOut">
               <a:rPr lang="en-US" smtClean="0"/>
-              <a:t>9/12/21</a:t>
+              <a:t>9/23/2021</a:t>
             </a:fld>
             <a:endParaRPr lang="en-US"/>
           </a:p>
@@ -386,7 +390,7 @@
           <a:p>
             <a:fld id="{D0ED587F-861E-6740-9643-E3DDAE89B8D6}" type="datetimeFigureOut">
               <a:rPr lang="en-US" smtClean="0"/>
-              <a:t>9/12/21</a:t>
+              <a:t>9/23/2021</a:t>
             </a:fld>
             <a:endParaRPr lang="en-US"/>
           </a:p>
@@ -6857,6 +6861,2427 @@
     <p:extLst>
       <p:ext uri="{BB962C8B-B14F-4D97-AF65-F5344CB8AC3E}">
         <p14:creationId xmlns:p14="http://schemas.microsoft.com/office/powerpoint/2010/main" val="661209559"/>
+      </p:ext>
+    </p:extLst>
+  </p:cSld>
+  <p:clrMapOvr>
+    <a:masterClrMapping/>
+  </p:clrMapOvr>
+  <mc:AlternateContent xmlns:mc="http://schemas.openxmlformats.org/markup-compatibility/2006" xmlns:p14="http://schemas.microsoft.com/office/powerpoint/2010/main">
+    <mc:Choice Requires="p14">
+      <p:transition p14:dur="300">
+        <p:fade/>
+      </p:transition>
+    </mc:Choice>
+    <mc:Fallback xmlns="">
+      <p:transition>
+        <p:fade/>
+      </p:transition>
+    </mc:Fallback>
+  </mc:AlternateContent>
+</p:sld>
+</file>
+
+<file path=ppt/slides/slide10.xml><?xml version="1.0" encoding="utf-8"?>
+<p:sld xmlns:a="http://schemas.openxmlformats.org/drawingml/2006/main" xmlns:r="http://schemas.openxmlformats.org/officeDocument/2006/relationships" xmlns:p="http://schemas.openxmlformats.org/presentationml/2006/main">
+  <p:cSld>
+    <p:spTree>
+      <p:nvGrpSpPr>
+        <p:cNvPr id="1" name=""/>
+        <p:cNvGrpSpPr/>
+        <p:nvPr/>
+      </p:nvGrpSpPr>
+      <p:grpSpPr>
+        <a:xfrm>
+          <a:off x="0" y="0"/>
+          <a:ext cx="0" cy="0"/>
+          <a:chOff x="0" y="0"/>
+          <a:chExt cx="0" cy="0"/>
+        </a:xfrm>
+      </p:grpSpPr>
+      <p:sp>
+        <p:nvSpPr>
+          <p:cNvPr id="2" name="Title 1">
+            <a:extLst>
+              <a:ext uri="{FF2B5EF4-FFF2-40B4-BE49-F238E27FC236}">
+                <a16:creationId xmlns:a16="http://schemas.microsoft.com/office/drawing/2014/main" id="{A7708709-87F6-124D-9FAD-13A1F5247BD2}"/>
+              </a:ext>
+            </a:extLst>
+          </p:cNvPr>
+          <p:cNvSpPr>
+            <a:spLocks noGrp="1"/>
+          </p:cNvSpPr>
+          <p:nvPr>
+            <p:ph type="title"/>
+          </p:nvPr>
+        </p:nvSpPr>
+        <p:spPr/>
+        <p:txBody>
+          <a:bodyPr/>
+          <a:lstStyle/>
+          <a:p>
+            <a:r>
+              <a:rPr lang="en-US" dirty="0"/>
+              <a:t>Substring</a:t>
+            </a:r>
+          </a:p>
+        </p:txBody>
+      </p:sp>
+      <p:sp>
+        <p:nvSpPr>
+          <p:cNvPr id="3" name="Text Placeholder 2">
+            <a:extLst>
+              <a:ext uri="{FF2B5EF4-FFF2-40B4-BE49-F238E27FC236}">
+                <a16:creationId xmlns:a16="http://schemas.microsoft.com/office/drawing/2014/main" id="{AC2EB553-F0CB-C244-BBD1-FA2EA841BEFA}"/>
+              </a:ext>
+            </a:extLst>
+          </p:cNvPr>
+          <p:cNvSpPr>
+            <a:spLocks noGrp="1"/>
+          </p:cNvSpPr>
+          <p:nvPr>
+            <p:ph type="body" sz="quarter" idx="10"/>
+          </p:nvPr>
+        </p:nvSpPr>
+        <p:spPr>
+          <a:xfrm>
+            <a:off x="4125461" y="1269339"/>
+            <a:ext cx="7655831" cy="5264262"/>
+          </a:xfrm>
+        </p:spPr>
+        <p:txBody>
+          <a:bodyPr/>
+          <a:lstStyle/>
+          <a:p>
+            <a:r>
+              <a:rPr lang="en-US" sz="2000" dirty="0"/>
+              <a:t>Returns a portion of the string</a:t>
+            </a:r>
+          </a:p>
+          <a:p>
+            <a:r>
+              <a:rPr lang="en-US" sz="2000" dirty="0"/>
+              <a:t>substring(start, end)</a:t>
+            </a:r>
+          </a:p>
+          <a:p>
+            <a:pPr lvl="1"/>
+            <a:r>
+              <a:rPr lang="en-US" sz="1800" dirty="0"/>
+              <a:t>includes start</a:t>
+            </a:r>
+          </a:p>
+          <a:p>
+            <a:pPr lvl="1"/>
+            <a:r>
+              <a:rPr lang="en-US" sz="1800" dirty="0"/>
+              <a:t>excludes end!  (end is optional, defaults to .length())</a:t>
+            </a:r>
+          </a:p>
+          <a:p>
+            <a:pPr marL="0" indent="0">
+              <a:buNone/>
+            </a:pPr>
+            <a:endParaRPr lang="en-US" dirty="0"/>
+          </a:p>
+          <a:p>
+            <a:pPr marL="0" indent="0">
+              <a:buNone/>
+            </a:pPr>
+            <a:r>
+              <a:rPr lang="en-US" dirty="0">
+                <a:latin typeface="Consolas" panose="020B0609020204030204" pitchFamily="49" charset="0"/>
+                <a:cs typeface="Consolas" panose="020B0609020204030204" pitchFamily="49" charset="0"/>
+              </a:rPr>
+              <a:t>String palindrome = “</a:t>
+            </a:r>
+            <a:r>
+              <a:rPr lang="en-US" dirty="0" err="1">
+                <a:latin typeface="Consolas" panose="020B0609020204030204" pitchFamily="49" charset="0"/>
+                <a:cs typeface="Consolas" panose="020B0609020204030204" pitchFamily="49" charset="0"/>
+              </a:rPr>
+              <a:t>kinnikinnik</a:t>
+            </a:r>
+            <a:r>
+              <a:rPr lang="en-US" dirty="0">
+                <a:latin typeface="Consolas" panose="020B0609020204030204" pitchFamily="49" charset="0"/>
+                <a:cs typeface="Consolas" panose="020B0609020204030204" pitchFamily="49" charset="0"/>
+              </a:rPr>
+              <a:t>”;</a:t>
+            </a:r>
+          </a:p>
+          <a:p>
+            <a:pPr marL="0" indent="0">
+              <a:buNone/>
+            </a:pPr>
+            <a:r>
+              <a:rPr lang="en-US" dirty="0">
+                <a:latin typeface="Consolas" panose="020B0609020204030204" pitchFamily="49" charset="0"/>
+                <a:cs typeface="Consolas" panose="020B0609020204030204" pitchFamily="49" charset="0"/>
+              </a:rPr>
+              <a:t>String sub = </a:t>
+            </a:r>
+            <a:r>
+              <a:rPr lang="en-US" dirty="0" err="1">
+                <a:latin typeface="Consolas" panose="020B0609020204030204" pitchFamily="49" charset="0"/>
+                <a:cs typeface="Consolas" panose="020B0609020204030204" pitchFamily="49" charset="0"/>
+              </a:rPr>
+              <a:t>palindrome.substring</a:t>
+            </a:r>
+            <a:r>
+              <a:rPr lang="en-US" dirty="0">
+                <a:latin typeface="Consolas" panose="020B0609020204030204" pitchFamily="49" charset="0"/>
+                <a:cs typeface="Consolas" panose="020B0609020204030204" pitchFamily="49" charset="0"/>
+              </a:rPr>
+              <a:t>(0, 6); // sub is “</a:t>
+            </a:r>
+            <a:r>
+              <a:rPr lang="en-US" dirty="0" err="1">
+                <a:latin typeface="Consolas" panose="020B0609020204030204" pitchFamily="49" charset="0"/>
+                <a:cs typeface="Consolas" panose="020B0609020204030204" pitchFamily="49" charset="0"/>
+              </a:rPr>
+              <a:t>kinnik</a:t>
+            </a:r>
+            <a:r>
+              <a:rPr lang="en-US" dirty="0">
+                <a:latin typeface="Consolas" panose="020B0609020204030204" pitchFamily="49" charset="0"/>
+                <a:cs typeface="Consolas" panose="020B0609020204030204" pitchFamily="49" charset="0"/>
+              </a:rPr>
+              <a:t>”</a:t>
+            </a:r>
+          </a:p>
+          <a:p>
+            <a:pPr marL="0" indent="0">
+              <a:buNone/>
+            </a:pPr>
+            <a:endParaRPr lang="en-US" dirty="0"/>
+          </a:p>
+          <a:p>
+            <a:pPr marL="0" indent="0">
+              <a:buNone/>
+            </a:pPr>
+            <a:r>
+              <a:rPr lang="en-US" dirty="0"/>
+              <a:t>int start = </a:t>
+            </a:r>
+            <a:r>
+              <a:rPr lang="en-US" dirty="0" err="1"/>
+              <a:t>palindrome.indexOf</a:t>
+            </a:r>
+            <a:r>
+              <a:rPr lang="en-US" dirty="0"/>
+              <a:t>(“k”);</a:t>
+            </a:r>
+          </a:p>
+          <a:p>
+            <a:pPr marL="0" indent="0">
+              <a:buNone/>
+            </a:pPr>
+            <a:r>
+              <a:rPr lang="en-US" dirty="0"/>
+              <a:t>int end = </a:t>
+            </a:r>
+            <a:r>
+              <a:rPr lang="en-US" dirty="0" err="1"/>
+              <a:t>palindrome.indexOf</a:t>
+            </a:r>
+            <a:r>
+              <a:rPr lang="en-US" dirty="0"/>
+              <a:t>(“k”, start+1) + 1; </a:t>
+            </a:r>
+          </a:p>
+          <a:p>
+            <a:pPr marL="0" indent="0">
+              <a:buNone/>
+            </a:pPr>
+            <a:r>
+              <a:rPr lang="en-US" dirty="0"/>
+              <a:t>String sub = </a:t>
+            </a:r>
+            <a:r>
+              <a:rPr lang="en-US" dirty="0" err="1"/>
+              <a:t>palindrome.substring</a:t>
+            </a:r>
+            <a:r>
+              <a:rPr lang="en-US" dirty="0"/>
+              <a:t>(start, end);</a:t>
+            </a:r>
+          </a:p>
+        </p:txBody>
+      </p:sp>
+      <p:grpSp>
+        <p:nvGrpSpPr>
+          <p:cNvPr id="4" name="Group 3">
+            <a:extLst>
+              <a:ext uri="{FF2B5EF4-FFF2-40B4-BE49-F238E27FC236}">
+                <a16:creationId xmlns:a16="http://schemas.microsoft.com/office/drawing/2014/main" id="{D985D3A1-7E2B-5E4C-9051-BAC0BCA72826}"/>
+              </a:ext>
+            </a:extLst>
+          </p:cNvPr>
+          <p:cNvGrpSpPr/>
+          <p:nvPr/>
+        </p:nvGrpSpPr>
+        <p:grpSpPr>
+          <a:xfrm>
+            <a:off x="2035406" y="1463722"/>
+            <a:ext cx="639599" cy="5261542"/>
+            <a:chOff x="1136771" y="1929083"/>
+            <a:chExt cx="639599" cy="5261542"/>
+          </a:xfrm>
+        </p:grpSpPr>
+        <p:grpSp>
+          <p:nvGrpSpPr>
+            <p:cNvPr id="5" name="Group 4">
+              <a:extLst>
+                <a:ext uri="{FF2B5EF4-FFF2-40B4-BE49-F238E27FC236}">
+                  <a16:creationId xmlns:a16="http://schemas.microsoft.com/office/drawing/2014/main" id="{0C6D8A38-6FC0-954B-BCB0-D3E79D7E2731}"/>
+                </a:ext>
+              </a:extLst>
+            </p:cNvPr>
+            <p:cNvGrpSpPr/>
+            <p:nvPr/>
+          </p:nvGrpSpPr>
+          <p:grpSpPr>
+            <a:xfrm>
+              <a:off x="1136771" y="4798162"/>
+              <a:ext cx="639599" cy="2392463"/>
+              <a:chOff x="626920" y="3527053"/>
+              <a:chExt cx="819707" cy="3066171"/>
+            </a:xfrm>
+          </p:grpSpPr>
+          <p:sp>
+            <p:nvSpPr>
+              <p:cNvPr id="13" name="Rectangle 12">
+                <a:extLst>
+                  <a:ext uri="{FF2B5EF4-FFF2-40B4-BE49-F238E27FC236}">
+                    <a16:creationId xmlns:a16="http://schemas.microsoft.com/office/drawing/2014/main" id="{F603C322-C61B-AC45-8C2A-F37E66166331}"/>
+                  </a:ext>
+                </a:extLst>
+              </p:cNvPr>
+              <p:cNvSpPr/>
+              <p:nvPr/>
+            </p:nvSpPr>
+            <p:spPr>
+              <a:xfrm>
+                <a:off x="628076" y="5983624"/>
+                <a:ext cx="817600" cy="609600"/>
+              </a:xfrm>
+              <a:prstGeom prst="rect">
+                <a:avLst/>
+              </a:prstGeom>
+              <a:noFill/>
+              <a:ln>
+                <a:solidFill>
+                  <a:srgbClr val="092529"/>
+                </a:solidFill>
+              </a:ln>
+              <a:effectLst/>
+            </p:spPr>
+            <p:style>
+              <a:lnRef idx="1">
+                <a:schemeClr val="accent1"/>
+              </a:lnRef>
+              <a:fillRef idx="3">
+                <a:schemeClr val="accent1"/>
+              </a:fillRef>
+              <a:effectRef idx="2">
+                <a:schemeClr val="accent1"/>
+              </a:effectRef>
+              <a:fontRef idx="minor">
+                <a:schemeClr val="lt1"/>
+              </a:fontRef>
+            </p:style>
+            <p:txBody>
+              <a:bodyPr lIns="274320" tIns="182880" rIns="274320" bIns="182880" rtlCol="0" anchor="ctr"/>
+              <a:lstStyle/>
+              <a:p>
+                <a:pPr algn="ctr"/>
+                <a:r>
+                  <a:rPr lang="en-US" dirty="0">
+                    <a:solidFill>
+                      <a:schemeClr val="tx1"/>
+                    </a:solidFill>
+                    <a:latin typeface="Proxima Nova" charset="0"/>
+                    <a:ea typeface="Proxima Nova" charset="0"/>
+                    <a:cs typeface="Proxima Nova" charset="0"/>
+                  </a:rPr>
+                  <a:t>k</a:t>
+                </a:r>
+              </a:p>
+            </p:txBody>
+          </p:sp>
+          <p:sp>
+            <p:nvSpPr>
+              <p:cNvPr id="14" name="Rectangle 13">
+                <a:extLst>
+                  <a:ext uri="{FF2B5EF4-FFF2-40B4-BE49-F238E27FC236}">
+                    <a16:creationId xmlns:a16="http://schemas.microsoft.com/office/drawing/2014/main" id="{46069DD0-53A1-A343-AD81-175D8D81EB8A}"/>
+                  </a:ext>
+                </a:extLst>
+              </p:cNvPr>
+              <p:cNvSpPr/>
+              <p:nvPr/>
+            </p:nvSpPr>
+            <p:spPr>
+              <a:xfrm>
+                <a:off x="628070" y="3527053"/>
+                <a:ext cx="818557" cy="609600"/>
+              </a:xfrm>
+              <a:prstGeom prst="rect">
+                <a:avLst/>
+              </a:prstGeom>
+              <a:noFill/>
+              <a:ln>
+                <a:solidFill>
+                  <a:srgbClr val="092529"/>
+                </a:solidFill>
+              </a:ln>
+              <a:effectLst/>
+            </p:spPr>
+            <p:style>
+              <a:lnRef idx="1">
+                <a:schemeClr val="accent1"/>
+              </a:lnRef>
+              <a:fillRef idx="3">
+                <a:schemeClr val="accent1"/>
+              </a:fillRef>
+              <a:effectRef idx="2">
+                <a:schemeClr val="accent1"/>
+              </a:effectRef>
+              <a:fontRef idx="minor">
+                <a:schemeClr val="lt1"/>
+              </a:fontRef>
+            </p:style>
+            <p:txBody>
+              <a:bodyPr lIns="274320" tIns="182880" rIns="274320" bIns="182880" rtlCol="0" anchor="ctr"/>
+              <a:lstStyle/>
+              <a:p>
+                <a:pPr algn="ctr"/>
+                <a:r>
+                  <a:rPr lang="en-US" dirty="0" err="1">
+                    <a:solidFill>
+                      <a:schemeClr val="tx1"/>
+                    </a:solidFill>
+                    <a:latin typeface="Proxima Nova" charset="0"/>
+                    <a:ea typeface="Proxima Nova" charset="0"/>
+                    <a:cs typeface="Proxima Nova" charset="0"/>
+                  </a:rPr>
+                  <a:t>i</a:t>
+                </a:r>
+                <a:endParaRPr lang="en-US" dirty="0">
+                  <a:solidFill>
+                    <a:schemeClr val="tx1"/>
+                  </a:solidFill>
+                  <a:latin typeface="Proxima Nova" charset="0"/>
+                  <a:ea typeface="Proxima Nova" charset="0"/>
+                  <a:cs typeface="Proxima Nova" charset="0"/>
+                </a:endParaRPr>
+              </a:p>
+            </p:txBody>
+          </p:sp>
+          <p:sp>
+            <p:nvSpPr>
+              <p:cNvPr id="15" name="Rectangle 14">
+                <a:extLst>
+                  <a:ext uri="{FF2B5EF4-FFF2-40B4-BE49-F238E27FC236}">
+                    <a16:creationId xmlns:a16="http://schemas.microsoft.com/office/drawing/2014/main" id="{287E81F8-A6D8-5D48-97E8-04BB5526F726}"/>
+                  </a:ext>
+                </a:extLst>
+              </p:cNvPr>
+              <p:cNvSpPr/>
+              <p:nvPr/>
+            </p:nvSpPr>
+            <p:spPr>
+              <a:xfrm>
+                <a:off x="626920" y="4138189"/>
+                <a:ext cx="818557" cy="609600"/>
+              </a:xfrm>
+              <a:prstGeom prst="rect">
+                <a:avLst/>
+              </a:prstGeom>
+              <a:noFill/>
+              <a:ln>
+                <a:solidFill>
+                  <a:srgbClr val="092529"/>
+                </a:solidFill>
+              </a:ln>
+              <a:effectLst/>
+            </p:spPr>
+            <p:style>
+              <a:lnRef idx="1">
+                <a:schemeClr val="accent1"/>
+              </a:lnRef>
+              <a:fillRef idx="3">
+                <a:schemeClr val="accent1"/>
+              </a:fillRef>
+              <a:effectRef idx="2">
+                <a:schemeClr val="accent1"/>
+              </a:effectRef>
+              <a:fontRef idx="minor">
+                <a:schemeClr val="lt1"/>
+              </a:fontRef>
+            </p:style>
+            <p:txBody>
+              <a:bodyPr lIns="274320" tIns="182880" rIns="274320" bIns="182880" rtlCol="0" anchor="ctr"/>
+              <a:lstStyle/>
+              <a:p>
+                <a:pPr algn="ctr"/>
+                <a:r>
+                  <a:rPr lang="en-US" dirty="0">
+                    <a:solidFill>
+                      <a:schemeClr val="tx1"/>
+                    </a:solidFill>
+                    <a:latin typeface="Proxima Nova" charset="0"/>
+                    <a:ea typeface="Proxima Nova" charset="0"/>
+                    <a:cs typeface="Proxima Nova" charset="0"/>
+                  </a:rPr>
+                  <a:t>n</a:t>
+                </a:r>
+              </a:p>
+            </p:txBody>
+          </p:sp>
+          <p:sp>
+            <p:nvSpPr>
+              <p:cNvPr id="16" name="Rectangle 15">
+                <a:extLst>
+                  <a:ext uri="{FF2B5EF4-FFF2-40B4-BE49-F238E27FC236}">
+                    <a16:creationId xmlns:a16="http://schemas.microsoft.com/office/drawing/2014/main" id="{79460A98-15C4-C744-93E3-0322C3939069}"/>
+                  </a:ext>
+                </a:extLst>
+              </p:cNvPr>
+              <p:cNvSpPr/>
+              <p:nvPr/>
+            </p:nvSpPr>
+            <p:spPr>
+              <a:xfrm>
+                <a:off x="626920" y="4747482"/>
+                <a:ext cx="818557" cy="609600"/>
+              </a:xfrm>
+              <a:prstGeom prst="rect">
+                <a:avLst/>
+              </a:prstGeom>
+              <a:noFill/>
+              <a:ln>
+                <a:solidFill>
+                  <a:srgbClr val="092529"/>
+                </a:solidFill>
+              </a:ln>
+              <a:effectLst/>
+            </p:spPr>
+            <p:style>
+              <a:lnRef idx="1">
+                <a:schemeClr val="accent1"/>
+              </a:lnRef>
+              <a:fillRef idx="3">
+                <a:schemeClr val="accent1"/>
+              </a:fillRef>
+              <a:effectRef idx="2">
+                <a:schemeClr val="accent1"/>
+              </a:effectRef>
+              <a:fontRef idx="minor">
+                <a:schemeClr val="lt1"/>
+              </a:fontRef>
+            </p:style>
+            <p:txBody>
+              <a:bodyPr lIns="274320" tIns="182880" rIns="274320" bIns="182880" rtlCol="0" anchor="ctr"/>
+              <a:lstStyle/>
+              <a:p>
+                <a:pPr algn="ctr"/>
+                <a:r>
+                  <a:rPr lang="en-US" dirty="0">
+                    <a:solidFill>
+                      <a:schemeClr val="tx1"/>
+                    </a:solidFill>
+                    <a:latin typeface="Proxima Nova" charset="0"/>
+                    <a:ea typeface="Proxima Nova" charset="0"/>
+                    <a:cs typeface="Proxima Nova" charset="0"/>
+                  </a:rPr>
+                  <a:t>n</a:t>
+                </a:r>
+              </a:p>
+            </p:txBody>
+          </p:sp>
+          <p:sp>
+            <p:nvSpPr>
+              <p:cNvPr id="17" name="Rectangle 16">
+                <a:extLst>
+                  <a:ext uri="{FF2B5EF4-FFF2-40B4-BE49-F238E27FC236}">
+                    <a16:creationId xmlns:a16="http://schemas.microsoft.com/office/drawing/2014/main" id="{40B11676-AB5F-DD4E-8A69-6A7526086A5F}"/>
+                  </a:ext>
+                </a:extLst>
+              </p:cNvPr>
+              <p:cNvSpPr/>
+              <p:nvPr/>
+            </p:nvSpPr>
+            <p:spPr>
+              <a:xfrm>
+                <a:off x="627879" y="5362240"/>
+                <a:ext cx="817600" cy="621384"/>
+              </a:xfrm>
+              <a:prstGeom prst="rect">
+                <a:avLst/>
+              </a:prstGeom>
+              <a:noFill/>
+              <a:ln>
+                <a:solidFill>
+                  <a:srgbClr val="092529"/>
+                </a:solidFill>
+              </a:ln>
+              <a:effectLst/>
+            </p:spPr>
+            <p:style>
+              <a:lnRef idx="1">
+                <a:schemeClr val="accent1"/>
+              </a:lnRef>
+              <a:fillRef idx="3">
+                <a:schemeClr val="accent1"/>
+              </a:fillRef>
+              <a:effectRef idx="2">
+                <a:schemeClr val="accent1"/>
+              </a:effectRef>
+              <a:fontRef idx="minor">
+                <a:schemeClr val="lt1"/>
+              </a:fontRef>
+            </p:style>
+            <p:txBody>
+              <a:bodyPr lIns="274320" tIns="182880" rIns="274320" bIns="182880" rtlCol="0" anchor="ctr"/>
+              <a:lstStyle/>
+              <a:p>
+                <a:pPr algn="ctr"/>
+                <a:r>
+                  <a:rPr lang="en-US" dirty="0" err="1">
+                    <a:solidFill>
+                      <a:schemeClr val="tx1"/>
+                    </a:solidFill>
+                    <a:latin typeface="Proxima Nova" charset="0"/>
+                    <a:ea typeface="Proxima Nova" charset="0"/>
+                    <a:cs typeface="Proxima Nova" charset="0"/>
+                  </a:rPr>
+                  <a:t>i</a:t>
+                </a:r>
+                <a:endParaRPr lang="en-US" dirty="0">
+                  <a:solidFill>
+                    <a:schemeClr val="tx1"/>
+                  </a:solidFill>
+                  <a:latin typeface="Proxima Nova" charset="0"/>
+                  <a:ea typeface="Proxima Nova" charset="0"/>
+                  <a:cs typeface="Proxima Nova" charset="0"/>
+                </a:endParaRPr>
+              </a:p>
+            </p:txBody>
+          </p:sp>
+        </p:grpSp>
+        <p:grpSp>
+          <p:nvGrpSpPr>
+            <p:cNvPr id="6" name="Group 5">
+              <a:extLst>
+                <a:ext uri="{FF2B5EF4-FFF2-40B4-BE49-F238E27FC236}">
+                  <a16:creationId xmlns:a16="http://schemas.microsoft.com/office/drawing/2014/main" id="{279E6B74-B7C4-2243-83F2-FB01CE0954AD}"/>
+                </a:ext>
+              </a:extLst>
+            </p:cNvPr>
+            <p:cNvGrpSpPr/>
+            <p:nvPr/>
+          </p:nvGrpSpPr>
+          <p:grpSpPr>
+            <a:xfrm>
+              <a:off x="1136771" y="1929083"/>
+              <a:ext cx="639599" cy="2874145"/>
+              <a:chOff x="626920" y="3527053"/>
+              <a:chExt cx="819707" cy="3683493"/>
+            </a:xfrm>
+          </p:grpSpPr>
+          <p:sp>
+            <p:nvSpPr>
+              <p:cNvPr id="7" name="Rectangle 6">
+                <a:extLst>
+                  <a:ext uri="{FF2B5EF4-FFF2-40B4-BE49-F238E27FC236}">
+                    <a16:creationId xmlns:a16="http://schemas.microsoft.com/office/drawing/2014/main" id="{C870B0E3-ED8E-AC46-8AD0-2D219CA855A1}"/>
+                  </a:ext>
+                </a:extLst>
+              </p:cNvPr>
+              <p:cNvSpPr/>
+              <p:nvPr/>
+            </p:nvSpPr>
+            <p:spPr>
+              <a:xfrm>
+                <a:off x="628076" y="5983624"/>
+                <a:ext cx="817600" cy="609600"/>
+              </a:xfrm>
+              <a:prstGeom prst="rect">
+                <a:avLst/>
+              </a:prstGeom>
+              <a:noFill/>
+              <a:ln>
+                <a:solidFill>
+                  <a:srgbClr val="092529"/>
+                </a:solidFill>
+              </a:ln>
+              <a:effectLst/>
+            </p:spPr>
+            <p:style>
+              <a:lnRef idx="1">
+                <a:schemeClr val="accent1"/>
+              </a:lnRef>
+              <a:fillRef idx="3">
+                <a:schemeClr val="accent1"/>
+              </a:fillRef>
+              <a:effectRef idx="2">
+                <a:schemeClr val="accent1"/>
+              </a:effectRef>
+              <a:fontRef idx="minor">
+                <a:schemeClr val="lt1"/>
+              </a:fontRef>
+            </p:style>
+            <p:txBody>
+              <a:bodyPr lIns="274320" tIns="182880" rIns="274320" bIns="182880" rtlCol="0" anchor="ctr"/>
+              <a:lstStyle/>
+              <a:p>
+                <a:pPr algn="ctr"/>
+                <a:r>
+                  <a:rPr lang="en-US" dirty="0" err="1">
+                    <a:solidFill>
+                      <a:schemeClr val="tx1"/>
+                    </a:solidFill>
+                    <a:latin typeface="Proxima Nova" charset="0"/>
+                    <a:ea typeface="Proxima Nova" charset="0"/>
+                    <a:cs typeface="Proxima Nova" charset="0"/>
+                  </a:rPr>
+                  <a:t>i</a:t>
+                </a:r>
+                <a:endParaRPr lang="en-US" dirty="0">
+                  <a:solidFill>
+                    <a:schemeClr val="tx1"/>
+                  </a:solidFill>
+                  <a:latin typeface="Proxima Nova" charset="0"/>
+                  <a:ea typeface="Proxima Nova" charset="0"/>
+                  <a:cs typeface="Proxima Nova" charset="0"/>
+                </a:endParaRPr>
+              </a:p>
+            </p:txBody>
+          </p:sp>
+          <p:sp>
+            <p:nvSpPr>
+              <p:cNvPr id="8" name="Rectangle 7">
+                <a:extLst>
+                  <a:ext uri="{FF2B5EF4-FFF2-40B4-BE49-F238E27FC236}">
+                    <a16:creationId xmlns:a16="http://schemas.microsoft.com/office/drawing/2014/main" id="{6EB6D0A4-5BCA-2E43-BE3D-AF4374FEF39F}"/>
+                  </a:ext>
+                </a:extLst>
+              </p:cNvPr>
+              <p:cNvSpPr/>
+              <p:nvPr/>
+            </p:nvSpPr>
+            <p:spPr>
+              <a:xfrm>
+                <a:off x="628076" y="6600946"/>
+                <a:ext cx="817600" cy="609600"/>
+              </a:xfrm>
+              <a:prstGeom prst="rect">
+                <a:avLst/>
+              </a:prstGeom>
+              <a:noFill/>
+              <a:ln>
+                <a:solidFill>
+                  <a:srgbClr val="092529"/>
+                </a:solidFill>
+              </a:ln>
+              <a:effectLst/>
+            </p:spPr>
+            <p:style>
+              <a:lnRef idx="1">
+                <a:schemeClr val="accent1"/>
+              </a:lnRef>
+              <a:fillRef idx="3">
+                <a:schemeClr val="accent1"/>
+              </a:fillRef>
+              <a:effectRef idx="2">
+                <a:schemeClr val="accent1"/>
+              </a:effectRef>
+              <a:fontRef idx="minor">
+                <a:schemeClr val="lt1"/>
+              </a:fontRef>
+            </p:style>
+            <p:txBody>
+              <a:bodyPr lIns="274320" tIns="182880" rIns="274320" bIns="182880" rtlCol="0" anchor="ctr"/>
+              <a:lstStyle/>
+              <a:p>
+                <a:pPr algn="ctr"/>
+                <a:r>
+                  <a:rPr lang="en-US" dirty="0">
+                    <a:solidFill>
+                      <a:schemeClr val="tx1"/>
+                    </a:solidFill>
+                    <a:latin typeface="Proxima Nova" charset="0"/>
+                    <a:ea typeface="Proxima Nova" charset="0"/>
+                    <a:cs typeface="Proxima Nova" charset="0"/>
+                  </a:rPr>
+                  <a:t>k</a:t>
+                </a:r>
+              </a:p>
+            </p:txBody>
+          </p:sp>
+          <p:sp>
+            <p:nvSpPr>
+              <p:cNvPr id="9" name="Rectangle 8">
+                <a:extLst>
+                  <a:ext uri="{FF2B5EF4-FFF2-40B4-BE49-F238E27FC236}">
+                    <a16:creationId xmlns:a16="http://schemas.microsoft.com/office/drawing/2014/main" id="{44DD38BB-C474-4B4B-9908-5A45001D95C3}"/>
+                  </a:ext>
+                </a:extLst>
+              </p:cNvPr>
+              <p:cNvSpPr/>
+              <p:nvPr/>
+            </p:nvSpPr>
+            <p:spPr>
+              <a:xfrm>
+                <a:off x="628070" y="3527053"/>
+                <a:ext cx="818557" cy="609600"/>
+              </a:xfrm>
+              <a:prstGeom prst="rect">
+                <a:avLst/>
+              </a:prstGeom>
+              <a:noFill/>
+              <a:ln>
+                <a:solidFill>
+                  <a:srgbClr val="092529"/>
+                </a:solidFill>
+              </a:ln>
+              <a:effectLst/>
+            </p:spPr>
+            <p:style>
+              <a:lnRef idx="1">
+                <a:schemeClr val="accent1"/>
+              </a:lnRef>
+              <a:fillRef idx="3">
+                <a:schemeClr val="accent1"/>
+              </a:fillRef>
+              <a:effectRef idx="2">
+                <a:schemeClr val="accent1"/>
+              </a:effectRef>
+              <a:fontRef idx="minor">
+                <a:schemeClr val="lt1"/>
+              </a:fontRef>
+            </p:style>
+            <p:txBody>
+              <a:bodyPr lIns="274320" tIns="182880" rIns="274320" bIns="182880" rtlCol="0" anchor="ctr"/>
+              <a:lstStyle/>
+              <a:p>
+                <a:pPr algn="ctr"/>
+                <a:r>
+                  <a:rPr lang="en-US" dirty="0">
+                    <a:solidFill>
+                      <a:srgbClr val="092529"/>
+                    </a:solidFill>
+                    <a:latin typeface="Proxima Nova" charset="0"/>
+                    <a:ea typeface="Proxima Nova" charset="0"/>
+                    <a:cs typeface="Proxima Nova" charset="0"/>
+                  </a:rPr>
+                  <a:t>k</a:t>
+                </a:r>
+              </a:p>
+            </p:txBody>
+          </p:sp>
+          <p:sp>
+            <p:nvSpPr>
+              <p:cNvPr id="10" name="Rectangle 9">
+                <a:extLst>
+                  <a:ext uri="{FF2B5EF4-FFF2-40B4-BE49-F238E27FC236}">
+                    <a16:creationId xmlns:a16="http://schemas.microsoft.com/office/drawing/2014/main" id="{C5515279-A581-D24F-8D7C-E4BB3D467286}"/>
+                  </a:ext>
+                </a:extLst>
+              </p:cNvPr>
+              <p:cNvSpPr/>
+              <p:nvPr/>
+            </p:nvSpPr>
+            <p:spPr>
+              <a:xfrm>
+                <a:off x="626920" y="4138189"/>
+                <a:ext cx="818557" cy="609600"/>
+              </a:xfrm>
+              <a:prstGeom prst="rect">
+                <a:avLst/>
+              </a:prstGeom>
+              <a:noFill/>
+              <a:ln>
+                <a:solidFill>
+                  <a:srgbClr val="092529"/>
+                </a:solidFill>
+              </a:ln>
+              <a:effectLst/>
+            </p:spPr>
+            <p:style>
+              <a:lnRef idx="1">
+                <a:schemeClr val="accent1"/>
+              </a:lnRef>
+              <a:fillRef idx="3">
+                <a:schemeClr val="accent1"/>
+              </a:fillRef>
+              <a:effectRef idx="2">
+                <a:schemeClr val="accent1"/>
+              </a:effectRef>
+              <a:fontRef idx="minor">
+                <a:schemeClr val="lt1"/>
+              </a:fontRef>
+            </p:style>
+            <p:txBody>
+              <a:bodyPr lIns="274320" tIns="182880" rIns="274320" bIns="182880" rtlCol="0" anchor="ctr"/>
+              <a:lstStyle/>
+              <a:p>
+                <a:pPr algn="ctr"/>
+                <a:r>
+                  <a:rPr lang="en-US" dirty="0" err="1">
+                    <a:solidFill>
+                      <a:srgbClr val="092529"/>
+                    </a:solidFill>
+                    <a:latin typeface="Proxima Nova" charset="0"/>
+                    <a:ea typeface="Proxima Nova" charset="0"/>
+                    <a:cs typeface="Proxima Nova" charset="0"/>
+                  </a:rPr>
+                  <a:t>i</a:t>
+                </a:r>
+                <a:endParaRPr lang="en-US" dirty="0">
+                  <a:solidFill>
+                    <a:srgbClr val="092529"/>
+                  </a:solidFill>
+                  <a:latin typeface="Proxima Nova" charset="0"/>
+                  <a:ea typeface="Proxima Nova" charset="0"/>
+                  <a:cs typeface="Proxima Nova" charset="0"/>
+                </a:endParaRPr>
+              </a:p>
+            </p:txBody>
+          </p:sp>
+          <p:sp>
+            <p:nvSpPr>
+              <p:cNvPr id="11" name="Rectangle 10">
+                <a:extLst>
+                  <a:ext uri="{FF2B5EF4-FFF2-40B4-BE49-F238E27FC236}">
+                    <a16:creationId xmlns:a16="http://schemas.microsoft.com/office/drawing/2014/main" id="{161DBB51-3FB3-8A4D-9474-C45D347255C2}"/>
+                  </a:ext>
+                </a:extLst>
+              </p:cNvPr>
+              <p:cNvSpPr/>
+              <p:nvPr/>
+            </p:nvSpPr>
+            <p:spPr>
+              <a:xfrm>
+                <a:off x="626920" y="4747482"/>
+                <a:ext cx="818557" cy="609600"/>
+              </a:xfrm>
+              <a:prstGeom prst="rect">
+                <a:avLst/>
+              </a:prstGeom>
+              <a:noFill/>
+              <a:ln>
+                <a:solidFill>
+                  <a:srgbClr val="092529"/>
+                </a:solidFill>
+              </a:ln>
+              <a:effectLst/>
+            </p:spPr>
+            <p:style>
+              <a:lnRef idx="1">
+                <a:schemeClr val="accent1"/>
+              </a:lnRef>
+              <a:fillRef idx="3">
+                <a:schemeClr val="accent1"/>
+              </a:fillRef>
+              <a:effectRef idx="2">
+                <a:schemeClr val="accent1"/>
+              </a:effectRef>
+              <a:fontRef idx="minor">
+                <a:schemeClr val="lt1"/>
+              </a:fontRef>
+            </p:style>
+            <p:txBody>
+              <a:bodyPr lIns="274320" tIns="182880" rIns="274320" bIns="182880" rtlCol="0" anchor="ctr"/>
+              <a:lstStyle/>
+              <a:p>
+                <a:pPr algn="ctr"/>
+                <a:r>
+                  <a:rPr lang="en-US" dirty="0">
+                    <a:solidFill>
+                      <a:srgbClr val="092529"/>
+                    </a:solidFill>
+                    <a:latin typeface="Proxima Nova" charset="0"/>
+                    <a:ea typeface="Proxima Nova" charset="0"/>
+                    <a:cs typeface="Proxima Nova" charset="0"/>
+                  </a:rPr>
+                  <a:t>n</a:t>
+                </a:r>
+              </a:p>
+            </p:txBody>
+          </p:sp>
+          <p:sp>
+            <p:nvSpPr>
+              <p:cNvPr id="12" name="Rectangle 11">
+                <a:extLst>
+                  <a:ext uri="{FF2B5EF4-FFF2-40B4-BE49-F238E27FC236}">
+                    <a16:creationId xmlns:a16="http://schemas.microsoft.com/office/drawing/2014/main" id="{923BCAF3-84EA-3F49-9BC0-DEF01806DF37}"/>
+                  </a:ext>
+                </a:extLst>
+              </p:cNvPr>
+              <p:cNvSpPr/>
+              <p:nvPr/>
+            </p:nvSpPr>
+            <p:spPr>
+              <a:xfrm>
+                <a:off x="627879" y="5362240"/>
+                <a:ext cx="817600" cy="621384"/>
+              </a:xfrm>
+              <a:prstGeom prst="rect">
+                <a:avLst/>
+              </a:prstGeom>
+              <a:noFill/>
+              <a:ln>
+                <a:solidFill>
+                  <a:srgbClr val="092529"/>
+                </a:solidFill>
+              </a:ln>
+              <a:effectLst/>
+            </p:spPr>
+            <p:style>
+              <a:lnRef idx="1">
+                <a:schemeClr val="accent1"/>
+              </a:lnRef>
+              <a:fillRef idx="3">
+                <a:schemeClr val="accent1"/>
+              </a:fillRef>
+              <a:effectRef idx="2">
+                <a:schemeClr val="accent1"/>
+              </a:effectRef>
+              <a:fontRef idx="minor">
+                <a:schemeClr val="lt1"/>
+              </a:fontRef>
+            </p:style>
+            <p:txBody>
+              <a:bodyPr lIns="274320" tIns="182880" rIns="274320" bIns="182880" rtlCol="0" anchor="ctr"/>
+              <a:lstStyle/>
+              <a:p>
+                <a:pPr algn="ctr"/>
+                <a:r>
+                  <a:rPr lang="en-US" dirty="0">
+                    <a:solidFill>
+                      <a:srgbClr val="092529"/>
+                    </a:solidFill>
+                    <a:latin typeface="Proxima Nova" charset="0"/>
+                    <a:ea typeface="Proxima Nova" charset="0"/>
+                    <a:cs typeface="Proxima Nova" charset="0"/>
+                  </a:rPr>
+                  <a:t>n</a:t>
+                </a:r>
+              </a:p>
+            </p:txBody>
+          </p:sp>
+        </p:grpSp>
+      </p:grpSp>
+      <p:grpSp>
+        <p:nvGrpSpPr>
+          <p:cNvPr id="18" name="Group 17">
+            <a:extLst>
+              <a:ext uri="{FF2B5EF4-FFF2-40B4-BE49-F238E27FC236}">
+                <a16:creationId xmlns:a16="http://schemas.microsoft.com/office/drawing/2014/main" id="{973FBECF-0B96-9C49-93B0-CDFB2AE84414}"/>
+              </a:ext>
+            </a:extLst>
+          </p:cNvPr>
+          <p:cNvGrpSpPr/>
+          <p:nvPr/>
+        </p:nvGrpSpPr>
+        <p:grpSpPr>
+          <a:xfrm>
+            <a:off x="1463516" y="1494151"/>
+            <a:ext cx="637954" cy="5202922"/>
+            <a:chOff x="769833" y="1803702"/>
+            <a:chExt cx="637954" cy="5202922"/>
+          </a:xfrm>
+        </p:grpSpPr>
+        <p:sp>
+          <p:nvSpPr>
+            <p:cNvPr id="19" name="TextBox 18">
+              <a:extLst>
+                <a:ext uri="{FF2B5EF4-FFF2-40B4-BE49-F238E27FC236}">
+                  <a16:creationId xmlns:a16="http://schemas.microsoft.com/office/drawing/2014/main" id="{FE96829C-B63D-474B-8DAC-A9BE2FD4D824}"/>
+                </a:ext>
+              </a:extLst>
+            </p:cNvPr>
+            <p:cNvSpPr txBox="1"/>
+            <p:nvPr/>
+          </p:nvSpPr>
+          <p:spPr>
+            <a:xfrm>
+              <a:off x="912686" y="1803702"/>
+              <a:ext cx="286324" cy="400110"/>
+            </a:xfrm>
+            <a:prstGeom prst="rect">
+              <a:avLst/>
+            </a:prstGeom>
+            <a:noFill/>
+          </p:spPr>
+          <p:txBody>
+            <a:bodyPr wrap="square" rtlCol="0">
+              <a:spAutoFit/>
+            </a:bodyPr>
+            <a:lstStyle/>
+            <a:p>
+              <a:r>
+                <a:rPr lang="en-US" dirty="0"/>
+                <a:t>0</a:t>
+              </a:r>
+            </a:p>
+          </p:txBody>
+        </p:sp>
+        <p:sp>
+          <p:nvSpPr>
+            <p:cNvPr id="20" name="TextBox 19">
+              <a:extLst>
+                <a:ext uri="{FF2B5EF4-FFF2-40B4-BE49-F238E27FC236}">
+                  <a16:creationId xmlns:a16="http://schemas.microsoft.com/office/drawing/2014/main" id="{93C6121B-1016-304F-951A-96CFB7128924}"/>
+                </a:ext>
+              </a:extLst>
+            </p:cNvPr>
+            <p:cNvSpPr txBox="1"/>
+            <p:nvPr/>
+          </p:nvSpPr>
+          <p:spPr>
+            <a:xfrm>
+              <a:off x="912686" y="2265743"/>
+              <a:ext cx="286324" cy="400110"/>
+            </a:xfrm>
+            <a:prstGeom prst="rect">
+              <a:avLst/>
+            </a:prstGeom>
+            <a:noFill/>
+          </p:spPr>
+          <p:txBody>
+            <a:bodyPr wrap="square" rtlCol="0">
+              <a:spAutoFit/>
+            </a:bodyPr>
+            <a:lstStyle/>
+            <a:p>
+              <a:r>
+                <a:rPr lang="en-US" dirty="0"/>
+                <a:t>1</a:t>
+              </a:r>
+            </a:p>
+          </p:txBody>
+        </p:sp>
+        <p:sp>
+          <p:nvSpPr>
+            <p:cNvPr id="21" name="TextBox 20">
+              <a:extLst>
+                <a:ext uri="{FF2B5EF4-FFF2-40B4-BE49-F238E27FC236}">
+                  <a16:creationId xmlns:a16="http://schemas.microsoft.com/office/drawing/2014/main" id="{C204FC8C-5524-F741-B855-FC852EC11621}"/>
+                </a:ext>
+              </a:extLst>
+            </p:cNvPr>
+            <p:cNvSpPr txBox="1"/>
+            <p:nvPr/>
+          </p:nvSpPr>
+          <p:spPr>
+            <a:xfrm>
+              <a:off x="912686" y="2763319"/>
+              <a:ext cx="286324" cy="400110"/>
+            </a:xfrm>
+            <a:prstGeom prst="rect">
+              <a:avLst/>
+            </a:prstGeom>
+            <a:noFill/>
+          </p:spPr>
+          <p:txBody>
+            <a:bodyPr wrap="square" rtlCol="0">
+              <a:spAutoFit/>
+            </a:bodyPr>
+            <a:lstStyle/>
+            <a:p>
+              <a:r>
+                <a:rPr lang="en-US" dirty="0"/>
+                <a:t>2</a:t>
+              </a:r>
+            </a:p>
+          </p:txBody>
+        </p:sp>
+        <p:sp>
+          <p:nvSpPr>
+            <p:cNvPr id="22" name="TextBox 21">
+              <a:extLst>
+                <a:ext uri="{FF2B5EF4-FFF2-40B4-BE49-F238E27FC236}">
+                  <a16:creationId xmlns:a16="http://schemas.microsoft.com/office/drawing/2014/main" id="{9F667CAE-9EC6-A645-A149-9C930B9C6346}"/>
+                </a:ext>
+              </a:extLst>
+            </p:cNvPr>
+            <p:cNvSpPr txBox="1"/>
+            <p:nvPr/>
+          </p:nvSpPr>
+          <p:spPr>
+            <a:xfrm>
+              <a:off x="912545" y="3247598"/>
+              <a:ext cx="286324" cy="400110"/>
+            </a:xfrm>
+            <a:prstGeom prst="rect">
+              <a:avLst/>
+            </a:prstGeom>
+            <a:noFill/>
+          </p:spPr>
+          <p:txBody>
+            <a:bodyPr wrap="square" rtlCol="0">
+              <a:spAutoFit/>
+            </a:bodyPr>
+            <a:lstStyle/>
+            <a:p>
+              <a:r>
+                <a:rPr lang="en-US" dirty="0"/>
+                <a:t>3</a:t>
+              </a:r>
+            </a:p>
+          </p:txBody>
+        </p:sp>
+        <p:sp>
+          <p:nvSpPr>
+            <p:cNvPr id="23" name="TextBox 22">
+              <a:extLst>
+                <a:ext uri="{FF2B5EF4-FFF2-40B4-BE49-F238E27FC236}">
+                  <a16:creationId xmlns:a16="http://schemas.microsoft.com/office/drawing/2014/main" id="{80852F22-E13E-0546-B598-F4DFB95F2A30}"/>
+                </a:ext>
+              </a:extLst>
+            </p:cNvPr>
+            <p:cNvSpPr txBox="1"/>
+            <p:nvPr/>
+          </p:nvSpPr>
+          <p:spPr>
+            <a:xfrm>
+              <a:off x="912545" y="3706151"/>
+              <a:ext cx="286324" cy="400110"/>
+            </a:xfrm>
+            <a:prstGeom prst="rect">
+              <a:avLst/>
+            </a:prstGeom>
+            <a:noFill/>
+          </p:spPr>
+          <p:txBody>
+            <a:bodyPr wrap="square" rtlCol="0">
+              <a:spAutoFit/>
+            </a:bodyPr>
+            <a:lstStyle/>
+            <a:p>
+              <a:r>
+                <a:rPr lang="en-US" dirty="0"/>
+                <a:t>4</a:t>
+              </a:r>
+            </a:p>
+          </p:txBody>
+        </p:sp>
+        <p:sp>
+          <p:nvSpPr>
+            <p:cNvPr id="24" name="TextBox 23">
+              <a:extLst>
+                <a:ext uri="{FF2B5EF4-FFF2-40B4-BE49-F238E27FC236}">
+                  <a16:creationId xmlns:a16="http://schemas.microsoft.com/office/drawing/2014/main" id="{DCFFAF81-6EFA-714C-A5A0-C045D2C9E81F}"/>
+                </a:ext>
+              </a:extLst>
+            </p:cNvPr>
+            <p:cNvSpPr txBox="1"/>
+            <p:nvPr/>
+          </p:nvSpPr>
+          <p:spPr>
+            <a:xfrm>
+              <a:off x="912545" y="4211021"/>
+              <a:ext cx="286324" cy="400110"/>
+            </a:xfrm>
+            <a:prstGeom prst="rect">
+              <a:avLst/>
+            </a:prstGeom>
+            <a:noFill/>
+          </p:spPr>
+          <p:txBody>
+            <a:bodyPr wrap="square" rtlCol="0">
+              <a:spAutoFit/>
+            </a:bodyPr>
+            <a:lstStyle/>
+            <a:p>
+              <a:r>
+                <a:rPr lang="en-US" dirty="0"/>
+                <a:t>5</a:t>
+              </a:r>
+            </a:p>
+          </p:txBody>
+        </p:sp>
+        <p:sp>
+          <p:nvSpPr>
+            <p:cNvPr id="25" name="TextBox 24">
+              <a:extLst>
+                <a:ext uri="{FF2B5EF4-FFF2-40B4-BE49-F238E27FC236}">
+                  <a16:creationId xmlns:a16="http://schemas.microsoft.com/office/drawing/2014/main" id="{3A07A71D-E812-F744-8770-1259EDBA3D4F}"/>
+                </a:ext>
+              </a:extLst>
+            </p:cNvPr>
+            <p:cNvSpPr txBox="1"/>
+            <p:nvPr/>
+          </p:nvSpPr>
+          <p:spPr>
+            <a:xfrm>
+              <a:off x="912545" y="4680125"/>
+              <a:ext cx="286324" cy="400110"/>
+            </a:xfrm>
+            <a:prstGeom prst="rect">
+              <a:avLst/>
+            </a:prstGeom>
+            <a:noFill/>
+          </p:spPr>
+          <p:txBody>
+            <a:bodyPr wrap="square" rtlCol="0">
+              <a:spAutoFit/>
+            </a:bodyPr>
+            <a:lstStyle/>
+            <a:p>
+              <a:r>
+                <a:rPr lang="en-US" dirty="0"/>
+                <a:t>6</a:t>
+              </a:r>
+            </a:p>
+          </p:txBody>
+        </p:sp>
+        <p:sp>
+          <p:nvSpPr>
+            <p:cNvPr id="26" name="TextBox 25">
+              <a:extLst>
+                <a:ext uri="{FF2B5EF4-FFF2-40B4-BE49-F238E27FC236}">
+                  <a16:creationId xmlns:a16="http://schemas.microsoft.com/office/drawing/2014/main" id="{CE0AD569-AAA5-8449-951E-88AAB3CE2527}"/>
+                </a:ext>
+              </a:extLst>
+            </p:cNvPr>
+            <p:cNvSpPr txBox="1"/>
+            <p:nvPr/>
+          </p:nvSpPr>
+          <p:spPr>
+            <a:xfrm>
+              <a:off x="911789" y="5149229"/>
+              <a:ext cx="286324" cy="400110"/>
+            </a:xfrm>
+            <a:prstGeom prst="rect">
+              <a:avLst/>
+            </a:prstGeom>
+            <a:noFill/>
+          </p:spPr>
+          <p:txBody>
+            <a:bodyPr wrap="square" rtlCol="0">
+              <a:spAutoFit/>
+            </a:bodyPr>
+            <a:lstStyle/>
+            <a:p>
+              <a:r>
+                <a:rPr lang="en-US" dirty="0"/>
+                <a:t>7</a:t>
+              </a:r>
+            </a:p>
+          </p:txBody>
+        </p:sp>
+        <p:sp>
+          <p:nvSpPr>
+            <p:cNvPr id="27" name="TextBox 26">
+              <a:extLst>
+                <a:ext uri="{FF2B5EF4-FFF2-40B4-BE49-F238E27FC236}">
+                  <a16:creationId xmlns:a16="http://schemas.microsoft.com/office/drawing/2014/main" id="{21CB13CB-CF05-6742-9573-F14FE40C7B77}"/>
+                </a:ext>
+              </a:extLst>
+            </p:cNvPr>
+            <p:cNvSpPr txBox="1"/>
+            <p:nvPr/>
+          </p:nvSpPr>
+          <p:spPr>
+            <a:xfrm>
+              <a:off x="911723" y="5644139"/>
+              <a:ext cx="286324" cy="400110"/>
+            </a:xfrm>
+            <a:prstGeom prst="rect">
+              <a:avLst/>
+            </a:prstGeom>
+            <a:noFill/>
+          </p:spPr>
+          <p:txBody>
+            <a:bodyPr wrap="square" rtlCol="0">
+              <a:spAutoFit/>
+            </a:bodyPr>
+            <a:lstStyle/>
+            <a:p>
+              <a:r>
+                <a:rPr lang="en-US" dirty="0"/>
+                <a:t>8</a:t>
+              </a:r>
+            </a:p>
+          </p:txBody>
+        </p:sp>
+        <p:sp>
+          <p:nvSpPr>
+            <p:cNvPr id="28" name="TextBox 27">
+              <a:extLst>
+                <a:ext uri="{FF2B5EF4-FFF2-40B4-BE49-F238E27FC236}">
+                  <a16:creationId xmlns:a16="http://schemas.microsoft.com/office/drawing/2014/main" id="{2A677E85-CF9D-6648-932D-931085AA6956}"/>
+                </a:ext>
+              </a:extLst>
+            </p:cNvPr>
+            <p:cNvSpPr txBox="1"/>
+            <p:nvPr/>
+          </p:nvSpPr>
+          <p:spPr>
+            <a:xfrm>
+              <a:off x="911723" y="6117987"/>
+              <a:ext cx="286324" cy="400110"/>
+            </a:xfrm>
+            <a:prstGeom prst="rect">
+              <a:avLst/>
+            </a:prstGeom>
+            <a:noFill/>
+          </p:spPr>
+          <p:txBody>
+            <a:bodyPr wrap="square" rtlCol="0">
+              <a:spAutoFit/>
+            </a:bodyPr>
+            <a:lstStyle/>
+            <a:p>
+              <a:r>
+                <a:rPr lang="en-US" dirty="0"/>
+                <a:t>9</a:t>
+              </a:r>
+            </a:p>
+          </p:txBody>
+        </p:sp>
+        <p:sp>
+          <p:nvSpPr>
+            <p:cNvPr id="29" name="TextBox 28">
+              <a:extLst>
+                <a:ext uri="{FF2B5EF4-FFF2-40B4-BE49-F238E27FC236}">
+                  <a16:creationId xmlns:a16="http://schemas.microsoft.com/office/drawing/2014/main" id="{D1991BAD-B691-5940-95D1-3534A9E964DC}"/>
+                </a:ext>
+              </a:extLst>
+            </p:cNvPr>
+            <p:cNvSpPr txBox="1"/>
+            <p:nvPr/>
+          </p:nvSpPr>
+          <p:spPr>
+            <a:xfrm>
+              <a:off x="769833" y="6606514"/>
+              <a:ext cx="637954" cy="400110"/>
+            </a:xfrm>
+            <a:prstGeom prst="rect">
+              <a:avLst/>
+            </a:prstGeom>
+            <a:noFill/>
+          </p:spPr>
+          <p:txBody>
+            <a:bodyPr wrap="square" rtlCol="0">
+              <a:spAutoFit/>
+            </a:bodyPr>
+            <a:lstStyle/>
+            <a:p>
+              <a:r>
+                <a:rPr lang="en-US" dirty="0"/>
+                <a:t>10</a:t>
+              </a:r>
+            </a:p>
+          </p:txBody>
+        </p:sp>
+      </p:grpSp>
+    </p:spTree>
+    <p:extLst>
+      <p:ext uri="{BB962C8B-B14F-4D97-AF65-F5344CB8AC3E}">
+        <p14:creationId xmlns:p14="http://schemas.microsoft.com/office/powerpoint/2010/main" val="922784966"/>
+      </p:ext>
+    </p:extLst>
+  </p:cSld>
+  <p:clrMapOvr>
+    <a:masterClrMapping/>
+  </p:clrMapOvr>
+  <mc:AlternateContent xmlns:mc="http://schemas.openxmlformats.org/markup-compatibility/2006" xmlns:p14="http://schemas.microsoft.com/office/powerpoint/2010/main">
+    <mc:Choice Requires="p14">
+      <p:transition p14:dur="300">
+        <p:fade/>
+      </p:transition>
+    </mc:Choice>
+    <mc:Fallback xmlns="">
+      <p:transition>
+        <p:fade/>
+      </p:transition>
+    </mc:Fallback>
+  </mc:AlternateContent>
+  <p:timing>
+    <p:tnLst>
+      <p:par>
+        <p:cTn id="1" dur="indefinite" restart="never" nodeType="tmRoot">
+          <p:childTnLst>
+            <p:seq concurrent="1" nextAc="seek">
+              <p:cTn id="2" dur="indefinite" nodeType="mainSeq">
+                <p:childTnLst>
+                  <p:par>
+                    <p:cTn id="3" fill="hold">
+                      <p:stCondLst>
+                        <p:cond delay="indefinite"/>
+                      </p:stCondLst>
+                      <p:childTnLst>
+                        <p:par>
+                          <p:cTn id="4" fill="hold">
+                            <p:stCondLst>
+                              <p:cond delay="0"/>
+                            </p:stCondLst>
+                            <p:childTnLst>
+                              <p:par>
+                                <p:cTn id="5" presetID="9" presetClass="entr" presetSubtype="0" fill="hold" grpId="0" nodeType="clickEffect">
+                                  <p:stCondLst>
+                                    <p:cond delay="0"/>
+                                  </p:stCondLst>
+                                  <p:childTnLst>
+                                    <p:set>
+                                      <p:cBhvr>
+                                        <p:cTn id="6" dur="1" fill="hold">
+                                          <p:stCondLst>
+                                            <p:cond delay="0"/>
+                                          </p:stCondLst>
+                                        </p:cTn>
+                                        <p:tgtEl>
+                                          <p:spTgt spid="3">
+                                            <p:txEl>
+                                              <p:pRg st="0" end="0"/>
+                                            </p:txEl>
+                                          </p:spTgt>
+                                        </p:tgtEl>
+                                        <p:attrNameLst>
+                                          <p:attrName>style.visibility</p:attrName>
+                                        </p:attrNameLst>
+                                      </p:cBhvr>
+                                      <p:to>
+                                        <p:strVal val="visible"/>
+                                      </p:to>
+                                    </p:set>
+                                    <p:animEffect transition="in" filter="dissolve">
+                                      <p:cBhvr>
+                                        <p:cTn id="7" dur="500"/>
+                                        <p:tgtEl>
+                                          <p:spTgt spid="3">
+                                            <p:txEl>
+                                              <p:pRg st="0" end="0"/>
+                                            </p:txEl>
+                                          </p:spTgt>
+                                        </p:tgtEl>
+                                      </p:cBhvr>
+                                    </p:animEffect>
+                                  </p:childTnLst>
+                                </p:cTn>
+                              </p:par>
+                            </p:childTnLst>
+                          </p:cTn>
+                        </p:par>
+                      </p:childTnLst>
+                    </p:cTn>
+                  </p:par>
+                  <p:par>
+                    <p:cTn id="8" fill="hold">
+                      <p:stCondLst>
+                        <p:cond delay="indefinite"/>
+                      </p:stCondLst>
+                      <p:childTnLst>
+                        <p:par>
+                          <p:cTn id="9" fill="hold">
+                            <p:stCondLst>
+                              <p:cond delay="0"/>
+                            </p:stCondLst>
+                            <p:childTnLst>
+                              <p:par>
+                                <p:cTn id="10" presetID="9" presetClass="entr" presetSubtype="0" fill="hold" grpId="0" nodeType="clickEffect">
+                                  <p:stCondLst>
+                                    <p:cond delay="0"/>
+                                  </p:stCondLst>
+                                  <p:childTnLst>
+                                    <p:set>
+                                      <p:cBhvr>
+                                        <p:cTn id="11" dur="1" fill="hold">
+                                          <p:stCondLst>
+                                            <p:cond delay="0"/>
+                                          </p:stCondLst>
+                                        </p:cTn>
+                                        <p:tgtEl>
+                                          <p:spTgt spid="3">
+                                            <p:txEl>
+                                              <p:pRg st="1" end="1"/>
+                                            </p:txEl>
+                                          </p:spTgt>
+                                        </p:tgtEl>
+                                        <p:attrNameLst>
+                                          <p:attrName>style.visibility</p:attrName>
+                                        </p:attrNameLst>
+                                      </p:cBhvr>
+                                      <p:to>
+                                        <p:strVal val="visible"/>
+                                      </p:to>
+                                    </p:set>
+                                    <p:animEffect transition="in" filter="dissolve">
+                                      <p:cBhvr>
+                                        <p:cTn id="12" dur="500"/>
+                                        <p:tgtEl>
+                                          <p:spTgt spid="3">
+                                            <p:txEl>
+                                              <p:pRg st="1" end="1"/>
+                                            </p:txEl>
+                                          </p:spTgt>
+                                        </p:tgtEl>
+                                      </p:cBhvr>
+                                    </p:animEffect>
+                                  </p:childTnLst>
+                                </p:cTn>
+                              </p:par>
+                              <p:par>
+                                <p:cTn id="13" presetID="9" presetClass="entr" presetSubtype="0" fill="hold" grpId="0" nodeType="withEffect">
+                                  <p:stCondLst>
+                                    <p:cond delay="0"/>
+                                  </p:stCondLst>
+                                  <p:childTnLst>
+                                    <p:set>
+                                      <p:cBhvr>
+                                        <p:cTn id="14" dur="1" fill="hold">
+                                          <p:stCondLst>
+                                            <p:cond delay="0"/>
+                                          </p:stCondLst>
+                                        </p:cTn>
+                                        <p:tgtEl>
+                                          <p:spTgt spid="3">
+                                            <p:txEl>
+                                              <p:pRg st="2" end="2"/>
+                                            </p:txEl>
+                                          </p:spTgt>
+                                        </p:tgtEl>
+                                        <p:attrNameLst>
+                                          <p:attrName>style.visibility</p:attrName>
+                                        </p:attrNameLst>
+                                      </p:cBhvr>
+                                      <p:to>
+                                        <p:strVal val="visible"/>
+                                      </p:to>
+                                    </p:set>
+                                    <p:animEffect transition="in" filter="dissolve">
+                                      <p:cBhvr>
+                                        <p:cTn id="15" dur="500"/>
+                                        <p:tgtEl>
+                                          <p:spTgt spid="3">
+                                            <p:txEl>
+                                              <p:pRg st="2" end="2"/>
+                                            </p:txEl>
+                                          </p:spTgt>
+                                        </p:tgtEl>
+                                      </p:cBhvr>
+                                    </p:animEffect>
+                                  </p:childTnLst>
+                                </p:cTn>
+                              </p:par>
+                              <p:par>
+                                <p:cTn id="16" presetID="9" presetClass="entr" presetSubtype="0" fill="hold" grpId="0" nodeType="withEffect">
+                                  <p:stCondLst>
+                                    <p:cond delay="0"/>
+                                  </p:stCondLst>
+                                  <p:childTnLst>
+                                    <p:set>
+                                      <p:cBhvr>
+                                        <p:cTn id="17" dur="1" fill="hold">
+                                          <p:stCondLst>
+                                            <p:cond delay="0"/>
+                                          </p:stCondLst>
+                                        </p:cTn>
+                                        <p:tgtEl>
+                                          <p:spTgt spid="3">
+                                            <p:txEl>
+                                              <p:pRg st="3" end="3"/>
+                                            </p:txEl>
+                                          </p:spTgt>
+                                        </p:tgtEl>
+                                        <p:attrNameLst>
+                                          <p:attrName>style.visibility</p:attrName>
+                                        </p:attrNameLst>
+                                      </p:cBhvr>
+                                      <p:to>
+                                        <p:strVal val="visible"/>
+                                      </p:to>
+                                    </p:set>
+                                    <p:animEffect transition="in" filter="dissolve">
+                                      <p:cBhvr>
+                                        <p:cTn id="18" dur="500"/>
+                                        <p:tgtEl>
+                                          <p:spTgt spid="3">
+                                            <p:txEl>
+                                              <p:pRg st="3" end="3"/>
+                                            </p:txEl>
+                                          </p:spTgt>
+                                        </p:tgtEl>
+                                      </p:cBhvr>
+                                    </p:animEffect>
+                                  </p:childTnLst>
+                                </p:cTn>
+                              </p:par>
+                            </p:childTnLst>
+                          </p:cTn>
+                        </p:par>
+                      </p:childTnLst>
+                    </p:cTn>
+                  </p:par>
+                  <p:par>
+                    <p:cTn id="19" fill="hold">
+                      <p:stCondLst>
+                        <p:cond delay="indefinite"/>
+                      </p:stCondLst>
+                      <p:childTnLst>
+                        <p:par>
+                          <p:cTn id="20" fill="hold">
+                            <p:stCondLst>
+                              <p:cond delay="0"/>
+                            </p:stCondLst>
+                            <p:childTnLst>
+                              <p:par>
+                                <p:cTn id="21" presetID="9" presetClass="entr" presetSubtype="0" fill="hold" grpId="0" nodeType="clickEffect">
+                                  <p:stCondLst>
+                                    <p:cond delay="0"/>
+                                  </p:stCondLst>
+                                  <p:childTnLst>
+                                    <p:set>
+                                      <p:cBhvr>
+                                        <p:cTn id="22" dur="1" fill="hold">
+                                          <p:stCondLst>
+                                            <p:cond delay="0"/>
+                                          </p:stCondLst>
+                                        </p:cTn>
+                                        <p:tgtEl>
+                                          <p:spTgt spid="3">
+                                            <p:txEl>
+                                              <p:pRg st="5" end="5"/>
+                                            </p:txEl>
+                                          </p:spTgt>
+                                        </p:tgtEl>
+                                        <p:attrNameLst>
+                                          <p:attrName>style.visibility</p:attrName>
+                                        </p:attrNameLst>
+                                      </p:cBhvr>
+                                      <p:to>
+                                        <p:strVal val="visible"/>
+                                      </p:to>
+                                    </p:set>
+                                    <p:animEffect transition="in" filter="dissolve">
+                                      <p:cBhvr>
+                                        <p:cTn id="23" dur="500"/>
+                                        <p:tgtEl>
+                                          <p:spTgt spid="3">
+                                            <p:txEl>
+                                              <p:pRg st="5" end="5"/>
+                                            </p:txEl>
+                                          </p:spTgt>
+                                        </p:tgtEl>
+                                      </p:cBhvr>
+                                    </p:animEffect>
+                                  </p:childTnLst>
+                                </p:cTn>
+                              </p:par>
+                            </p:childTnLst>
+                          </p:cTn>
+                        </p:par>
+                      </p:childTnLst>
+                    </p:cTn>
+                  </p:par>
+                  <p:par>
+                    <p:cTn id="24" fill="hold">
+                      <p:stCondLst>
+                        <p:cond delay="indefinite"/>
+                      </p:stCondLst>
+                      <p:childTnLst>
+                        <p:par>
+                          <p:cTn id="25" fill="hold">
+                            <p:stCondLst>
+                              <p:cond delay="0"/>
+                            </p:stCondLst>
+                            <p:childTnLst>
+                              <p:par>
+                                <p:cTn id="26" presetID="9" presetClass="entr" presetSubtype="0" fill="hold" grpId="0" nodeType="clickEffect">
+                                  <p:stCondLst>
+                                    <p:cond delay="0"/>
+                                  </p:stCondLst>
+                                  <p:childTnLst>
+                                    <p:set>
+                                      <p:cBhvr>
+                                        <p:cTn id="27" dur="1" fill="hold">
+                                          <p:stCondLst>
+                                            <p:cond delay="0"/>
+                                          </p:stCondLst>
+                                        </p:cTn>
+                                        <p:tgtEl>
+                                          <p:spTgt spid="3">
+                                            <p:txEl>
+                                              <p:pRg st="6" end="6"/>
+                                            </p:txEl>
+                                          </p:spTgt>
+                                        </p:tgtEl>
+                                        <p:attrNameLst>
+                                          <p:attrName>style.visibility</p:attrName>
+                                        </p:attrNameLst>
+                                      </p:cBhvr>
+                                      <p:to>
+                                        <p:strVal val="visible"/>
+                                      </p:to>
+                                    </p:set>
+                                    <p:animEffect transition="in" filter="dissolve">
+                                      <p:cBhvr>
+                                        <p:cTn id="28" dur="500"/>
+                                        <p:tgtEl>
+                                          <p:spTgt spid="3">
+                                            <p:txEl>
+                                              <p:pRg st="6" end="6"/>
+                                            </p:txEl>
+                                          </p:spTgt>
+                                        </p:tgtEl>
+                                      </p:cBhvr>
+                                    </p:animEffect>
+                                  </p:childTnLst>
+                                </p:cTn>
+                              </p:par>
+                            </p:childTnLst>
+                          </p:cTn>
+                        </p:par>
+                      </p:childTnLst>
+                    </p:cTn>
+                  </p:par>
+                  <p:par>
+                    <p:cTn id="29" fill="hold">
+                      <p:stCondLst>
+                        <p:cond delay="indefinite"/>
+                      </p:stCondLst>
+                      <p:childTnLst>
+                        <p:par>
+                          <p:cTn id="30" fill="hold">
+                            <p:stCondLst>
+                              <p:cond delay="0"/>
+                            </p:stCondLst>
+                            <p:childTnLst>
+                              <p:par>
+                                <p:cTn id="31" presetID="9" presetClass="entr" presetSubtype="0" fill="hold" grpId="0" nodeType="clickEffect">
+                                  <p:stCondLst>
+                                    <p:cond delay="0"/>
+                                  </p:stCondLst>
+                                  <p:childTnLst>
+                                    <p:set>
+                                      <p:cBhvr>
+                                        <p:cTn id="32" dur="1" fill="hold">
+                                          <p:stCondLst>
+                                            <p:cond delay="0"/>
+                                          </p:stCondLst>
+                                        </p:cTn>
+                                        <p:tgtEl>
+                                          <p:spTgt spid="3">
+                                            <p:txEl>
+                                              <p:pRg st="8" end="8"/>
+                                            </p:txEl>
+                                          </p:spTgt>
+                                        </p:tgtEl>
+                                        <p:attrNameLst>
+                                          <p:attrName>style.visibility</p:attrName>
+                                        </p:attrNameLst>
+                                      </p:cBhvr>
+                                      <p:to>
+                                        <p:strVal val="visible"/>
+                                      </p:to>
+                                    </p:set>
+                                    <p:animEffect transition="in" filter="dissolve">
+                                      <p:cBhvr>
+                                        <p:cTn id="33" dur="500"/>
+                                        <p:tgtEl>
+                                          <p:spTgt spid="3">
+                                            <p:txEl>
+                                              <p:pRg st="8" end="8"/>
+                                            </p:txEl>
+                                          </p:spTgt>
+                                        </p:tgtEl>
+                                      </p:cBhvr>
+                                    </p:animEffect>
+                                  </p:childTnLst>
+                                </p:cTn>
+                              </p:par>
+                            </p:childTnLst>
+                          </p:cTn>
+                        </p:par>
+                      </p:childTnLst>
+                    </p:cTn>
+                  </p:par>
+                  <p:par>
+                    <p:cTn id="34" fill="hold">
+                      <p:stCondLst>
+                        <p:cond delay="indefinite"/>
+                      </p:stCondLst>
+                      <p:childTnLst>
+                        <p:par>
+                          <p:cTn id="35" fill="hold">
+                            <p:stCondLst>
+                              <p:cond delay="0"/>
+                            </p:stCondLst>
+                            <p:childTnLst>
+                              <p:par>
+                                <p:cTn id="36" presetID="9" presetClass="entr" presetSubtype="0" fill="hold" grpId="0" nodeType="clickEffect">
+                                  <p:stCondLst>
+                                    <p:cond delay="0"/>
+                                  </p:stCondLst>
+                                  <p:childTnLst>
+                                    <p:set>
+                                      <p:cBhvr>
+                                        <p:cTn id="37" dur="1" fill="hold">
+                                          <p:stCondLst>
+                                            <p:cond delay="0"/>
+                                          </p:stCondLst>
+                                        </p:cTn>
+                                        <p:tgtEl>
+                                          <p:spTgt spid="3">
+                                            <p:txEl>
+                                              <p:pRg st="9" end="9"/>
+                                            </p:txEl>
+                                          </p:spTgt>
+                                        </p:tgtEl>
+                                        <p:attrNameLst>
+                                          <p:attrName>style.visibility</p:attrName>
+                                        </p:attrNameLst>
+                                      </p:cBhvr>
+                                      <p:to>
+                                        <p:strVal val="visible"/>
+                                      </p:to>
+                                    </p:set>
+                                    <p:animEffect transition="in" filter="dissolve">
+                                      <p:cBhvr>
+                                        <p:cTn id="38" dur="500"/>
+                                        <p:tgtEl>
+                                          <p:spTgt spid="3">
+                                            <p:txEl>
+                                              <p:pRg st="9" end="9"/>
+                                            </p:txEl>
+                                          </p:spTgt>
+                                        </p:tgtEl>
+                                      </p:cBhvr>
+                                    </p:animEffect>
+                                  </p:childTnLst>
+                                </p:cTn>
+                              </p:par>
+                            </p:childTnLst>
+                          </p:cTn>
+                        </p:par>
+                      </p:childTnLst>
+                    </p:cTn>
+                  </p:par>
+                  <p:par>
+                    <p:cTn id="39" fill="hold">
+                      <p:stCondLst>
+                        <p:cond delay="indefinite"/>
+                      </p:stCondLst>
+                      <p:childTnLst>
+                        <p:par>
+                          <p:cTn id="40" fill="hold">
+                            <p:stCondLst>
+                              <p:cond delay="0"/>
+                            </p:stCondLst>
+                            <p:childTnLst>
+                              <p:par>
+                                <p:cTn id="41" presetID="9" presetClass="entr" presetSubtype="0" fill="hold" grpId="0" nodeType="clickEffect">
+                                  <p:stCondLst>
+                                    <p:cond delay="0"/>
+                                  </p:stCondLst>
+                                  <p:childTnLst>
+                                    <p:set>
+                                      <p:cBhvr>
+                                        <p:cTn id="42" dur="1" fill="hold">
+                                          <p:stCondLst>
+                                            <p:cond delay="0"/>
+                                          </p:stCondLst>
+                                        </p:cTn>
+                                        <p:tgtEl>
+                                          <p:spTgt spid="3">
+                                            <p:txEl>
+                                              <p:pRg st="10" end="10"/>
+                                            </p:txEl>
+                                          </p:spTgt>
+                                        </p:tgtEl>
+                                        <p:attrNameLst>
+                                          <p:attrName>style.visibility</p:attrName>
+                                        </p:attrNameLst>
+                                      </p:cBhvr>
+                                      <p:to>
+                                        <p:strVal val="visible"/>
+                                      </p:to>
+                                    </p:set>
+                                    <p:animEffect transition="in" filter="dissolve">
+                                      <p:cBhvr>
+                                        <p:cTn id="43" dur="500"/>
+                                        <p:tgtEl>
+                                          <p:spTgt spid="3">
+                                            <p:txEl>
+                                              <p:pRg st="10" end="10"/>
+                                            </p:txEl>
+                                          </p:spTgt>
+                                        </p:tgtEl>
+                                      </p:cBhvr>
+                                    </p:animEffect>
+                                  </p:childTnLst>
+                                </p:cTn>
+                              </p:par>
+                            </p:childTnLst>
+                          </p:cTn>
+                        </p:par>
+                      </p:childTnLst>
+                    </p:cTn>
+                  </p:par>
+                </p:childTnLst>
+              </p:cTn>
+              <p:prevCondLst>
+                <p:cond evt="onPrev" delay="0">
+                  <p:tgtEl>
+                    <p:sldTgt/>
+                  </p:tgtEl>
+                </p:cond>
+              </p:prevCondLst>
+              <p:nextCondLst>
+                <p:cond evt="onNext" delay="0">
+                  <p:tgtEl>
+                    <p:sldTgt/>
+                  </p:tgtEl>
+                </p:cond>
+              </p:nextCondLst>
+            </p:seq>
+          </p:childTnLst>
+        </p:cTn>
+      </p:par>
+    </p:tnLst>
+    <p:bldLst>
+      <p:bldP spid="3" grpId="0" build="p"/>
+    </p:bldLst>
+  </p:timing>
+</p:sld>
+</file>
+
+<file path=ppt/slides/slide11.xml><?xml version="1.0" encoding="utf-8"?>
+<p:sld xmlns:a="http://schemas.openxmlformats.org/drawingml/2006/main" xmlns:r="http://schemas.openxmlformats.org/officeDocument/2006/relationships" xmlns:p="http://schemas.openxmlformats.org/presentationml/2006/main">
+  <p:cSld>
+    <p:spTree>
+      <p:nvGrpSpPr>
+        <p:cNvPr id="1" name=""/>
+        <p:cNvGrpSpPr/>
+        <p:nvPr/>
+      </p:nvGrpSpPr>
+      <p:grpSpPr>
+        <a:xfrm>
+          <a:off x="0" y="0"/>
+          <a:ext cx="0" cy="0"/>
+          <a:chOff x="0" y="0"/>
+          <a:chExt cx="0" cy="0"/>
+        </a:xfrm>
+      </p:grpSpPr>
+      <p:sp>
+        <p:nvSpPr>
+          <p:cNvPr id="2" name="Title 1">
+            <a:extLst>
+              <a:ext uri="{FF2B5EF4-FFF2-40B4-BE49-F238E27FC236}">
+                <a16:creationId xmlns:a16="http://schemas.microsoft.com/office/drawing/2014/main" id="{456134FB-0EB9-4C9B-A21A-F65D1B401086}"/>
+              </a:ext>
+            </a:extLst>
+          </p:cNvPr>
+          <p:cNvSpPr>
+            <a:spLocks noGrp="1"/>
+          </p:cNvSpPr>
+          <p:nvPr>
+            <p:ph type="title"/>
+          </p:nvPr>
+        </p:nvSpPr>
+        <p:spPr/>
+        <p:txBody>
+          <a:bodyPr/>
+          <a:lstStyle/>
+          <a:p>
+            <a:r>
+              <a:rPr lang="en-US" dirty="0"/>
+              <a:t>Substring Practice</a:t>
+            </a:r>
+          </a:p>
+        </p:txBody>
+      </p:sp>
+      <p:sp>
+        <p:nvSpPr>
+          <p:cNvPr id="3" name="Text Placeholder 2">
+            <a:extLst>
+              <a:ext uri="{FF2B5EF4-FFF2-40B4-BE49-F238E27FC236}">
+                <a16:creationId xmlns:a16="http://schemas.microsoft.com/office/drawing/2014/main" id="{178B3EEE-0975-4700-AA54-BEF9ABDC29D1}"/>
+              </a:ext>
+            </a:extLst>
+          </p:cNvPr>
+          <p:cNvSpPr>
+            <a:spLocks noGrp="1"/>
+          </p:cNvSpPr>
+          <p:nvPr>
+            <p:ph type="body" sz="quarter" idx="10"/>
+          </p:nvPr>
+        </p:nvSpPr>
+        <p:spPr>
+          <a:xfrm>
+            <a:off x="628075" y="1776683"/>
+            <a:ext cx="12561453" cy="1230145"/>
+          </a:xfrm>
+        </p:spPr>
+        <p:txBody>
+          <a:bodyPr/>
+          <a:lstStyle/>
+          <a:p>
+            <a:r>
+              <a:rPr lang="en-US" dirty="0"/>
+              <a:t>Write a method that takes all characters after a given character</a:t>
+            </a:r>
+          </a:p>
+          <a:p>
+            <a:pPr lvl="1"/>
+            <a:r>
+              <a:rPr lang="en-US" dirty="0"/>
+              <a:t>Example: sub(“SATOROTAS”, “O”)  // return ROTAS</a:t>
+            </a:r>
+          </a:p>
+          <a:p>
+            <a:pPr lvl="1"/>
+            <a:r>
+              <a:rPr lang="en-US" dirty="0"/>
+              <a:t>Example: sub(“SATOROTAS”, “A”) // returns TOROTAS</a:t>
+            </a:r>
+          </a:p>
+        </p:txBody>
+      </p:sp>
+    </p:spTree>
+    <p:extLst>
+      <p:ext uri="{BB962C8B-B14F-4D97-AF65-F5344CB8AC3E}">
+        <p14:creationId xmlns:p14="http://schemas.microsoft.com/office/powerpoint/2010/main" val="1499344891"/>
+      </p:ext>
+    </p:extLst>
+  </p:cSld>
+  <p:clrMapOvr>
+    <a:masterClrMapping/>
+  </p:clrMapOvr>
+  <mc:AlternateContent xmlns:mc="http://schemas.openxmlformats.org/markup-compatibility/2006" xmlns:p14="http://schemas.microsoft.com/office/powerpoint/2010/main">
+    <mc:Choice Requires="p14">
+      <p:transition p14:dur="300">
+        <p:fade/>
+      </p:transition>
+    </mc:Choice>
+    <mc:Fallback xmlns="">
+      <p:transition>
+        <p:fade/>
+      </p:transition>
+    </mc:Fallback>
+  </mc:AlternateContent>
+</p:sld>
+</file>
+
+<file path=ppt/slides/slide12.xml><?xml version="1.0" encoding="utf-8"?>
+<p:sld xmlns:a="http://schemas.openxmlformats.org/drawingml/2006/main" xmlns:r="http://schemas.openxmlformats.org/officeDocument/2006/relationships" xmlns:p="http://schemas.openxmlformats.org/presentationml/2006/main">
+  <p:cSld>
+    <p:spTree>
+      <p:nvGrpSpPr>
+        <p:cNvPr id="1" name=""/>
+        <p:cNvGrpSpPr/>
+        <p:nvPr/>
+      </p:nvGrpSpPr>
+      <p:grpSpPr>
+        <a:xfrm>
+          <a:off x="0" y="0"/>
+          <a:ext cx="0" cy="0"/>
+          <a:chOff x="0" y="0"/>
+          <a:chExt cx="0" cy="0"/>
+        </a:xfrm>
+      </p:grpSpPr>
+      <p:sp>
+        <p:nvSpPr>
+          <p:cNvPr id="2" name="Title 1">
+            <a:extLst>
+              <a:ext uri="{FF2B5EF4-FFF2-40B4-BE49-F238E27FC236}">
+                <a16:creationId xmlns:a16="http://schemas.microsoft.com/office/drawing/2014/main" id="{40A86CDA-E287-DD40-AE57-9C3F147567A0}"/>
+              </a:ext>
+            </a:extLst>
+          </p:cNvPr>
+          <p:cNvSpPr>
+            <a:spLocks noGrp="1"/>
+          </p:cNvSpPr>
+          <p:nvPr>
+            <p:ph type="title"/>
+          </p:nvPr>
+        </p:nvSpPr>
+        <p:spPr/>
+        <p:txBody>
+          <a:bodyPr/>
+          <a:lstStyle/>
+          <a:p>
+            <a:r>
+              <a:rPr lang="en-US" dirty="0"/>
+              <a:t>Take-away</a:t>
+            </a:r>
+          </a:p>
+        </p:txBody>
+      </p:sp>
+      <p:sp>
+        <p:nvSpPr>
+          <p:cNvPr id="3" name="Text Placeholder 2">
+            <a:extLst>
+              <a:ext uri="{FF2B5EF4-FFF2-40B4-BE49-F238E27FC236}">
+                <a16:creationId xmlns:a16="http://schemas.microsoft.com/office/drawing/2014/main" id="{41B5368D-D77B-EE49-9BAC-201648A47624}"/>
+              </a:ext>
+            </a:extLst>
+          </p:cNvPr>
+          <p:cNvSpPr>
+            <a:spLocks noGrp="1"/>
+          </p:cNvSpPr>
+          <p:nvPr>
+            <p:ph type="body" sz="quarter" idx="10"/>
+          </p:nvPr>
+        </p:nvSpPr>
+        <p:spPr>
+          <a:xfrm>
+            <a:off x="628075" y="1776683"/>
+            <a:ext cx="12561453" cy="3117135"/>
+          </a:xfrm>
+        </p:spPr>
+        <p:txBody>
+          <a:bodyPr/>
+          <a:lstStyle/>
+          <a:p>
+            <a:r>
+              <a:rPr lang="en-US" sz="3200" dirty="0"/>
+              <a:t>All Strings have indices from 0 to length-1</a:t>
+            </a:r>
+          </a:p>
+          <a:p>
+            <a:pPr lvl="1"/>
+            <a:r>
+              <a:rPr lang="en-US" sz="2800" dirty="0" err="1"/>
+              <a:t>indexOf</a:t>
+            </a:r>
+            <a:r>
+              <a:rPr lang="en-US" sz="2800" dirty="0"/>
+              <a:t>(char) – finds the index of a character or substring</a:t>
+            </a:r>
+          </a:p>
+          <a:p>
+            <a:pPr lvl="1"/>
+            <a:r>
+              <a:rPr lang="en-US" sz="2800" dirty="0" err="1"/>
+              <a:t>charAt</a:t>
+            </a:r>
+            <a:r>
+              <a:rPr lang="en-US" sz="2800" dirty="0"/>
+              <a:t>(int) - gives you the character at an index</a:t>
+            </a:r>
+          </a:p>
+          <a:p>
+            <a:pPr lvl="1"/>
+            <a:r>
+              <a:rPr lang="en-US" sz="2800" dirty="0"/>
+              <a:t>substring(</a:t>
+            </a:r>
+            <a:r>
+              <a:rPr lang="en-US" sz="2800" dirty="0" err="1"/>
+              <a:t>int,int</a:t>
+            </a:r>
+            <a:r>
+              <a:rPr lang="en-US" sz="2800" dirty="0"/>
+              <a:t>) – gives you a  portion of the string</a:t>
+            </a:r>
+          </a:p>
+          <a:p>
+            <a:pPr lvl="1"/>
+            <a:r>
+              <a:rPr lang="en-US" sz="2800" dirty="0"/>
+              <a:t>length() – don’t forget to use it!</a:t>
+            </a:r>
+          </a:p>
+        </p:txBody>
+      </p:sp>
+      <p:sp>
+        <p:nvSpPr>
+          <p:cNvPr id="4" name="Rectangle 3">
+            <a:extLst>
+              <a:ext uri="{FF2B5EF4-FFF2-40B4-BE49-F238E27FC236}">
+                <a16:creationId xmlns:a16="http://schemas.microsoft.com/office/drawing/2014/main" id="{95DC637E-12B4-584C-8EDE-84FFD545EE73}"/>
+              </a:ext>
+            </a:extLst>
+          </p:cNvPr>
+          <p:cNvSpPr/>
+          <p:nvPr/>
+        </p:nvSpPr>
+        <p:spPr>
+          <a:xfrm>
+            <a:off x="419099" y="6248400"/>
+            <a:ext cx="5564011" cy="889000"/>
+          </a:xfrm>
+          <a:prstGeom prst="rect">
+            <a:avLst/>
+          </a:prstGeom>
+          <a:solidFill>
+            <a:schemeClr val="tx2"/>
+          </a:solidFill>
+          <a:ln>
+            <a:noFill/>
+          </a:ln>
+          <a:effectLst/>
+        </p:spPr>
+        <p:style>
+          <a:lnRef idx="1">
+            <a:schemeClr val="accent1"/>
+          </a:lnRef>
+          <a:fillRef idx="3">
+            <a:schemeClr val="accent1"/>
+          </a:fillRef>
+          <a:effectRef idx="2">
+            <a:schemeClr val="accent1"/>
+          </a:effectRef>
+          <a:fontRef idx="minor">
+            <a:schemeClr val="lt1"/>
+          </a:fontRef>
+        </p:style>
+        <p:txBody>
+          <a:bodyPr lIns="274320" tIns="182880" rIns="274320" bIns="182880" rtlCol="0" anchor="ctr"/>
+          <a:lstStyle/>
+          <a:p>
+            <a:r>
+              <a:rPr lang="en-US" dirty="0">
+                <a:latin typeface="Proxima Nova" charset="0"/>
+                <a:ea typeface="Proxima Nova" charset="0"/>
+                <a:cs typeface="Proxima Nova" charset="0"/>
+              </a:rPr>
+              <a:t>Read more about the String Class : </a:t>
+            </a:r>
+            <a:r>
+              <a:rPr lang="en-US" dirty="0">
+                <a:latin typeface="Proxima Nova" charset="0"/>
+                <a:ea typeface="Proxima Nova" charset="0"/>
+                <a:cs typeface="Proxima Nova" charset="0"/>
+                <a:hlinkClick r:id="rId2"/>
+              </a:rPr>
+              <a:t>Here</a:t>
+            </a:r>
+            <a:br>
+              <a:rPr lang="en-US" dirty="0">
+                <a:latin typeface="Proxima Nova" charset="0"/>
+                <a:ea typeface="Proxima Nova" charset="0"/>
+                <a:cs typeface="Proxima Nova" charset="0"/>
+              </a:rPr>
+            </a:br>
+            <a:r>
+              <a:rPr lang="en-US" dirty="0">
+                <a:latin typeface="Proxima Nova" charset="0"/>
+                <a:ea typeface="Proxima Nova" charset="0"/>
+                <a:cs typeface="Proxima Nova" charset="0"/>
+              </a:rPr>
+              <a:t>Read more about the Character Class : </a:t>
+            </a:r>
+            <a:r>
+              <a:rPr lang="en-US" dirty="0">
+                <a:latin typeface="Proxima Nova" charset="0"/>
+                <a:ea typeface="Proxima Nova" charset="0"/>
+                <a:cs typeface="Proxima Nova" charset="0"/>
+                <a:hlinkClick r:id="rId3"/>
+              </a:rPr>
+              <a:t>Here</a:t>
+            </a:r>
+            <a:endParaRPr lang="en-US" dirty="0">
+              <a:latin typeface="Proxima Nova" charset="0"/>
+              <a:ea typeface="Proxima Nova" charset="0"/>
+              <a:cs typeface="Proxima Nova" charset="0"/>
+            </a:endParaRPr>
+          </a:p>
+        </p:txBody>
+      </p:sp>
+      <p:sp>
+        <p:nvSpPr>
+          <p:cNvPr id="5" name="TextBox 4">
+            <a:extLst>
+              <a:ext uri="{FF2B5EF4-FFF2-40B4-BE49-F238E27FC236}">
+                <a16:creationId xmlns:a16="http://schemas.microsoft.com/office/drawing/2014/main" id="{569F2272-3E70-1042-97AE-028C2CE64242}"/>
+              </a:ext>
+            </a:extLst>
+          </p:cNvPr>
+          <p:cNvSpPr txBox="1"/>
+          <p:nvPr/>
+        </p:nvSpPr>
+        <p:spPr>
+          <a:xfrm>
+            <a:off x="419100" y="5848290"/>
+            <a:ext cx="2340705" cy="400110"/>
+          </a:xfrm>
+          <a:prstGeom prst="rect">
+            <a:avLst/>
+          </a:prstGeom>
+          <a:noFill/>
+        </p:spPr>
+        <p:txBody>
+          <a:bodyPr wrap="none" rtlCol="0">
+            <a:spAutoFit/>
+          </a:bodyPr>
+          <a:lstStyle/>
+          <a:p>
+            <a:r>
+              <a:rPr lang="en-US" dirty="0"/>
+              <a:t>Additional Reading</a:t>
+            </a:r>
+          </a:p>
+        </p:txBody>
+      </p:sp>
+      <p:sp>
+        <p:nvSpPr>
+          <p:cNvPr id="6" name="TextBox 5">
+            <a:extLst>
+              <a:ext uri="{FF2B5EF4-FFF2-40B4-BE49-F238E27FC236}">
+                <a16:creationId xmlns:a16="http://schemas.microsoft.com/office/drawing/2014/main" id="{0FDD2E09-034D-EC46-BBA5-790122A90B75}"/>
+              </a:ext>
+            </a:extLst>
+          </p:cNvPr>
+          <p:cNvSpPr txBox="1"/>
+          <p:nvPr/>
+        </p:nvSpPr>
+        <p:spPr>
+          <a:xfrm>
+            <a:off x="8712200" y="117506"/>
+            <a:ext cx="4978400" cy="1015663"/>
+          </a:xfrm>
+          <a:prstGeom prst="rect">
+            <a:avLst/>
+          </a:prstGeom>
+          <a:solidFill>
+            <a:schemeClr val="bg2"/>
+          </a:solidFill>
+        </p:spPr>
+        <p:txBody>
+          <a:bodyPr wrap="square" rtlCol="0">
+            <a:spAutoFit/>
+          </a:bodyPr>
+          <a:lstStyle/>
+          <a:p>
+            <a:r>
+              <a:rPr lang="en-US" dirty="0"/>
+              <a:t>Natural Language Processing is about understanding language, Strings express language – Learn more about </a:t>
+            </a:r>
+            <a:r>
+              <a:rPr lang="en-US" dirty="0">
+                <a:solidFill>
+                  <a:schemeClr val="accent4"/>
+                </a:solidFill>
+                <a:hlinkClick r:id="rId4">
+                  <a:extLst>
+                    <a:ext uri="{A12FA001-AC4F-418D-AE19-62706E023703}">
+                      <ahyp:hlinkClr xmlns:ahyp="http://schemas.microsoft.com/office/drawing/2018/hyperlinkcolor" val="tx"/>
+                    </a:ext>
+                  </a:extLst>
+                </a:hlinkClick>
+              </a:rPr>
+              <a:t>NLP</a:t>
+            </a:r>
+            <a:endParaRPr lang="en-US" dirty="0">
+              <a:solidFill>
+                <a:schemeClr val="accent4"/>
+              </a:solidFill>
+            </a:endParaRPr>
+          </a:p>
+        </p:txBody>
+      </p:sp>
+    </p:spTree>
+    <p:extLst>
+      <p:ext uri="{BB962C8B-B14F-4D97-AF65-F5344CB8AC3E}">
+        <p14:creationId xmlns:p14="http://schemas.microsoft.com/office/powerpoint/2010/main" val="481316595"/>
       </p:ext>
     </p:extLst>
   </p:cSld>
@@ -12499,6 +14924,1246 @@
           <p:cNvPr id="2" name="Title 1">
             <a:extLst>
               <a:ext uri="{FF2B5EF4-FFF2-40B4-BE49-F238E27FC236}">
+                <a16:creationId xmlns:a16="http://schemas.microsoft.com/office/drawing/2014/main" id="{960A4F6E-F908-419B-9F2E-EAFD0529B660}"/>
+              </a:ext>
+            </a:extLst>
+          </p:cNvPr>
+          <p:cNvSpPr>
+            <a:spLocks noGrp="1"/>
+          </p:cNvSpPr>
+          <p:nvPr>
+            <p:ph type="title"/>
+          </p:nvPr>
+        </p:nvSpPr>
+        <p:spPr/>
+        <p:txBody>
+          <a:bodyPr/>
+          <a:lstStyle/>
+          <a:p>
+            <a:r>
+              <a:rPr lang="en-US" dirty="0"/>
+              <a:t>Practice Loop Review</a:t>
+            </a:r>
+          </a:p>
+        </p:txBody>
+      </p:sp>
+      <p:sp>
+        <p:nvSpPr>
+          <p:cNvPr id="3" name="Text Placeholder 2">
+            <a:extLst>
+              <a:ext uri="{FF2B5EF4-FFF2-40B4-BE49-F238E27FC236}">
+                <a16:creationId xmlns:a16="http://schemas.microsoft.com/office/drawing/2014/main" id="{69C8F260-181B-4E56-A55E-0C248418EB45}"/>
+              </a:ext>
+            </a:extLst>
+          </p:cNvPr>
+          <p:cNvSpPr>
+            <a:spLocks noGrp="1"/>
+          </p:cNvSpPr>
+          <p:nvPr>
+            <p:ph type="body" sz="quarter" idx="10"/>
+          </p:nvPr>
+        </p:nvSpPr>
+        <p:spPr>
+          <a:xfrm>
+            <a:off x="628075" y="1776683"/>
+            <a:ext cx="12561453" cy="2457339"/>
+          </a:xfrm>
+        </p:spPr>
+        <p:txBody>
+          <a:bodyPr/>
+          <a:lstStyle/>
+          <a:p>
+            <a:r>
+              <a:rPr lang="en-US" dirty="0"/>
+              <a:t>Write a loop that :</a:t>
+            </a:r>
+          </a:p>
+          <a:p>
+            <a:pPr lvl="1"/>
+            <a:r>
+              <a:rPr lang="en-US" dirty="0"/>
+              <a:t>Looks at each character in a String (hint: </a:t>
+            </a:r>
+            <a:r>
+              <a:rPr lang="en-US" dirty="0" err="1"/>
+              <a:t>charAt</a:t>
+            </a:r>
+            <a:r>
+              <a:rPr lang="en-US" dirty="0"/>
+              <a:t>(</a:t>
+            </a:r>
+            <a:r>
+              <a:rPr lang="en-US" dirty="0" err="1"/>
+              <a:t>i</a:t>
+            </a:r>
+            <a:r>
+              <a:rPr lang="en-US" dirty="0"/>
+              <a:t>))</a:t>
+            </a:r>
+          </a:p>
+          <a:p>
+            <a:pPr lvl="1"/>
+            <a:r>
+              <a:rPr lang="en-US" dirty="0"/>
+              <a:t>Returns the index of that character (don’t use ‘</a:t>
+            </a:r>
+            <a:r>
+              <a:rPr lang="en-US" dirty="0" err="1"/>
+              <a:t>indexOf</a:t>
+            </a:r>
+            <a:r>
+              <a:rPr lang="en-US" dirty="0"/>
+              <a:t>’)</a:t>
+            </a:r>
+          </a:p>
+          <a:p>
+            <a:pPr lvl="2"/>
+            <a:r>
+              <a:rPr lang="en-US" dirty="0"/>
+              <a:t>Return -1 if the loop ends but the character was not found.</a:t>
+            </a:r>
+          </a:p>
+          <a:p>
+            <a:pPr lvl="1"/>
+            <a:r>
+              <a:rPr lang="en-US" dirty="0"/>
+              <a:t>Now modify it to start at the end of the word, not the start!  </a:t>
+            </a:r>
+          </a:p>
+          <a:p>
+            <a:r>
+              <a:rPr lang="en-US" dirty="0"/>
+              <a:t>Method base to help:</a:t>
+            </a:r>
+          </a:p>
+        </p:txBody>
+      </p:sp>
+      <p:sp>
+        <p:nvSpPr>
+          <p:cNvPr id="5" name="Rectangle 2">
+            <a:extLst>
+              <a:ext uri="{FF2B5EF4-FFF2-40B4-BE49-F238E27FC236}">
+                <a16:creationId xmlns:a16="http://schemas.microsoft.com/office/drawing/2014/main" id="{A94513F3-5A4B-4FA4-A070-ED9CE1FAC993}"/>
+              </a:ext>
+            </a:extLst>
+          </p:cNvPr>
+          <p:cNvSpPr>
+            <a:spLocks noChangeArrowheads="1"/>
+          </p:cNvSpPr>
+          <p:nvPr/>
+        </p:nvSpPr>
+        <p:spPr bwMode="auto">
+          <a:xfrm>
+            <a:off x="3686175" y="3998336"/>
+            <a:ext cx="6829425" cy="3293209"/>
+          </a:xfrm>
+          <a:prstGeom prst="rect">
+            <a:avLst/>
+          </a:prstGeom>
+          <a:solidFill>
+            <a:schemeClr val="bg1"/>
+          </a:solidFill>
+          <a:ln>
+            <a:solidFill>
+              <a:schemeClr val="accent1"/>
+            </a:solidFill>
+          </a:ln>
+          <a:effectLst/>
+        </p:spPr>
+        <p:txBody>
+          <a:bodyPr vert="horz" wrap="square" lIns="91440" tIns="45720" rIns="91440" bIns="45720" numCol="1" anchor="ctr" anchorCtr="0" compatLnSpc="1">
+            <a:prstTxWarp prst="textNoShape">
+              <a:avLst/>
+            </a:prstTxWarp>
+            <a:spAutoFit/>
+          </a:bodyPr>
+          <a:lstStyle/>
+          <a:p>
+            <a:pPr marL="0" marR="0" lvl="0" indent="0" algn="l" defTabSz="914400" rtl="0" eaLnBrk="0" fontAlgn="base" latinLnBrk="0" hangingPunct="0">
+              <a:lnSpc>
+                <a:spcPct val="100000"/>
+              </a:lnSpc>
+              <a:spcBef>
+                <a:spcPct val="0"/>
+              </a:spcBef>
+              <a:spcAft>
+                <a:spcPct val="0"/>
+              </a:spcAft>
+              <a:buClrTx/>
+              <a:buSzTx/>
+              <a:buFontTx/>
+              <a:buNone/>
+              <a:tabLst/>
+            </a:pPr>
+            <a:r>
+              <a:rPr kumimoji="0" lang="en-US" altLang="en-US" sz="1600" b="0" i="0" u="none" strike="noStrike" cap="none" normalizeH="0" baseline="0" dirty="0">
+                <a:ln>
+                  <a:noFill/>
+                </a:ln>
+                <a:solidFill>
+                  <a:srgbClr val="CC7832"/>
+                </a:solidFill>
+                <a:effectLst/>
+                <a:latin typeface="JetBrains Mono"/>
+              </a:rPr>
+              <a:t>public class </a:t>
+            </a:r>
+            <a:r>
+              <a:rPr kumimoji="0" lang="en-US" altLang="en-US" sz="1600" b="0" i="0" u="none" strike="noStrike" cap="none" normalizeH="0" baseline="0" dirty="0" err="1">
+                <a:ln>
+                  <a:noFill/>
+                </a:ln>
+                <a:effectLst/>
+                <a:latin typeface="JetBrains Mono"/>
+              </a:rPr>
+              <a:t>YourProgram</a:t>
+            </a:r>
+            <a:r>
+              <a:rPr kumimoji="0" lang="en-US" altLang="en-US" sz="1600" b="0" i="0" u="none" strike="noStrike" cap="none" normalizeH="0" baseline="0" dirty="0">
+                <a:ln>
+                  <a:noFill/>
+                </a:ln>
+                <a:effectLst/>
+                <a:latin typeface="JetBrains Mono"/>
+              </a:rPr>
+              <a:t> {</a:t>
+            </a:r>
+            <a:br>
+              <a:rPr kumimoji="0" lang="en-US" altLang="en-US" sz="1600" b="0" i="0" u="none" strike="noStrike" cap="none" normalizeH="0" baseline="0" dirty="0">
+                <a:ln>
+                  <a:noFill/>
+                </a:ln>
+                <a:solidFill>
+                  <a:srgbClr val="A9B7C6"/>
+                </a:solidFill>
+                <a:effectLst/>
+                <a:latin typeface="JetBrains Mono"/>
+              </a:rPr>
+            </a:br>
+            <a:br>
+              <a:rPr kumimoji="0" lang="en-US" altLang="en-US" sz="1600" b="0" i="0" u="none" strike="noStrike" cap="none" normalizeH="0" baseline="0" dirty="0">
+                <a:ln>
+                  <a:noFill/>
+                </a:ln>
+                <a:solidFill>
+                  <a:srgbClr val="A9B7C6"/>
+                </a:solidFill>
+                <a:effectLst/>
+                <a:latin typeface="JetBrains Mono"/>
+              </a:rPr>
+            </a:br>
+            <a:r>
+              <a:rPr kumimoji="0" lang="en-US" altLang="en-US" sz="1600" b="0" i="0" u="none" strike="noStrike" cap="none" normalizeH="0" baseline="0" dirty="0">
+                <a:ln>
+                  <a:noFill/>
+                </a:ln>
+                <a:solidFill>
+                  <a:srgbClr val="A9B7C6"/>
+                </a:solidFill>
+                <a:effectLst/>
+                <a:latin typeface="JetBrains Mono"/>
+              </a:rPr>
+              <a:t>    </a:t>
+            </a:r>
+            <a:r>
+              <a:rPr kumimoji="0" lang="en-US" altLang="en-US" sz="1600" b="0" i="0" u="none" strike="noStrike" cap="none" normalizeH="0" baseline="0" dirty="0">
+                <a:ln>
+                  <a:noFill/>
+                </a:ln>
+                <a:solidFill>
+                  <a:srgbClr val="CC7832"/>
+                </a:solidFill>
+                <a:effectLst/>
+                <a:latin typeface="JetBrains Mono"/>
+              </a:rPr>
+              <a:t>public static int </a:t>
+            </a:r>
+            <a:r>
+              <a:rPr kumimoji="0" lang="en-US" altLang="en-US" sz="1600" b="0" i="0" u="none" strike="noStrike" cap="none" normalizeH="0" baseline="0" dirty="0" err="1">
+                <a:ln>
+                  <a:noFill/>
+                </a:ln>
+                <a:solidFill>
+                  <a:srgbClr val="FFC66D"/>
+                </a:solidFill>
+                <a:effectLst/>
+                <a:latin typeface="JetBrains Mono"/>
+              </a:rPr>
+              <a:t>findIndex</a:t>
+            </a:r>
+            <a:r>
+              <a:rPr kumimoji="0" lang="en-US" altLang="en-US" sz="1600" b="0" i="0" u="none" strike="noStrike" cap="none" normalizeH="0" baseline="0" dirty="0">
+                <a:ln>
+                  <a:noFill/>
+                </a:ln>
+                <a:effectLst/>
+                <a:latin typeface="JetBrains Mono"/>
+              </a:rPr>
+              <a:t>(String str</a:t>
+            </a:r>
+            <a:r>
+              <a:rPr kumimoji="0" lang="en-US" altLang="en-US" sz="1600" b="0" i="0" u="none" strike="noStrike" cap="none" normalizeH="0" baseline="0" dirty="0">
+                <a:ln>
+                  <a:noFill/>
+                </a:ln>
+                <a:solidFill>
+                  <a:srgbClr val="CC7832"/>
+                </a:solidFill>
+                <a:effectLst/>
+                <a:latin typeface="JetBrains Mono"/>
+              </a:rPr>
+              <a:t>, </a:t>
+            </a:r>
+            <a:r>
+              <a:rPr kumimoji="0" lang="en-US" altLang="en-US" sz="1600" b="0" i="0" u="none" strike="noStrike" cap="none" normalizeH="0" baseline="0" dirty="0">
+                <a:ln>
+                  <a:noFill/>
+                </a:ln>
+                <a:effectLst/>
+                <a:latin typeface="JetBrains Mono"/>
+              </a:rPr>
+              <a:t>Character </a:t>
+            </a:r>
+            <a:r>
+              <a:rPr kumimoji="0" lang="en-US" altLang="en-US" sz="1600" b="0" i="0" u="none" strike="noStrike" cap="none" normalizeH="0" baseline="0" dirty="0" err="1">
+                <a:ln>
+                  <a:noFill/>
+                </a:ln>
+                <a:effectLst/>
+                <a:latin typeface="JetBrains Mono"/>
+              </a:rPr>
+              <a:t>ch</a:t>
+            </a:r>
+            <a:r>
+              <a:rPr kumimoji="0" lang="en-US" altLang="en-US" sz="1600" b="0" i="0" u="none" strike="noStrike" cap="none" normalizeH="0" baseline="0" dirty="0">
+                <a:ln>
+                  <a:noFill/>
+                </a:ln>
+                <a:effectLst/>
+                <a:latin typeface="JetBrains Mono"/>
+              </a:rPr>
+              <a:t>) {</a:t>
+            </a:r>
+          </a:p>
+          <a:p>
+            <a:pPr lvl="0" defTabSz="914400" eaLnBrk="0" fontAlgn="base" hangingPunct="0">
+              <a:spcBef>
+                <a:spcPct val="0"/>
+              </a:spcBef>
+              <a:spcAft>
+                <a:spcPct val="0"/>
+              </a:spcAft>
+            </a:pPr>
+            <a:r>
+              <a:rPr lang="en-US" altLang="en-US" sz="1600" dirty="0">
+                <a:solidFill>
+                  <a:srgbClr val="A9B7C6"/>
+                </a:solidFill>
+                <a:latin typeface="JetBrains Mono"/>
+              </a:rPr>
+              <a:t>        // LOOP here</a:t>
+            </a:r>
+            <a:br>
+              <a:rPr kumimoji="0" lang="en-US" altLang="en-US" sz="1600" b="0" i="0" u="none" strike="noStrike" cap="none" normalizeH="0" baseline="0" dirty="0">
+                <a:ln>
+                  <a:noFill/>
+                </a:ln>
+                <a:solidFill>
+                  <a:srgbClr val="A9B7C6"/>
+                </a:solidFill>
+                <a:effectLst/>
+                <a:latin typeface="JetBrains Mono"/>
+              </a:rPr>
+            </a:br>
+            <a:r>
+              <a:rPr kumimoji="0" lang="en-US" altLang="en-US" sz="1600" b="0" i="0" u="none" strike="noStrike" cap="none" normalizeH="0" baseline="0" dirty="0">
+                <a:ln>
+                  <a:noFill/>
+                </a:ln>
+                <a:solidFill>
+                  <a:srgbClr val="A9B7C6"/>
+                </a:solidFill>
+                <a:effectLst/>
+                <a:latin typeface="JetBrains Mono"/>
+              </a:rPr>
+              <a:t>        </a:t>
+            </a:r>
+            <a:r>
+              <a:rPr kumimoji="0" lang="en-US" altLang="en-US" sz="1600" b="0" i="0" u="none" strike="noStrike" cap="none" normalizeH="0" baseline="0" dirty="0">
+                <a:ln>
+                  <a:noFill/>
+                </a:ln>
+                <a:solidFill>
+                  <a:srgbClr val="CC7832"/>
+                </a:solidFill>
+                <a:effectLst/>
+                <a:latin typeface="JetBrains Mono"/>
+              </a:rPr>
+              <a:t>return </a:t>
+            </a:r>
+            <a:r>
+              <a:rPr kumimoji="0" lang="en-US" altLang="en-US" sz="1600" b="0" i="0" u="none" strike="noStrike" cap="none" normalizeH="0" baseline="0" dirty="0">
+                <a:ln>
+                  <a:noFill/>
+                </a:ln>
+                <a:solidFill>
+                  <a:srgbClr val="6897BB"/>
+                </a:solidFill>
+                <a:effectLst/>
+                <a:latin typeface="JetBrains Mono"/>
+              </a:rPr>
+              <a:t>0</a:t>
+            </a:r>
+            <a:r>
+              <a:rPr kumimoji="0" lang="en-US" altLang="en-US" sz="1600" b="0" i="0" u="none" strike="noStrike" cap="none" normalizeH="0" baseline="0" dirty="0">
+                <a:ln>
+                  <a:noFill/>
+                </a:ln>
+                <a:solidFill>
+                  <a:srgbClr val="CC7832"/>
+                </a:solidFill>
+                <a:effectLst/>
+                <a:latin typeface="JetBrains Mono"/>
+              </a:rPr>
+              <a:t>; </a:t>
+            </a:r>
+            <a:r>
+              <a:rPr kumimoji="0" lang="en-US" altLang="en-US" sz="1600" b="0" i="0" u="none" strike="noStrike" cap="none" normalizeH="0" baseline="0" dirty="0">
+                <a:ln>
+                  <a:noFill/>
+                </a:ln>
+                <a:solidFill>
+                  <a:srgbClr val="808080"/>
+                </a:solidFill>
+                <a:effectLst/>
+                <a:latin typeface="JetBrains Mono"/>
+              </a:rPr>
+              <a:t>// change this</a:t>
+            </a:r>
+            <a:br>
+              <a:rPr kumimoji="0" lang="en-US" altLang="en-US" sz="1600" b="0" i="0" u="none" strike="noStrike" cap="none" normalizeH="0" baseline="0" dirty="0">
+                <a:ln>
+                  <a:noFill/>
+                </a:ln>
+                <a:solidFill>
+                  <a:srgbClr val="808080"/>
+                </a:solidFill>
+                <a:effectLst/>
+                <a:latin typeface="JetBrains Mono"/>
+              </a:rPr>
+            </a:br>
+            <a:r>
+              <a:rPr kumimoji="0" lang="en-US" altLang="en-US" sz="1600" b="0" i="0" u="none" strike="noStrike" cap="none" normalizeH="0" baseline="0" dirty="0">
+                <a:ln>
+                  <a:noFill/>
+                </a:ln>
+                <a:effectLst/>
+                <a:latin typeface="JetBrains Mono"/>
+              </a:rPr>
+              <a:t>    }</a:t>
+            </a:r>
+            <a:br>
+              <a:rPr kumimoji="0" lang="en-US" altLang="en-US" sz="1600" b="0" i="0" u="none" strike="noStrike" cap="none" normalizeH="0" baseline="0" dirty="0">
+                <a:ln>
+                  <a:noFill/>
+                </a:ln>
+                <a:solidFill>
+                  <a:srgbClr val="A9B7C6"/>
+                </a:solidFill>
+                <a:effectLst/>
+                <a:latin typeface="JetBrains Mono"/>
+              </a:rPr>
+            </a:br>
+            <a:r>
+              <a:rPr kumimoji="0" lang="en-US" altLang="en-US" sz="1600" b="0" i="0" u="none" strike="noStrike" cap="none" normalizeH="0" baseline="0" dirty="0">
+                <a:ln>
+                  <a:noFill/>
+                </a:ln>
+                <a:solidFill>
+                  <a:srgbClr val="A9B7C6"/>
+                </a:solidFill>
+                <a:effectLst/>
+                <a:latin typeface="JetBrains Mono"/>
+              </a:rPr>
+              <a:t>    </a:t>
+            </a:r>
+            <a:br>
+              <a:rPr kumimoji="0" lang="en-US" altLang="en-US" sz="1600" b="0" i="0" u="none" strike="noStrike" cap="none" normalizeH="0" baseline="0" dirty="0">
+                <a:ln>
+                  <a:noFill/>
+                </a:ln>
+                <a:solidFill>
+                  <a:srgbClr val="A9B7C6"/>
+                </a:solidFill>
+                <a:effectLst/>
+                <a:latin typeface="JetBrains Mono"/>
+              </a:rPr>
+            </a:br>
+            <a:r>
+              <a:rPr kumimoji="0" lang="en-US" altLang="en-US" sz="1600" b="0" i="0" u="none" strike="noStrike" cap="none" normalizeH="0" baseline="0" dirty="0">
+                <a:ln>
+                  <a:noFill/>
+                </a:ln>
+                <a:solidFill>
+                  <a:srgbClr val="A9B7C6"/>
+                </a:solidFill>
+                <a:effectLst/>
+                <a:latin typeface="JetBrains Mono"/>
+              </a:rPr>
+              <a:t>    </a:t>
+            </a:r>
+            <a:r>
+              <a:rPr kumimoji="0" lang="en-US" altLang="en-US" sz="1600" b="0" i="0" u="none" strike="noStrike" cap="none" normalizeH="0" baseline="0" dirty="0">
+                <a:ln>
+                  <a:noFill/>
+                </a:ln>
+                <a:solidFill>
+                  <a:srgbClr val="CC7832"/>
+                </a:solidFill>
+                <a:effectLst/>
+                <a:latin typeface="JetBrains Mono"/>
+              </a:rPr>
+              <a:t>public static void </a:t>
+            </a:r>
+            <a:r>
+              <a:rPr kumimoji="0" lang="en-US" altLang="en-US" sz="1600" b="0" i="0" u="none" strike="noStrike" cap="none" normalizeH="0" baseline="0" dirty="0">
+                <a:ln>
+                  <a:noFill/>
+                </a:ln>
+                <a:solidFill>
+                  <a:srgbClr val="FFC66D"/>
+                </a:solidFill>
+                <a:effectLst/>
+                <a:latin typeface="JetBrains Mono"/>
+              </a:rPr>
+              <a:t>main</a:t>
+            </a:r>
+            <a:r>
+              <a:rPr kumimoji="0" lang="en-US" altLang="en-US" sz="1600" b="0" i="0" u="none" strike="noStrike" cap="none" normalizeH="0" baseline="0" dirty="0">
+                <a:ln>
+                  <a:noFill/>
+                </a:ln>
+                <a:effectLst/>
+                <a:latin typeface="JetBrains Mono"/>
+              </a:rPr>
+              <a:t>(String[] </a:t>
+            </a:r>
+            <a:r>
+              <a:rPr kumimoji="0" lang="en-US" altLang="en-US" sz="1600" b="0" i="0" u="none" strike="noStrike" cap="none" normalizeH="0" baseline="0" dirty="0" err="1">
+                <a:ln>
+                  <a:noFill/>
+                </a:ln>
+                <a:effectLst/>
+                <a:latin typeface="JetBrains Mono"/>
+              </a:rPr>
+              <a:t>args</a:t>
+            </a:r>
+            <a:r>
+              <a:rPr kumimoji="0" lang="en-US" altLang="en-US" sz="1600" b="0" i="0" u="none" strike="noStrike" cap="none" normalizeH="0" baseline="0" dirty="0">
+                <a:ln>
+                  <a:noFill/>
+                </a:ln>
+                <a:effectLst/>
+                <a:latin typeface="JetBrains Mono"/>
+              </a:rPr>
+              <a:t>) {</a:t>
+            </a:r>
+            <a:br>
+              <a:rPr kumimoji="0" lang="en-US" altLang="en-US" sz="1600" b="0" i="0" u="none" strike="noStrike" cap="none" normalizeH="0" baseline="0" dirty="0">
+                <a:ln>
+                  <a:noFill/>
+                </a:ln>
+                <a:effectLst/>
+                <a:latin typeface="JetBrains Mono"/>
+              </a:rPr>
+            </a:br>
+            <a:r>
+              <a:rPr kumimoji="0" lang="en-US" altLang="en-US" sz="1600" b="0" i="0" u="none" strike="noStrike" cap="none" normalizeH="0" baseline="0" dirty="0">
+                <a:ln>
+                  <a:noFill/>
+                </a:ln>
+                <a:solidFill>
+                  <a:srgbClr val="A9B7C6"/>
+                </a:solidFill>
+                <a:effectLst/>
+                <a:latin typeface="JetBrains Mono"/>
+              </a:rPr>
+              <a:t>        </a:t>
+            </a:r>
+            <a:r>
+              <a:rPr kumimoji="0" lang="en-US" altLang="en-US" sz="1600" b="0" i="0" u="none" strike="noStrike" cap="none" normalizeH="0" baseline="0" dirty="0" err="1">
+                <a:ln>
+                  <a:noFill/>
+                </a:ln>
+                <a:effectLst/>
+                <a:latin typeface="JetBrains Mono"/>
+              </a:rPr>
+              <a:t>System</a:t>
+            </a:r>
+            <a:r>
+              <a:rPr kumimoji="0" lang="en-US" altLang="en-US" sz="1600" b="0" i="0" u="none" strike="noStrike" cap="none" normalizeH="0" baseline="0" dirty="0" err="1">
+                <a:ln>
+                  <a:noFill/>
+                </a:ln>
+                <a:solidFill>
+                  <a:srgbClr val="A9B7C6"/>
+                </a:solidFill>
+                <a:effectLst/>
+                <a:latin typeface="JetBrains Mono"/>
+              </a:rPr>
+              <a:t>.</a:t>
+            </a:r>
+            <a:r>
+              <a:rPr kumimoji="0" lang="en-US" altLang="en-US" sz="1600" b="0" i="1" u="none" strike="noStrike" cap="none" normalizeH="0" baseline="0" dirty="0" err="1">
+                <a:ln>
+                  <a:noFill/>
+                </a:ln>
+                <a:solidFill>
+                  <a:srgbClr val="9876AA"/>
+                </a:solidFill>
+                <a:effectLst/>
+                <a:latin typeface="JetBrains Mono"/>
+              </a:rPr>
+              <a:t>out</a:t>
+            </a:r>
+            <a:r>
+              <a:rPr kumimoji="0" lang="en-US" altLang="en-US" sz="1600" b="0" i="0" u="none" strike="noStrike" cap="none" normalizeH="0" baseline="0" dirty="0" err="1">
+                <a:ln>
+                  <a:noFill/>
+                </a:ln>
+                <a:solidFill>
+                  <a:srgbClr val="A9B7C6"/>
+                </a:solidFill>
+                <a:effectLst/>
+                <a:latin typeface="JetBrains Mono"/>
+              </a:rPr>
+              <a:t>.</a:t>
+            </a:r>
+            <a:r>
+              <a:rPr kumimoji="0" lang="en-US" altLang="en-US" sz="1600" b="0" i="0" u="none" strike="noStrike" cap="none" normalizeH="0" baseline="0" dirty="0" err="1">
+                <a:ln>
+                  <a:noFill/>
+                </a:ln>
+                <a:effectLst/>
+                <a:latin typeface="JetBrains Mono"/>
+              </a:rPr>
+              <a:t>printf</a:t>
+            </a:r>
+            <a:r>
+              <a:rPr kumimoji="0" lang="en-US" altLang="en-US" sz="1600" b="0" i="0" u="none" strike="noStrike" cap="none" normalizeH="0" baseline="0" dirty="0">
+                <a:ln>
+                  <a:noFill/>
+                </a:ln>
+                <a:effectLst/>
+                <a:latin typeface="JetBrains Mono"/>
+              </a:rPr>
+              <a:t>(</a:t>
+            </a:r>
+            <a:r>
+              <a:rPr kumimoji="0" lang="en-US" altLang="en-US" sz="1600" b="0" i="0" u="none" strike="noStrike" cap="none" normalizeH="0" baseline="0" dirty="0">
+                <a:ln>
+                  <a:noFill/>
+                </a:ln>
+                <a:solidFill>
+                  <a:srgbClr val="6A8759"/>
+                </a:solidFill>
+                <a:effectLst/>
+                <a:latin typeface="JetBrains Mono"/>
+              </a:rPr>
+              <a:t>"TEST: the index is: %d"</a:t>
+            </a:r>
+            <a:r>
+              <a:rPr kumimoji="0" lang="en-US" altLang="en-US" sz="1600" b="0" i="0" u="none" strike="noStrike" cap="none" normalizeH="0" baseline="0" dirty="0">
+                <a:ln>
+                  <a:noFill/>
+                </a:ln>
+                <a:solidFill>
+                  <a:srgbClr val="CC7832"/>
+                </a:solidFill>
+                <a:effectLst/>
+                <a:latin typeface="JetBrains Mono"/>
+              </a:rPr>
+              <a:t>, </a:t>
+            </a:r>
+            <a:r>
+              <a:rPr kumimoji="0" lang="en-US" altLang="en-US" sz="1600" b="0" i="1" u="none" strike="noStrike" cap="none" normalizeH="0" baseline="0" dirty="0" err="1">
+                <a:ln>
+                  <a:noFill/>
+                </a:ln>
+                <a:effectLst/>
+                <a:latin typeface="JetBrains Mono"/>
+              </a:rPr>
+              <a:t>findIndex</a:t>
+            </a:r>
+            <a:r>
+              <a:rPr kumimoji="0" lang="en-US" altLang="en-US" sz="1600" b="0" i="0" u="none" strike="noStrike" cap="none" normalizeH="0" baseline="0" dirty="0">
+                <a:ln>
+                  <a:noFill/>
+                </a:ln>
+                <a:effectLst/>
+                <a:latin typeface="JetBrains Mono"/>
+              </a:rPr>
+              <a:t>(</a:t>
+            </a:r>
+            <a:r>
+              <a:rPr kumimoji="0" lang="en-US" altLang="en-US" sz="1600" b="0" i="0" u="none" strike="noStrike" cap="none" normalizeH="0" baseline="0" dirty="0">
+                <a:ln>
+                  <a:noFill/>
+                </a:ln>
+                <a:solidFill>
+                  <a:srgbClr val="6A8759"/>
+                </a:solidFill>
+                <a:effectLst/>
+                <a:latin typeface="JetBrains Mono"/>
+              </a:rPr>
+              <a:t>"SATOROTAS"</a:t>
+            </a:r>
+            <a:r>
+              <a:rPr kumimoji="0" lang="en-US" altLang="en-US" sz="1600" b="0" i="0" u="none" strike="noStrike" cap="none" normalizeH="0" baseline="0" dirty="0">
+                <a:ln>
+                  <a:noFill/>
+                </a:ln>
+                <a:solidFill>
+                  <a:srgbClr val="CC7832"/>
+                </a:solidFill>
+                <a:effectLst/>
+                <a:latin typeface="JetBrains Mono"/>
+              </a:rPr>
+              <a:t>, </a:t>
+            </a:r>
+            <a:r>
+              <a:rPr kumimoji="0" lang="en-US" altLang="en-US" sz="1600" b="0" i="0" u="none" strike="noStrike" cap="none" normalizeH="0" baseline="0" dirty="0">
+                <a:ln>
+                  <a:noFill/>
+                </a:ln>
+                <a:solidFill>
+                  <a:srgbClr val="6A8759"/>
+                </a:solidFill>
+                <a:effectLst/>
+                <a:latin typeface="JetBrains Mono"/>
+              </a:rPr>
+              <a:t>'A'</a:t>
+            </a:r>
+            <a:r>
+              <a:rPr kumimoji="0" lang="en-US" altLang="en-US" sz="1600" b="0" i="0" u="none" strike="noStrike" cap="none" normalizeH="0" baseline="0" dirty="0">
+                <a:ln>
+                  <a:noFill/>
+                </a:ln>
+                <a:effectLst/>
+                <a:latin typeface="JetBrains Mono"/>
+              </a:rPr>
+              <a:t>))</a:t>
+            </a:r>
+            <a:r>
+              <a:rPr kumimoji="0" lang="en-US" altLang="en-US" sz="1600" b="0" i="0" u="none" strike="noStrike" cap="none" normalizeH="0" baseline="0" dirty="0">
+                <a:ln>
+                  <a:noFill/>
+                </a:ln>
+                <a:solidFill>
+                  <a:srgbClr val="CC7832"/>
+                </a:solidFill>
+                <a:effectLst/>
+                <a:latin typeface="JetBrains Mono"/>
+              </a:rPr>
+              <a:t>;</a:t>
+            </a:r>
+            <a:br>
+              <a:rPr kumimoji="0" lang="en-US" altLang="en-US" sz="1600" b="0" i="0" u="none" strike="noStrike" cap="none" normalizeH="0" baseline="0" dirty="0">
+                <a:ln>
+                  <a:noFill/>
+                </a:ln>
+                <a:solidFill>
+                  <a:srgbClr val="CC7832"/>
+                </a:solidFill>
+                <a:effectLst/>
+                <a:latin typeface="JetBrains Mono"/>
+              </a:rPr>
+            </a:br>
+            <a:r>
+              <a:rPr kumimoji="0" lang="en-US" altLang="en-US" sz="1600" b="0" i="0" u="none" strike="noStrike" cap="none" normalizeH="0" baseline="0" dirty="0">
+                <a:ln>
+                  <a:noFill/>
+                </a:ln>
+                <a:solidFill>
+                  <a:srgbClr val="CC7832"/>
+                </a:solidFill>
+                <a:effectLst/>
+                <a:latin typeface="JetBrains Mono"/>
+              </a:rPr>
+              <a:t>        </a:t>
+            </a:r>
+            <a:r>
+              <a:rPr kumimoji="0" lang="en-US" altLang="en-US" sz="1600" b="0" i="0" u="none" strike="noStrike" cap="none" normalizeH="0" baseline="0" dirty="0" err="1">
+                <a:ln>
+                  <a:noFill/>
+                </a:ln>
+                <a:effectLst/>
+                <a:latin typeface="JetBrains Mono"/>
+              </a:rPr>
+              <a:t>System</a:t>
+            </a:r>
+            <a:r>
+              <a:rPr kumimoji="0" lang="en-US" altLang="en-US" sz="1600" b="0" i="0" u="none" strike="noStrike" cap="none" normalizeH="0" baseline="0" dirty="0" err="1">
+                <a:ln>
+                  <a:noFill/>
+                </a:ln>
+                <a:solidFill>
+                  <a:srgbClr val="A9B7C6"/>
+                </a:solidFill>
+                <a:effectLst/>
+                <a:latin typeface="JetBrains Mono"/>
+              </a:rPr>
+              <a:t>.</a:t>
+            </a:r>
+            <a:r>
+              <a:rPr kumimoji="0" lang="en-US" altLang="en-US" sz="1600" b="0" i="1" u="none" strike="noStrike" cap="none" normalizeH="0" baseline="0" dirty="0" err="1">
+                <a:ln>
+                  <a:noFill/>
+                </a:ln>
+                <a:solidFill>
+                  <a:srgbClr val="9876AA"/>
+                </a:solidFill>
+                <a:effectLst/>
+                <a:latin typeface="JetBrains Mono"/>
+              </a:rPr>
+              <a:t>out</a:t>
+            </a:r>
+            <a:r>
+              <a:rPr kumimoji="0" lang="en-US" altLang="en-US" sz="1600" b="0" i="0" u="none" strike="noStrike" cap="none" normalizeH="0" baseline="0" dirty="0" err="1">
+                <a:ln>
+                  <a:noFill/>
+                </a:ln>
+                <a:solidFill>
+                  <a:srgbClr val="A9B7C6"/>
+                </a:solidFill>
+                <a:effectLst/>
+                <a:latin typeface="JetBrains Mono"/>
+              </a:rPr>
+              <a:t>.</a:t>
+            </a:r>
+            <a:r>
+              <a:rPr kumimoji="0" lang="en-US" altLang="en-US" sz="1600" b="0" i="0" u="none" strike="noStrike" cap="none" normalizeH="0" baseline="0" dirty="0" err="1">
+                <a:ln>
+                  <a:noFill/>
+                </a:ln>
+                <a:effectLst/>
+                <a:latin typeface="JetBrains Mono"/>
+              </a:rPr>
+              <a:t>printf</a:t>
+            </a:r>
+            <a:r>
+              <a:rPr lang="en-US" altLang="en-US" sz="1600" dirty="0">
+                <a:latin typeface="JetBrains Mono"/>
+              </a:rPr>
+              <a:t>(</a:t>
+            </a:r>
+            <a:r>
+              <a:rPr kumimoji="0" lang="en-US" altLang="en-US" sz="1600" b="0" i="0" u="none" strike="noStrike" cap="none" normalizeH="0" baseline="0" dirty="0">
+                <a:ln>
+                  <a:noFill/>
+                </a:ln>
+                <a:solidFill>
+                  <a:srgbClr val="6A8759"/>
+                </a:solidFill>
+                <a:effectLst/>
+                <a:latin typeface="JetBrains Mono"/>
+              </a:rPr>
+              <a:t>"TEST: the index is: %d"</a:t>
+            </a:r>
+            <a:r>
+              <a:rPr kumimoji="0" lang="en-US" altLang="en-US" sz="1600" b="0" i="0" u="none" strike="noStrike" cap="none" normalizeH="0" baseline="0" dirty="0">
+                <a:ln>
+                  <a:noFill/>
+                </a:ln>
+                <a:solidFill>
+                  <a:srgbClr val="CC7832"/>
+                </a:solidFill>
+                <a:effectLst/>
+                <a:latin typeface="JetBrains Mono"/>
+              </a:rPr>
+              <a:t>, </a:t>
+            </a:r>
+            <a:r>
+              <a:rPr kumimoji="0" lang="en-US" altLang="en-US" sz="1600" b="0" i="1" u="none" strike="noStrike" cap="none" normalizeH="0" baseline="0" dirty="0" err="1">
+                <a:ln>
+                  <a:noFill/>
+                </a:ln>
+                <a:effectLst/>
+                <a:latin typeface="JetBrains Mono"/>
+              </a:rPr>
+              <a:t>findIndex</a:t>
+            </a:r>
+            <a:r>
+              <a:rPr kumimoji="0" lang="en-US" altLang="en-US" sz="1600" b="0" i="0" u="none" strike="noStrike" cap="none" normalizeH="0" baseline="0" dirty="0">
+                <a:ln>
+                  <a:noFill/>
+                </a:ln>
+                <a:effectLst/>
+                <a:latin typeface="JetBrains Mono"/>
+              </a:rPr>
+              <a:t>(</a:t>
+            </a:r>
+            <a:r>
+              <a:rPr kumimoji="0" lang="en-US" altLang="en-US" sz="1600" b="0" i="0" u="none" strike="noStrike" cap="none" normalizeH="0" baseline="0" dirty="0">
+                <a:ln>
+                  <a:noFill/>
+                </a:ln>
+                <a:solidFill>
+                  <a:srgbClr val="6A8759"/>
+                </a:solidFill>
+                <a:effectLst/>
+                <a:latin typeface="JetBrains Mono"/>
+              </a:rPr>
+              <a:t>"SATOROTAS"</a:t>
+            </a:r>
+            <a:r>
+              <a:rPr kumimoji="0" lang="en-US" altLang="en-US" sz="1600" b="0" i="0" u="none" strike="noStrike" cap="none" normalizeH="0" baseline="0" dirty="0">
+                <a:ln>
+                  <a:noFill/>
+                </a:ln>
+                <a:solidFill>
+                  <a:srgbClr val="CC7832"/>
+                </a:solidFill>
+                <a:effectLst/>
+                <a:latin typeface="JetBrains Mono"/>
+              </a:rPr>
+              <a:t>, </a:t>
+            </a:r>
+            <a:r>
+              <a:rPr kumimoji="0" lang="en-US" altLang="en-US" sz="1600" b="0" i="0" u="none" strike="noStrike" cap="none" normalizeH="0" baseline="0" dirty="0">
+                <a:ln>
+                  <a:noFill/>
+                </a:ln>
+                <a:solidFill>
+                  <a:srgbClr val="6A8759"/>
+                </a:solidFill>
+                <a:effectLst/>
+                <a:latin typeface="JetBrains Mono"/>
+              </a:rPr>
+              <a:t>'T'</a:t>
+            </a:r>
+            <a:r>
+              <a:rPr kumimoji="0" lang="en-US" altLang="en-US" sz="1600" b="0" i="0" u="none" strike="noStrike" cap="none" normalizeH="0" baseline="0" dirty="0">
+                <a:ln>
+                  <a:noFill/>
+                </a:ln>
+                <a:effectLst/>
+                <a:latin typeface="JetBrains Mono"/>
+              </a:rPr>
+              <a:t>))</a:t>
+            </a:r>
+            <a:r>
+              <a:rPr kumimoji="0" lang="en-US" altLang="en-US" sz="1600" b="0" i="0" u="none" strike="noStrike" cap="none" normalizeH="0" baseline="0" dirty="0">
+                <a:ln>
+                  <a:noFill/>
+                </a:ln>
+                <a:solidFill>
+                  <a:srgbClr val="CC7832"/>
+                </a:solidFill>
+                <a:effectLst/>
+                <a:latin typeface="JetBrains Mono"/>
+              </a:rPr>
+              <a:t>;</a:t>
+            </a:r>
+            <a:br>
+              <a:rPr kumimoji="0" lang="en-US" altLang="en-US" sz="1600" b="0" i="0" u="none" strike="noStrike" cap="none" normalizeH="0" baseline="0" dirty="0">
+                <a:ln>
+                  <a:noFill/>
+                </a:ln>
+                <a:solidFill>
+                  <a:srgbClr val="CC7832"/>
+                </a:solidFill>
+                <a:effectLst/>
+                <a:latin typeface="JetBrains Mono"/>
+              </a:rPr>
+            </a:br>
+            <a:r>
+              <a:rPr kumimoji="0" lang="en-US" altLang="en-US" sz="1600" b="0" i="0" u="none" strike="noStrike" cap="none" normalizeH="0" baseline="0" dirty="0">
+                <a:ln>
+                  <a:noFill/>
+                </a:ln>
+                <a:solidFill>
+                  <a:srgbClr val="CC7832"/>
+                </a:solidFill>
+                <a:effectLst/>
+                <a:latin typeface="JetBrains Mono"/>
+              </a:rPr>
+              <a:t>        </a:t>
+            </a:r>
+            <a:r>
+              <a:rPr kumimoji="0" lang="en-US" altLang="en-US" sz="1600" b="0" i="0" u="none" strike="noStrike" cap="none" normalizeH="0" baseline="0" dirty="0" err="1">
+                <a:ln>
+                  <a:noFill/>
+                </a:ln>
+                <a:effectLst/>
+                <a:latin typeface="JetBrains Mono"/>
+              </a:rPr>
+              <a:t>System</a:t>
+            </a:r>
+            <a:r>
+              <a:rPr kumimoji="0" lang="en-US" altLang="en-US" sz="1600" b="0" i="0" u="none" strike="noStrike" cap="none" normalizeH="0" baseline="0" dirty="0" err="1">
+                <a:ln>
+                  <a:noFill/>
+                </a:ln>
+                <a:solidFill>
+                  <a:srgbClr val="A9B7C6"/>
+                </a:solidFill>
+                <a:effectLst/>
+                <a:latin typeface="JetBrains Mono"/>
+              </a:rPr>
+              <a:t>.</a:t>
+            </a:r>
+            <a:r>
+              <a:rPr kumimoji="0" lang="en-US" altLang="en-US" sz="1600" b="0" i="1" u="none" strike="noStrike" cap="none" normalizeH="0" baseline="0" dirty="0" err="1">
+                <a:ln>
+                  <a:noFill/>
+                </a:ln>
+                <a:solidFill>
+                  <a:srgbClr val="9876AA"/>
+                </a:solidFill>
+                <a:effectLst/>
+                <a:latin typeface="JetBrains Mono"/>
+              </a:rPr>
+              <a:t>out</a:t>
+            </a:r>
+            <a:r>
+              <a:rPr kumimoji="0" lang="en-US" altLang="en-US" sz="1600" b="0" i="0" u="none" strike="noStrike" cap="none" normalizeH="0" baseline="0" dirty="0" err="1">
+                <a:ln>
+                  <a:noFill/>
+                </a:ln>
+                <a:solidFill>
+                  <a:srgbClr val="A9B7C6"/>
+                </a:solidFill>
+                <a:effectLst/>
+                <a:latin typeface="JetBrains Mono"/>
+              </a:rPr>
+              <a:t>.</a:t>
+            </a:r>
+            <a:r>
+              <a:rPr kumimoji="0" lang="en-US" altLang="en-US" sz="1600" b="0" i="0" u="none" strike="noStrike" cap="none" normalizeH="0" baseline="0" dirty="0" err="1">
+                <a:ln>
+                  <a:noFill/>
+                </a:ln>
+                <a:effectLst/>
+                <a:latin typeface="JetBrains Mono"/>
+              </a:rPr>
+              <a:t>printf</a:t>
+            </a:r>
+            <a:r>
+              <a:rPr lang="en-US" altLang="en-US" sz="1600" dirty="0">
+                <a:solidFill>
+                  <a:srgbClr val="A9B7C6"/>
+                </a:solidFill>
+                <a:latin typeface="JetBrains Mono"/>
+              </a:rPr>
+              <a:t>(</a:t>
+            </a:r>
+            <a:r>
+              <a:rPr kumimoji="0" lang="en-US" altLang="en-US" sz="1600" b="0" i="0" u="none" strike="noStrike" cap="none" normalizeH="0" baseline="0" dirty="0">
+                <a:ln>
+                  <a:noFill/>
+                </a:ln>
+                <a:solidFill>
+                  <a:srgbClr val="6A8759"/>
+                </a:solidFill>
+                <a:effectLst/>
+                <a:latin typeface="JetBrains Mono"/>
+              </a:rPr>
+              <a:t>"TEST: the index is: %d"</a:t>
+            </a:r>
+            <a:r>
+              <a:rPr kumimoji="0" lang="en-US" altLang="en-US" sz="1600" b="0" i="0" u="none" strike="noStrike" cap="none" normalizeH="0" baseline="0" dirty="0">
+                <a:ln>
+                  <a:noFill/>
+                </a:ln>
+                <a:solidFill>
+                  <a:srgbClr val="CC7832"/>
+                </a:solidFill>
+                <a:effectLst/>
+                <a:latin typeface="JetBrains Mono"/>
+              </a:rPr>
+              <a:t>, </a:t>
+            </a:r>
+            <a:r>
+              <a:rPr kumimoji="0" lang="en-US" altLang="en-US" sz="1600" b="0" i="1" u="none" strike="noStrike" cap="none" normalizeH="0" baseline="0" dirty="0" err="1">
+                <a:ln>
+                  <a:noFill/>
+                </a:ln>
+                <a:effectLst/>
+                <a:latin typeface="JetBrains Mono"/>
+              </a:rPr>
+              <a:t>findIndex</a:t>
+            </a:r>
+            <a:r>
+              <a:rPr kumimoji="0" lang="en-US" altLang="en-US" sz="1600" b="0" i="0" u="none" strike="noStrike" cap="none" normalizeH="0" baseline="0" dirty="0">
+                <a:ln>
+                  <a:noFill/>
+                </a:ln>
+                <a:effectLst/>
+                <a:latin typeface="JetBrains Mono"/>
+              </a:rPr>
+              <a:t>(</a:t>
+            </a:r>
+            <a:r>
+              <a:rPr kumimoji="0" lang="en-US" altLang="en-US" sz="1600" b="0" i="0" u="none" strike="noStrike" cap="none" normalizeH="0" baseline="0" dirty="0">
+                <a:ln>
+                  <a:noFill/>
+                </a:ln>
+                <a:solidFill>
+                  <a:srgbClr val="6A8759"/>
+                </a:solidFill>
+                <a:effectLst/>
+                <a:latin typeface="JetBrains Mono"/>
+              </a:rPr>
+              <a:t>"SATOROTAS"</a:t>
+            </a:r>
+            <a:r>
+              <a:rPr kumimoji="0" lang="en-US" altLang="en-US" sz="1600" b="0" i="0" u="none" strike="noStrike" cap="none" normalizeH="0" baseline="0" dirty="0">
+                <a:ln>
+                  <a:noFill/>
+                </a:ln>
+                <a:solidFill>
+                  <a:srgbClr val="CC7832"/>
+                </a:solidFill>
+                <a:effectLst/>
+                <a:latin typeface="JetBrains Mono"/>
+              </a:rPr>
+              <a:t>, </a:t>
+            </a:r>
+            <a:r>
+              <a:rPr kumimoji="0" lang="en-US" altLang="en-US" sz="1600" b="0" i="0" u="none" strike="noStrike" cap="none" normalizeH="0" baseline="0" dirty="0">
+                <a:ln>
+                  <a:noFill/>
+                </a:ln>
+                <a:solidFill>
+                  <a:srgbClr val="6A8759"/>
+                </a:solidFill>
+                <a:effectLst/>
+                <a:latin typeface="JetBrains Mono"/>
+              </a:rPr>
+              <a:t>'Z'</a:t>
+            </a:r>
+            <a:r>
+              <a:rPr kumimoji="0" lang="en-US" altLang="en-US" sz="1600" b="0" i="0" u="none" strike="noStrike" cap="none" normalizeH="0" baseline="0" dirty="0">
+                <a:ln>
+                  <a:noFill/>
+                </a:ln>
+                <a:effectLst/>
+                <a:latin typeface="JetBrains Mono"/>
+              </a:rPr>
+              <a:t>))</a:t>
+            </a:r>
+            <a:r>
+              <a:rPr kumimoji="0" lang="en-US" altLang="en-US" sz="1600" b="0" i="0" u="none" strike="noStrike" cap="none" normalizeH="0" baseline="0" dirty="0">
+                <a:ln>
+                  <a:noFill/>
+                </a:ln>
+                <a:solidFill>
+                  <a:srgbClr val="CC7832"/>
+                </a:solidFill>
+                <a:effectLst/>
+                <a:latin typeface="JetBrains Mono"/>
+              </a:rPr>
+              <a:t>;</a:t>
+            </a:r>
+            <a:br>
+              <a:rPr kumimoji="0" lang="en-US" altLang="en-US" sz="1600" b="0" i="0" u="none" strike="noStrike" cap="none" normalizeH="0" baseline="0" dirty="0">
+                <a:ln>
+                  <a:noFill/>
+                </a:ln>
+                <a:solidFill>
+                  <a:srgbClr val="CC7832"/>
+                </a:solidFill>
+                <a:effectLst/>
+                <a:latin typeface="JetBrains Mono"/>
+              </a:rPr>
+            </a:br>
+            <a:r>
+              <a:rPr kumimoji="0" lang="en-US" altLang="en-US" sz="1600" b="0" i="0" u="none" strike="noStrike" cap="none" normalizeH="0" baseline="0" dirty="0">
+                <a:ln>
+                  <a:noFill/>
+                </a:ln>
+                <a:effectLst/>
+                <a:latin typeface="JetBrains Mono"/>
+              </a:rPr>
+              <a:t>    }</a:t>
+            </a:r>
+            <a:br>
+              <a:rPr kumimoji="0" lang="en-US" altLang="en-US" sz="1600" b="0" i="0" u="none" strike="noStrike" cap="none" normalizeH="0" baseline="0" dirty="0">
+                <a:ln>
+                  <a:noFill/>
+                </a:ln>
+                <a:effectLst/>
+                <a:latin typeface="JetBrains Mono"/>
+              </a:rPr>
+            </a:br>
+            <a:r>
+              <a:rPr kumimoji="0" lang="en-US" altLang="en-US" sz="1600" b="0" i="0" u="none" strike="noStrike" cap="none" normalizeH="0" baseline="0" dirty="0">
+                <a:ln>
+                  <a:noFill/>
+                </a:ln>
+                <a:effectLst/>
+                <a:latin typeface="JetBrains Mono"/>
+              </a:rPr>
+              <a:t>}</a:t>
+            </a:r>
+            <a:endParaRPr kumimoji="0" lang="en-US" altLang="en-US" sz="1600" b="0" i="0" u="none" strike="noStrike" cap="none" normalizeH="0" baseline="0" dirty="0">
+              <a:ln>
+                <a:noFill/>
+              </a:ln>
+              <a:effectLst/>
+              <a:latin typeface="Arial" panose="020B0604020202020204" pitchFamily="34" charset="0"/>
+            </a:endParaRPr>
+          </a:p>
+        </p:txBody>
+      </p:sp>
+    </p:spTree>
+    <p:extLst>
+      <p:ext uri="{BB962C8B-B14F-4D97-AF65-F5344CB8AC3E}">
+        <p14:creationId xmlns:p14="http://schemas.microsoft.com/office/powerpoint/2010/main" val="517950337"/>
+      </p:ext>
+    </p:extLst>
+  </p:cSld>
+  <p:clrMapOvr>
+    <a:masterClrMapping/>
+  </p:clrMapOvr>
+  <mc:AlternateContent xmlns:mc="http://schemas.openxmlformats.org/markup-compatibility/2006" xmlns:p14="http://schemas.microsoft.com/office/powerpoint/2010/main">
+    <mc:Choice Requires="p14">
+      <p:transition p14:dur="300">
+        <p:fade/>
+      </p:transition>
+    </mc:Choice>
+    <mc:Fallback xmlns="">
+      <p:transition>
+        <p:fade/>
+      </p:transition>
+    </mc:Fallback>
+  </mc:AlternateContent>
+</p:sld>
+</file>
+
+<file path=ppt/slides/slide6.xml><?xml version="1.0" encoding="utf-8"?>
+<p:sld xmlns:a="http://schemas.openxmlformats.org/drawingml/2006/main" xmlns:r="http://schemas.openxmlformats.org/officeDocument/2006/relationships" xmlns:p="http://schemas.openxmlformats.org/presentationml/2006/main">
+  <p:cSld>
+    <p:spTree>
+      <p:nvGrpSpPr>
+        <p:cNvPr id="1" name=""/>
+        <p:cNvGrpSpPr/>
+        <p:nvPr/>
+      </p:nvGrpSpPr>
+      <p:grpSpPr>
+        <a:xfrm>
+          <a:off x="0" y="0"/>
+          <a:ext cx="0" cy="0"/>
+          <a:chOff x="0" y="0"/>
+          <a:chExt cx="0" cy="0"/>
+        </a:xfrm>
+      </p:grpSpPr>
+      <p:sp>
+        <p:nvSpPr>
+          <p:cNvPr id="2" name="Title 1">
+            <a:extLst>
+              <a:ext uri="{FF2B5EF4-FFF2-40B4-BE49-F238E27FC236}">
                 <a16:creationId xmlns:a16="http://schemas.microsoft.com/office/drawing/2014/main" id="{A1F870D0-3F6B-9F4D-94C7-C47B68EE227C}"/>
               </a:ext>
             </a:extLst>
@@ -14519,7 +18184,1633 @@
 </p:sld>
 </file>
 
-<file path=ppt/slides/slide6.xml><?xml version="1.0" encoding="utf-8"?>
+<file path=ppt/slides/slide7.xml><?xml version="1.0" encoding="utf-8"?>
+<p:sld xmlns:a="http://schemas.openxmlformats.org/drawingml/2006/main" xmlns:r="http://schemas.openxmlformats.org/officeDocument/2006/relationships" xmlns:p="http://schemas.openxmlformats.org/presentationml/2006/main">
+  <p:cSld>
+    <p:spTree>
+      <p:nvGrpSpPr>
+        <p:cNvPr id="1" name=""/>
+        <p:cNvGrpSpPr/>
+        <p:nvPr/>
+      </p:nvGrpSpPr>
+      <p:grpSpPr>
+        <a:xfrm>
+          <a:off x="0" y="0"/>
+          <a:ext cx="0" cy="0"/>
+          <a:chOff x="0" y="0"/>
+          <a:chExt cx="0" cy="0"/>
+        </a:xfrm>
+      </p:grpSpPr>
+      <p:sp>
+        <p:nvSpPr>
+          <p:cNvPr id="2" name="Title 1">
+            <a:extLst>
+              <a:ext uri="{FF2B5EF4-FFF2-40B4-BE49-F238E27FC236}">
+                <a16:creationId xmlns:a16="http://schemas.microsoft.com/office/drawing/2014/main" id="{960A4F6E-F908-419B-9F2E-EAFD0529B660}"/>
+              </a:ext>
+            </a:extLst>
+          </p:cNvPr>
+          <p:cNvSpPr>
+            <a:spLocks noGrp="1"/>
+          </p:cNvSpPr>
+          <p:nvPr>
+            <p:ph type="title"/>
+          </p:nvPr>
+        </p:nvSpPr>
+        <p:spPr/>
+        <p:txBody>
+          <a:bodyPr/>
+          <a:lstStyle/>
+          <a:p>
+            <a:r>
+              <a:rPr lang="en-US" dirty="0"/>
+              <a:t>Practice Loop Update</a:t>
+            </a:r>
+          </a:p>
+        </p:txBody>
+      </p:sp>
+      <p:sp>
+        <p:nvSpPr>
+          <p:cNvPr id="3" name="Text Placeholder 2">
+            <a:extLst>
+              <a:ext uri="{FF2B5EF4-FFF2-40B4-BE49-F238E27FC236}">
+                <a16:creationId xmlns:a16="http://schemas.microsoft.com/office/drawing/2014/main" id="{69C8F260-181B-4E56-A55E-0C248418EB45}"/>
+              </a:ext>
+            </a:extLst>
+          </p:cNvPr>
+          <p:cNvSpPr>
+            <a:spLocks noGrp="1"/>
+          </p:cNvSpPr>
+          <p:nvPr>
+            <p:ph type="body" sz="quarter" idx="10"/>
+          </p:nvPr>
+        </p:nvSpPr>
+        <p:spPr>
+          <a:xfrm>
+            <a:off x="628075" y="1776683"/>
+            <a:ext cx="12561453" cy="1712520"/>
+          </a:xfrm>
+        </p:spPr>
+        <p:txBody>
+          <a:bodyPr/>
+          <a:lstStyle/>
+          <a:p>
+            <a:r>
+              <a:rPr lang="en-US" dirty="0"/>
+              <a:t>Write a loop that :</a:t>
+            </a:r>
+          </a:p>
+          <a:p>
+            <a:pPr lvl="1"/>
+            <a:r>
+              <a:rPr lang="en-US" dirty="0"/>
+              <a:t>Now modify your code so that we can start at any location in the String</a:t>
+            </a:r>
+          </a:p>
+          <a:p>
+            <a:pPr lvl="2"/>
+            <a:r>
+              <a:rPr lang="en-US" dirty="0"/>
+              <a:t>Go ahead and change it to start at the beginning </a:t>
+            </a:r>
+          </a:p>
+          <a:p>
+            <a:r>
+              <a:rPr lang="en-US" dirty="0"/>
+              <a:t>Method base to help:</a:t>
+            </a:r>
+          </a:p>
+        </p:txBody>
+      </p:sp>
+      <p:sp>
+        <p:nvSpPr>
+          <p:cNvPr id="8" name="Rectangle 4">
+            <a:extLst>
+              <a:ext uri="{FF2B5EF4-FFF2-40B4-BE49-F238E27FC236}">
+                <a16:creationId xmlns:a16="http://schemas.microsoft.com/office/drawing/2014/main" id="{B05AEA2E-2225-4D60-986E-0D9A179824B3}"/>
+              </a:ext>
+            </a:extLst>
+          </p:cNvPr>
+          <p:cNvSpPr>
+            <a:spLocks noChangeArrowheads="1"/>
+          </p:cNvSpPr>
+          <p:nvPr/>
+        </p:nvSpPr>
+        <p:spPr bwMode="auto">
+          <a:xfrm>
+            <a:off x="2390775" y="3990039"/>
+            <a:ext cx="7753350" cy="3046988"/>
+          </a:xfrm>
+          <a:prstGeom prst="rect">
+            <a:avLst/>
+          </a:prstGeom>
+          <a:solidFill>
+            <a:srgbClr val="FFFFFF"/>
+          </a:solidFill>
+          <a:ln w="9525">
+            <a:solidFill>
+              <a:schemeClr val="accent1"/>
+            </a:solidFill>
+            <a:miter lim="800000"/>
+            <a:headEnd/>
+            <a:tailEnd/>
+          </a:ln>
+          <a:effectLst/>
+          <a:extLst>
+            <a:ext uri="{AF507438-7753-43E0-B8FC-AC1667EBCBE1}">
+              <a14:hiddenEffects xmlns:a14="http://schemas.microsoft.com/office/drawing/2010/main">
+                <a:effectLst>
+                  <a:outerShdw dist="35921" dir="2700000" algn="ctr" rotWithShape="0">
+                    <a:schemeClr val="bg2"/>
+                  </a:outerShdw>
+                </a:effectLst>
+              </a14:hiddenEffects>
+            </a:ext>
+          </a:extLst>
+        </p:spPr>
+        <p:txBody>
+          <a:bodyPr vert="horz" wrap="square" lIns="91440" tIns="45720" rIns="91440" bIns="45720" numCol="1" anchor="ctr" anchorCtr="0" compatLnSpc="1">
+            <a:prstTxWarp prst="textNoShape">
+              <a:avLst/>
+            </a:prstTxWarp>
+            <a:spAutoFit/>
+          </a:bodyPr>
+          <a:lstStyle/>
+          <a:p>
+            <a:pPr marL="0" marR="0" lvl="0" indent="0" algn="l" defTabSz="914400" rtl="0" eaLnBrk="0" fontAlgn="base" latinLnBrk="0" hangingPunct="0">
+              <a:lnSpc>
+                <a:spcPct val="100000"/>
+              </a:lnSpc>
+              <a:spcBef>
+                <a:spcPct val="0"/>
+              </a:spcBef>
+              <a:spcAft>
+                <a:spcPct val="0"/>
+              </a:spcAft>
+              <a:buClrTx/>
+              <a:buSzTx/>
+              <a:buFontTx/>
+              <a:buNone/>
+              <a:tabLst/>
+            </a:pPr>
+            <a:r>
+              <a:rPr kumimoji="0" lang="en-US" altLang="en-US" sz="1600" b="0" i="0" u="none" strike="noStrike" cap="none" normalizeH="0" baseline="0" dirty="0">
+                <a:ln>
+                  <a:noFill/>
+                </a:ln>
+                <a:solidFill>
+                  <a:srgbClr val="0033B3"/>
+                </a:solidFill>
+                <a:effectLst/>
+                <a:latin typeface="JetBrains Mono"/>
+              </a:rPr>
+              <a:t>public static int </a:t>
+            </a:r>
+            <a:r>
+              <a:rPr kumimoji="0" lang="en-US" altLang="en-US" sz="1600" b="0" i="0" u="none" strike="noStrike" cap="none" normalizeH="0" baseline="0" dirty="0" err="1">
+                <a:ln>
+                  <a:noFill/>
+                </a:ln>
+                <a:solidFill>
+                  <a:srgbClr val="00627A"/>
+                </a:solidFill>
+                <a:effectLst/>
+                <a:latin typeface="JetBrains Mono"/>
+              </a:rPr>
+              <a:t>findIndex</a:t>
+            </a:r>
+            <a:r>
+              <a:rPr kumimoji="0" lang="en-US" altLang="en-US" sz="1600" b="0" i="0" u="none" strike="noStrike" cap="none" normalizeH="0" baseline="0" dirty="0">
+                <a:ln>
+                  <a:noFill/>
+                </a:ln>
+                <a:solidFill>
+                  <a:srgbClr val="080808"/>
+                </a:solidFill>
+                <a:effectLst/>
+                <a:latin typeface="JetBrains Mono"/>
+              </a:rPr>
+              <a:t>(</a:t>
+            </a:r>
+            <a:r>
+              <a:rPr kumimoji="0" lang="en-US" altLang="en-US" sz="1600" b="0" i="0" u="none" strike="noStrike" cap="none" normalizeH="0" baseline="0" dirty="0">
+                <a:ln>
+                  <a:noFill/>
+                </a:ln>
+                <a:solidFill>
+                  <a:srgbClr val="000000"/>
+                </a:solidFill>
+                <a:effectLst/>
+                <a:latin typeface="JetBrains Mono"/>
+              </a:rPr>
+              <a:t>String </a:t>
+            </a:r>
+            <a:r>
+              <a:rPr kumimoji="0" lang="en-US" altLang="en-US" sz="1600" b="0" i="0" u="none" strike="noStrike" cap="none" normalizeH="0" baseline="0" dirty="0">
+                <a:ln>
+                  <a:noFill/>
+                </a:ln>
+                <a:solidFill>
+                  <a:srgbClr val="080808"/>
+                </a:solidFill>
+                <a:effectLst/>
+                <a:latin typeface="JetBrains Mono"/>
+              </a:rPr>
+              <a:t>str, </a:t>
+            </a:r>
+            <a:r>
+              <a:rPr kumimoji="0" lang="en-US" altLang="en-US" sz="1600" b="0" i="0" u="none" strike="noStrike" cap="none" normalizeH="0" baseline="0" dirty="0">
+                <a:ln>
+                  <a:noFill/>
+                </a:ln>
+                <a:solidFill>
+                  <a:srgbClr val="000000"/>
+                </a:solidFill>
+                <a:effectLst/>
+                <a:latin typeface="JetBrains Mono"/>
+              </a:rPr>
+              <a:t>Character </a:t>
+            </a:r>
+            <a:r>
+              <a:rPr kumimoji="0" lang="en-US" altLang="en-US" sz="1600" b="0" i="0" u="none" strike="noStrike" cap="none" normalizeH="0" baseline="0" dirty="0" err="1">
+                <a:ln>
+                  <a:noFill/>
+                </a:ln>
+                <a:solidFill>
+                  <a:srgbClr val="080808"/>
+                </a:solidFill>
+                <a:effectLst/>
+                <a:latin typeface="JetBrains Mono"/>
+              </a:rPr>
+              <a:t>ch</a:t>
+            </a:r>
+            <a:r>
+              <a:rPr kumimoji="0" lang="en-US" altLang="en-US" sz="1600" b="0" i="0" u="none" strike="noStrike" cap="none" normalizeH="0" baseline="0" dirty="0">
+                <a:ln>
+                  <a:noFill/>
+                </a:ln>
+                <a:solidFill>
+                  <a:srgbClr val="080808"/>
+                </a:solidFill>
+                <a:effectLst/>
+                <a:latin typeface="JetBrains Mono"/>
+              </a:rPr>
+              <a:t>, </a:t>
+            </a:r>
+            <a:r>
+              <a:rPr kumimoji="0" lang="en-US" altLang="en-US" sz="1600" b="0" i="0" u="none" strike="noStrike" cap="none" normalizeH="0" baseline="0" dirty="0">
+                <a:ln>
+                  <a:noFill/>
+                </a:ln>
+                <a:solidFill>
+                  <a:srgbClr val="0033B3"/>
+                </a:solidFill>
+                <a:effectLst/>
+                <a:latin typeface="JetBrains Mono"/>
+              </a:rPr>
+              <a:t>int </a:t>
+            </a:r>
+            <a:r>
+              <a:rPr kumimoji="0" lang="en-US" altLang="en-US" sz="1600" b="0" i="0" u="none" strike="noStrike" cap="none" normalizeH="0" baseline="0" dirty="0">
+                <a:ln>
+                  <a:noFill/>
+                </a:ln>
+                <a:solidFill>
+                  <a:srgbClr val="080808"/>
+                </a:solidFill>
+                <a:effectLst/>
+                <a:latin typeface="JetBrains Mono"/>
+              </a:rPr>
+              <a:t>start) {</a:t>
+            </a:r>
+            <a:br>
+              <a:rPr kumimoji="0" lang="en-US" altLang="en-US" sz="1600" b="0" i="0" u="none" strike="noStrike" cap="none" normalizeH="0" baseline="0" dirty="0">
+                <a:ln>
+                  <a:noFill/>
+                </a:ln>
+                <a:solidFill>
+                  <a:srgbClr val="080808"/>
+                </a:solidFill>
+                <a:effectLst/>
+                <a:latin typeface="JetBrains Mono"/>
+              </a:rPr>
+            </a:br>
+            <a:r>
+              <a:rPr kumimoji="0" lang="en-US" altLang="en-US" sz="1600" b="0" i="0" u="none" strike="noStrike" cap="none" normalizeH="0" baseline="0" dirty="0">
+                <a:ln>
+                  <a:noFill/>
+                </a:ln>
+                <a:solidFill>
+                  <a:srgbClr val="080808"/>
+                </a:solidFill>
+                <a:effectLst/>
+                <a:latin typeface="JetBrains Mono"/>
+              </a:rPr>
+              <a:t>    </a:t>
+            </a:r>
+            <a:r>
+              <a:rPr kumimoji="0" lang="en-US" altLang="en-US" sz="1600" b="0" i="0" u="none" strike="noStrike" cap="none" normalizeH="0" baseline="0" dirty="0">
+                <a:ln>
+                  <a:noFill/>
+                </a:ln>
+                <a:solidFill>
+                  <a:srgbClr val="0033B3"/>
+                </a:solidFill>
+                <a:effectLst/>
+                <a:latin typeface="JetBrains Mono"/>
+              </a:rPr>
+              <a:t>for</a:t>
+            </a:r>
+            <a:r>
+              <a:rPr kumimoji="0" lang="en-US" altLang="en-US" sz="1600" b="0" i="0" u="none" strike="noStrike" cap="none" normalizeH="0" baseline="0" dirty="0">
+                <a:ln>
+                  <a:noFill/>
+                </a:ln>
+                <a:solidFill>
+                  <a:srgbClr val="080808"/>
+                </a:solidFill>
+                <a:effectLst/>
+                <a:latin typeface="JetBrains Mono"/>
+              </a:rPr>
+              <a:t>(</a:t>
+            </a:r>
+            <a:r>
+              <a:rPr kumimoji="0" lang="en-US" altLang="en-US" sz="1600" b="0" i="0" u="none" strike="noStrike" cap="none" normalizeH="0" baseline="0" dirty="0">
+                <a:ln>
+                  <a:noFill/>
+                </a:ln>
+                <a:solidFill>
+                  <a:srgbClr val="0033B3"/>
+                </a:solidFill>
+                <a:effectLst/>
+                <a:latin typeface="JetBrains Mono"/>
+              </a:rPr>
+              <a:t>int </a:t>
+            </a:r>
+            <a:r>
+              <a:rPr kumimoji="0" lang="en-US" altLang="en-US" sz="1600" b="0" i="0" u="none" strike="noStrike" cap="none" normalizeH="0" baseline="0" dirty="0" err="1">
+                <a:ln>
+                  <a:noFill/>
+                </a:ln>
+                <a:solidFill>
+                  <a:srgbClr val="080808"/>
+                </a:solidFill>
+                <a:effectLst/>
+                <a:latin typeface="JetBrains Mono"/>
+              </a:rPr>
+              <a:t>i</a:t>
+            </a:r>
+            <a:r>
+              <a:rPr kumimoji="0" lang="en-US" altLang="en-US" sz="1600" b="0" i="0" u="none" strike="noStrike" cap="none" normalizeH="0" baseline="0" dirty="0">
+                <a:ln>
+                  <a:noFill/>
+                </a:ln>
+                <a:solidFill>
+                  <a:srgbClr val="080808"/>
+                </a:solidFill>
+                <a:effectLst/>
+                <a:latin typeface="JetBrains Mono"/>
+              </a:rPr>
+              <a:t> = </a:t>
+            </a:r>
+            <a:r>
+              <a:rPr kumimoji="0" lang="en-US" altLang="en-US" sz="1600" b="0" i="0" u="none" strike="noStrike" cap="none" normalizeH="0" baseline="0" dirty="0">
+                <a:ln>
+                  <a:noFill/>
+                </a:ln>
+                <a:solidFill>
+                  <a:srgbClr val="1750EB"/>
+                </a:solidFill>
+                <a:effectLst/>
+                <a:latin typeface="JetBrains Mono"/>
+              </a:rPr>
+              <a:t>0</a:t>
+            </a:r>
+            <a:r>
+              <a:rPr kumimoji="0" lang="en-US" altLang="en-US" sz="1600" b="0" i="0" u="none" strike="noStrike" cap="none" normalizeH="0" baseline="0" dirty="0">
+                <a:ln>
+                  <a:noFill/>
+                </a:ln>
+                <a:solidFill>
+                  <a:srgbClr val="080808"/>
+                </a:solidFill>
+                <a:effectLst/>
+                <a:latin typeface="JetBrains Mono"/>
+              </a:rPr>
+              <a:t>; </a:t>
+            </a:r>
+            <a:r>
+              <a:rPr kumimoji="0" lang="en-US" altLang="en-US" sz="1600" b="0" i="0" u="none" strike="noStrike" cap="none" normalizeH="0" baseline="0" dirty="0" err="1">
+                <a:ln>
+                  <a:noFill/>
+                </a:ln>
+                <a:solidFill>
+                  <a:srgbClr val="080808"/>
+                </a:solidFill>
+                <a:effectLst/>
+                <a:latin typeface="JetBrains Mono"/>
+              </a:rPr>
+              <a:t>i</a:t>
+            </a:r>
+            <a:r>
+              <a:rPr kumimoji="0" lang="en-US" altLang="en-US" sz="1600" b="0" i="0" u="none" strike="noStrike" cap="none" normalizeH="0" baseline="0" dirty="0">
+                <a:ln>
+                  <a:noFill/>
+                </a:ln>
+                <a:solidFill>
+                  <a:srgbClr val="080808"/>
+                </a:solidFill>
+                <a:effectLst/>
+                <a:latin typeface="JetBrains Mono"/>
+              </a:rPr>
+              <a:t> &lt; </a:t>
+            </a:r>
+            <a:r>
+              <a:rPr kumimoji="0" lang="en-US" altLang="en-US" sz="1600" b="0" i="0" u="none" strike="noStrike" cap="none" normalizeH="0" baseline="0" dirty="0" err="1">
+                <a:ln>
+                  <a:noFill/>
+                </a:ln>
+                <a:solidFill>
+                  <a:srgbClr val="080808"/>
+                </a:solidFill>
+                <a:effectLst/>
+                <a:latin typeface="JetBrains Mono"/>
+              </a:rPr>
+              <a:t>str.length</a:t>
+            </a:r>
+            <a:r>
+              <a:rPr kumimoji="0" lang="en-US" altLang="en-US" sz="1600" b="0" i="0" u="none" strike="noStrike" cap="none" normalizeH="0" baseline="0" dirty="0">
+                <a:ln>
+                  <a:noFill/>
+                </a:ln>
+                <a:solidFill>
+                  <a:srgbClr val="080808"/>
+                </a:solidFill>
+                <a:effectLst/>
+                <a:latin typeface="JetBrains Mono"/>
+              </a:rPr>
+              <a:t>(); </a:t>
+            </a:r>
+            <a:r>
+              <a:rPr kumimoji="0" lang="en-US" altLang="en-US" sz="1600" b="0" i="0" u="none" strike="noStrike" cap="none" normalizeH="0" baseline="0" dirty="0" err="1">
+                <a:ln>
+                  <a:noFill/>
+                </a:ln>
+                <a:solidFill>
+                  <a:srgbClr val="080808"/>
+                </a:solidFill>
+                <a:effectLst/>
+                <a:latin typeface="JetBrains Mono"/>
+              </a:rPr>
+              <a:t>i</a:t>
+            </a:r>
+            <a:r>
+              <a:rPr kumimoji="0" lang="en-US" altLang="en-US" sz="1600" b="0" i="0" u="none" strike="noStrike" cap="none" normalizeH="0" baseline="0" dirty="0">
+                <a:ln>
+                  <a:noFill/>
+                </a:ln>
+                <a:solidFill>
+                  <a:srgbClr val="080808"/>
+                </a:solidFill>
+                <a:effectLst/>
+                <a:latin typeface="JetBrains Mono"/>
+              </a:rPr>
+              <a:t>++) { // MODIFY </a:t>
+            </a:r>
+            <a:br>
+              <a:rPr kumimoji="0" lang="en-US" altLang="en-US" sz="1600" b="0" i="0" u="none" strike="noStrike" cap="none" normalizeH="0" baseline="0" dirty="0">
+                <a:ln>
+                  <a:noFill/>
+                </a:ln>
+                <a:solidFill>
+                  <a:srgbClr val="080808"/>
+                </a:solidFill>
+                <a:effectLst/>
+                <a:latin typeface="JetBrains Mono"/>
+              </a:rPr>
+            </a:br>
+            <a:r>
+              <a:rPr kumimoji="0" lang="en-US" altLang="en-US" sz="1600" b="0" i="0" u="none" strike="noStrike" cap="none" normalizeH="0" baseline="0" dirty="0">
+                <a:ln>
+                  <a:noFill/>
+                </a:ln>
+                <a:solidFill>
+                  <a:srgbClr val="080808"/>
+                </a:solidFill>
+                <a:effectLst/>
+                <a:latin typeface="JetBrains Mono"/>
+              </a:rPr>
+              <a:t>        </a:t>
+            </a:r>
+            <a:r>
+              <a:rPr kumimoji="0" lang="en-US" altLang="en-US" sz="1600" b="0" i="0" u="none" strike="noStrike" cap="none" normalizeH="0" baseline="0" dirty="0">
+                <a:ln>
+                  <a:noFill/>
+                </a:ln>
+                <a:solidFill>
+                  <a:srgbClr val="0033B3"/>
+                </a:solidFill>
+                <a:effectLst/>
+                <a:latin typeface="JetBrains Mono"/>
+              </a:rPr>
+              <a:t>if</a:t>
+            </a:r>
+            <a:r>
+              <a:rPr kumimoji="0" lang="en-US" altLang="en-US" sz="1600" b="0" i="0" u="none" strike="noStrike" cap="none" normalizeH="0" baseline="0" dirty="0">
+                <a:ln>
+                  <a:noFill/>
+                </a:ln>
+                <a:solidFill>
+                  <a:srgbClr val="080808"/>
+                </a:solidFill>
+                <a:effectLst/>
+                <a:latin typeface="JetBrains Mono"/>
+              </a:rPr>
+              <a:t>(</a:t>
+            </a:r>
+            <a:r>
+              <a:rPr kumimoji="0" lang="en-US" altLang="en-US" sz="1600" b="0" i="0" u="none" strike="noStrike" cap="none" normalizeH="0" baseline="0" dirty="0" err="1">
+                <a:ln>
+                  <a:noFill/>
+                </a:ln>
+                <a:solidFill>
+                  <a:srgbClr val="080808"/>
+                </a:solidFill>
+                <a:effectLst/>
+                <a:latin typeface="JetBrains Mono"/>
+              </a:rPr>
+              <a:t>str.charAt</a:t>
+            </a:r>
+            <a:r>
+              <a:rPr kumimoji="0" lang="en-US" altLang="en-US" sz="1600" b="0" i="0" u="none" strike="noStrike" cap="none" normalizeH="0" baseline="0" dirty="0">
+                <a:ln>
+                  <a:noFill/>
+                </a:ln>
+                <a:solidFill>
+                  <a:srgbClr val="080808"/>
+                </a:solidFill>
+                <a:effectLst/>
+                <a:latin typeface="JetBrains Mono"/>
+              </a:rPr>
+              <a:t>(</a:t>
+            </a:r>
+            <a:r>
+              <a:rPr kumimoji="0" lang="en-US" altLang="en-US" sz="1600" b="0" i="0" u="none" strike="noStrike" cap="none" normalizeH="0" baseline="0" dirty="0" err="1">
+                <a:ln>
+                  <a:noFill/>
+                </a:ln>
+                <a:solidFill>
+                  <a:srgbClr val="080808"/>
+                </a:solidFill>
+                <a:effectLst/>
+                <a:latin typeface="JetBrains Mono"/>
+              </a:rPr>
+              <a:t>i</a:t>
+            </a:r>
+            <a:r>
+              <a:rPr kumimoji="0" lang="en-US" altLang="en-US" sz="1600" b="0" i="0" u="none" strike="noStrike" cap="none" normalizeH="0" baseline="0" dirty="0">
+                <a:ln>
+                  <a:noFill/>
+                </a:ln>
+                <a:solidFill>
+                  <a:srgbClr val="080808"/>
+                </a:solidFill>
+                <a:effectLst/>
+                <a:latin typeface="JetBrains Mono"/>
+              </a:rPr>
+              <a:t>) == </a:t>
+            </a:r>
+            <a:r>
+              <a:rPr kumimoji="0" lang="en-US" altLang="en-US" sz="1600" b="0" i="0" u="none" strike="noStrike" cap="none" normalizeH="0" baseline="0" dirty="0" err="1">
+                <a:ln>
+                  <a:noFill/>
+                </a:ln>
+                <a:solidFill>
+                  <a:srgbClr val="080808"/>
+                </a:solidFill>
+                <a:effectLst/>
+                <a:latin typeface="JetBrains Mono"/>
+              </a:rPr>
+              <a:t>ch</a:t>
+            </a:r>
+            <a:r>
+              <a:rPr kumimoji="0" lang="en-US" altLang="en-US" sz="1600" b="0" i="0" u="none" strike="noStrike" cap="none" normalizeH="0" baseline="0" dirty="0">
+                <a:ln>
+                  <a:noFill/>
+                </a:ln>
+                <a:solidFill>
+                  <a:srgbClr val="080808"/>
+                </a:solidFill>
+                <a:effectLst/>
+                <a:latin typeface="JetBrains Mono"/>
+              </a:rPr>
+              <a:t>) </a:t>
+            </a:r>
+            <a:r>
+              <a:rPr kumimoji="0" lang="en-US" altLang="en-US" sz="1600" b="0" i="0" u="none" strike="noStrike" cap="none" normalizeH="0" baseline="0" dirty="0">
+                <a:ln>
+                  <a:noFill/>
+                </a:ln>
+                <a:solidFill>
+                  <a:srgbClr val="0033B3"/>
+                </a:solidFill>
+                <a:effectLst/>
+                <a:latin typeface="JetBrains Mono"/>
+              </a:rPr>
+              <a:t>return </a:t>
+            </a:r>
+            <a:r>
+              <a:rPr kumimoji="0" lang="en-US" altLang="en-US" sz="1600" b="0" i="0" u="none" strike="noStrike" cap="none" normalizeH="0" baseline="0" dirty="0" err="1">
+                <a:ln>
+                  <a:noFill/>
+                </a:ln>
+                <a:solidFill>
+                  <a:srgbClr val="080808"/>
+                </a:solidFill>
+                <a:effectLst/>
+                <a:latin typeface="JetBrains Mono"/>
+              </a:rPr>
+              <a:t>i</a:t>
+            </a:r>
+            <a:r>
+              <a:rPr kumimoji="0" lang="en-US" altLang="en-US" sz="1600" b="0" i="0" u="none" strike="noStrike" cap="none" normalizeH="0" baseline="0" dirty="0">
+                <a:ln>
+                  <a:noFill/>
+                </a:ln>
+                <a:solidFill>
+                  <a:srgbClr val="080808"/>
+                </a:solidFill>
+                <a:effectLst/>
+                <a:latin typeface="JetBrains Mono"/>
+              </a:rPr>
+              <a:t>;</a:t>
+            </a:r>
+            <a:br>
+              <a:rPr kumimoji="0" lang="en-US" altLang="en-US" sz="1600" b="0" i="0" u="none" strike="noStrike" cap="none" normalizeH="0" baseline="0" dirty="0">
+                <a:ln>
+                  <a:noFill/>
+                </a:ln>
+                <a:solidFill>
+                  <a:srgbClr val="080808"/>
+                </a:solidFill>
+                <a:effectLst/>
+                <a:latin typeface="JetBrains Mono"/>
+              </a:rPr>
+            </a:br>
+            <a:r>
+              <a:rPr kumimoji="0" lang="en-US" altLang="en-US" sz="1600" b="0" i="0" u="none" strike="noStrike" cap="none" normalizeH="0" baseline="0" dirty="0">
+                <a:ln>
+                  <a:noFill/>
+                </a:ln>
+                <a:solidFill>
+                  <a:srgbClr val="080808"/>
+                </a:solidFill>
+                <a:effectLst/>
+                <a:latin typeface="JetBrains Mono"/>
+              </a:rPr>
+              <a:t>    }</a:t>
+            </a:r>
+            <a:br>
+              <a:rPr kumimoji="0" lang="en-US" altLang="en-US" sz="1600" b="0" i="0" u="none" strike="noStrike" cap="none" normalizeH="0" baseline="0" dirty="0">
+                <a:ln>
+                  <a:noFill/>
+                </a:ln>
+                <a:solidFill>
+                  <a:srgbClr val="080808"/>
+                </a:solidFill>
+                <a:effectLst/>
+                <a:latin typeface="JetBrains Mono"/>
+              </a:rPr>
+            </a:br>
+            <a:r>
+              <a:rPr kumimoji="0" lang="en-US" altLang="en-US" sz="1600" b="0" i="0" u="none" strike="noStrike" cap="none" normalizeH="0" baseline="0" dirty="0">
+                <a:ln>
+                  <a:noFill/>
+                </a:ln>
+                <a:solidFill>
+                  <a:srgbClr val="080808"/>
+                </a:solidFill>
+                <a:effectLst/>
+                <a:latin typeface="JetBrains Mono"/>
+              </a:rPr>
+              <a:t>    </a:t>
+            </a:r>
+            <a:r>
+              <a:rPr kumimoji="0" lang="en-US" altLang="en-US" sz="1600" b="0" i="0" u="none" strike="noStrike" cap="none" normalizeH="0" baseline="0" dirty="0">
+                <a:ln>
+                  <a:noFill/>
+                </a:ln>
+                <a:solidFill>
+                  <a:srgbClr val="0033B3"/>
+                </a:solidFill>
+                <a:effectLst/>
+                <a:latin typeface="JetBrains Mono"/>
+              </a:rPr>
+              <a:t>return </a:t>
+            </a:r>
+            <a:r>
+              <a:rPr kumimoji="0" lang="en-US" altLang="en-US" sz="1600" b="0" i="0" u="none" strike="noStrike" cap="none" normalizeH="0" baseline="0" dirty="0">
+                <a:ln>
+                  <a:noFill/>
+                </a:ln>
+                <a:solidFill>
+                  <a:srgbClr val="080808"/>
+                </a:solidFill>
+                <a:effectLst/>
+                <a:latin typeface="JetBrains Mono"/>
+              </a:rPr>
+              <a:t>-</a:t>
+            </a:r>
+            <a:r>
+              <a:rPr kumimoji="0" lang="en-US" altLang="en-US" sz="1600" b="0" i="0" u="none" strike="noStrike" cap="none" normalizeH="0" baseline="0" dirty="0">
+                <a:ln>
+                  <a:noFill/>
+                </a:ln>
+                <a:solidFill>
+                  <a:srgbClr val="1750EB"/>
+                </a:solidFill>
+                <a:effectLst/>
+                <a:latin typeface="JetBrains Mono"/>
+              </a:rPr>
+              <a:t>1</a:t>
+            </a:r>
+            <a:r>
+              <a:rPr kumimoji="0" lang="en-US" altLang="en-US" sz="1600" b="0" i="0" u="none" strike="noStrike" cap="none" normalizeH="0" baseline="0" dirty="0">
+                <a:ln>
+                  <a:noFill/>
+                </a:ln>
+                <a:solidFill>
+                  <a:srgbClr val="080808"/>
+                </a:solidFill>
+                <a:effectLst/>
+                <a:latin typeface="JetBrains Mono"/>
+              </a:rPr>
+              <a:t>;</a:t>
+            </a:r>
+            <a:br>
+              <a:rPr kumimoji="0" lang="en-US" altLang="en-US" sz="1600" b="0" i="0" u="none" strike="noStrike" cap="none" normalizeH="0" baseline="0" dirty="0">
+                <a:ln>
+                  <a:noFill/>
+                </a:ln>
+                <a:solidFill>
+                  <a:srgbClr val="080808"/>
+                </a:solidFill>
+                <a:effectLst/>
+                <a:latin typeface="JetBrains Mono"/>
+              </a:rPr>
+            </a:br>
+            <a:r>
+              <a:rPr kumimoji="0" lang="en-US" altLang="en-US" sz="1600" b="0" i="0" u="none" strike="noStrike" cap="none" normalizeH="0" baseline="0" dirty="0">
+                <a:ln>
+                  <a:noFill/>
+                </a:ln>
+                <a:solidFill>
+                  <a:srgbClr val="080808"/>
+                </a:solidFill>
+                <a:effectLst/>
+                <a:latin typeface="JetBrains Mono"/>
+              </a:rPr>
+              <a:t>}</a:t>
+            </a:r>
+            <a:br>
+              <a:rPr kumimoji="0" lang="en-US" altLang="en-US" sz="1600" b="0" i="0" u="none" strike="noStrike" cap="none" normalizeH="0" baseline="0" dirty="0">
+                <a:ln>
+                  <a:noFill/>
+                </a:ln>
+                <a:solidFill>
+                  <a:srgbClr val="080808"/>
+                </a:solidFill>
+                <a:effectLst/>
+                <a:latin typeface="JetBrains Mono"/>
+              </a:rPr>
+            </a:br>
+            <a:br>
+              <a:rPr kumimoji="0" lang="en-US" altLang="en-US" sz="1600" b="0" i="0" u="none" strike="noStrike" cap="none" normalizeH="0" baseline="0" dirty="0">
+                <a:ln>
+                  <a:noFill/>
+                </a:ln>
+                <a:solidFill>
+                  <a:srgbClr val="080808"/>
+                </a:solidFill>
+                <a:effectLst/>
+                <a:latin typeface="JetBrains Mono"/>
+              </a:rPr>
+            </a:br>
+            <a:r>
+              <a:rPr kumimoji="0" lang="en-US" altLang="en-US" sz="1600" b="0" i="0" u="none" strike="noStrike" cap="none" normalizeH="0" baseline="0" dirty="0">
+                <a:ln>
+                  <a:noFill/>
+                </a:ln>
+                <a:solidFill>
+                  <a:srgbClr val="0033B3"/>
+                </a:solidFill>
+                <a:effectLst/>
+                <a:latin typeface="JetBrains Mono"/>
+              </a:rPr>
+              <a:t>public static void </a:t>
+            </a:r>
+            <a:r>
+              <a:rPr kumimoji="0" lang="en-US" altLang="en-US" sz="1600" b="0" i="0" u="none" strike="noStrike" cap="none" normalizeH="0" baseline="0" dirty="0">
+                <a:ln>
+                  <a:noFill/>
+                </a:ln>
+                <a:solidFill>
+                  <a:srgbClr val="00627A"/>
+                </a:solidFill>
+                <a:effectLst/>
+                <a:latin typeface="JetBrains Mono"/>
+              </a:rPr>
+              <a:t>main</a:t>
+            </a:r>
+            <a:r>
+              <a:rPr kumimoji="0" lang="en-US" altLang="en-US" sz="1600" b="0" i="0" u="none" strike="noStrike" cap="none" normalizeH="0" baseline="0" dirty="0">
+                <a:ln>
+                  <a:noFill/>
+                </a:ln>
+                <a:solidFill>
+                  <a:srgbClr val="080808"/>
+                </a:solidFill>
+                <a:effectLst/>
+                <a:latin typeface="JetBrains Mono"/>
+              </a:rPr>
+              <a:t>(</a:t>
+            </a:r>
+            <a:r>
+              <a:rPr kumimoji="0" lang="en-US" altLang="en-US" sz="1600" b="0" i="0" u="none" strike="noStrike" cap="none" normalizeH="0" baseline="0" dirty="0">
+                <a:ln>
+                  <a:noFill/>
+                </a:ln>
+                <a:solidFill>
+                  <a:srgbClr val="000000"/>
+                </a:solidFill>
+                <a:effectLst/>
+                <a:latin typeface="JetBrains Mono"/>
+              </a:rPr>
+              <a:t>String</a:t>
+            </a:r>
+            <a:r>
+              <a:rPr kumimoji="0" lang="en-US" altLang="en-US" sz="1600" b="0" i="0" u="none" strike="noStrike" cap="none" normalizeH="0" baseline="0" dirty="0">
+                <a:ln>
+                  <a:noFill/>
+                </a:ln>
+                <a:solidFill>
+                  <a:srgbClr val="080808"/>
+                </a:solidFill>
+                <a:effectLst/>
+                <a:latin typeface="JetBrains Mono"/>
+              </a:rPr>
+              <a:t>[] </a:t>
+            </a:r>
+            <a:r>
+              <a:rPr kumimoji="0" lang="en-US" altLang="en-US" sz="1600" b="0" i="0" u="none" strike="noStrike" cap="none" normalizeH="0" baseline="0" dirty="0" err="1">
+                <a:ln>
+                  <a:noFill/>
+                </a:ln>
+                <a:solidFill>
+                  <a:srgbClr val="080808"/>
+                </a:solidFill>
+                <a:effectLst/>
+                <a:latin typeface="JetBrains Mono"/>
+              </a:rPr>
+              <a:t>args</a:t>
+            </a:r>
+            <a:r>
+              <a:rPr kumimoji="0" lang="en-US" altLang="en-US" sz="1600" b="0" i="0" u="none" strike="noStrike" cap="none" normalizeH="0" baseline="0" dirty="0">
+                <a:ln>
+                  <a:noFill/>
+                </a:ln>
+                <a:solidFill>
+                  <a:srgbClr val="080808"/>
+                </a:solidFill>
+                <a:effectLst/>
+                <a:latin typeface="JetBrains Mono"/>
+              </a:rPr>
+              <a:t>) {</a:t>
+            </a:r>
+            <a:br>
+              <a:rPr kumimoji="0" lang="en-US" altLang="en-US" sz="1600" b="0" i="0" u="none" strike="noStrike" cap="none" normalizeH="0" baseline="0" dirty="0">
+                <a:ln>
+                  <a:noFill/>
+                </a:ln>
+                <a:solidFill>
+                  <a:srgbClr val="080808"/>
+                </a:solidFill>
+                <a:effectLst/>
+                <a:latin typeface="JetBrains Mono"/>
+              </a:rPr>
+            </a:br>
+            <a:r>
+              <a:rPr kumimoji="0" lang="en-US" altLang="en-US" sz="1600" b="0" i="0" u="none" strike="noStrike" cap="none" normalizeH="0" baseline="0" dirty="0">
+                <a:ln>
+                  <a:noFill/>
+                </a:ln>
+                <a:solidFill>
+                  <a:srgbClr val="080808"/>
+                </a:solidFill>
+                <a:effectLst/>
+                <a:latin typeface="JetBrains Mono"/>
+              </a:rPr>
+              <a:t>    </a:t>
+            </a:r>
+            <a:r>
+              <a:rPr kumimoji="0" lang="en-US" altLang="en-US" sz="1600" b="0" i="0" u="none" strike="noStrike" cap="none" normalizeH="0" baseline="0" dirty="0" err="1">
+                <a:ln>
+                  <a:noFill/>
+                </a:ln>
+                <a:solidFill>
+                  <a:srgbClr val="000000"/>
+                </a:solidFill>
+                <a:effectLst/>
+                <a:latin typeface="JetBrains Mono"/>
+              </a:rPr>
+              <a:t>System</a:t>
+            </a:r>
+            <a:r>
+              <a:rPr kumimoji="0" lang="en-US" altLang="en-US" sz="1600" b="0" i="0" u="none" strike="noStrike" cap="none" normalizeH="0" baseline="0" dirty="0" err="1">
+                <a:ln>
+                  <a:noFill/>
+                </a:ln>
+                <a:solidFill>
+                  <a:srgbClr val="080808"/>
+                </a:solidFill>
+                <a:effectLst/>
+                <a:latin typeface="JetBrains Mono"/>
+              </a:rPr>
+              <a:t>.</a:t>
+            </a:r>
+            <a:r>
+              <a:rPr kumimoji="0" lang="en-US" altLang="en-US" sz="1600" b="0" i="1" u="none" strike="noStrike" cap="none" normalizeH="0" baseline="0" dirty="0" err="1">
+                <a:ln>
+                  <a:noFill/>
+                </a:ln>
+                <a:solidFill>
+                  <a:srgbClr val="871094"/>
+                </a:solidFill>
+                <a:effectLst/>
+                <a:latin typeface="JetBrains Mono"/>
+              </a:rPr>
+              <a:t>out</a:t>
+            </a:r>
+            <a:r>
+              <a:rPr kumimoji="0" lang="en-US" altLang="en-US" sz="1600" b="0" i="0" u="none" strike="noStrike" cap="none" normalizeH="0" baseline="0" dirty="0" err="1">
+                <a:ln>
+                  <a:noFill/>
+                </a:ln>
+                <a:solidFill>
+                  <a:srgbClr val="080808"/>
+                </a:solidFill>
+                <a:effectLst/>
+                <a:latin typeface="JetBrains Mono"/>
+              </a:rPr>
+              <a:t>.printf</a:t>
+            </a:r>
+            <a:r>
+              <a:rPr kumimoji="0" lang="en-US" altLang="en-US" sz="1600" b="0" i="0" u="none" strike="noStrike" cap="none" normalizeH="0" baseline="0" dirty="0">
+                <a:ln>
+                  <a:noFill/>
+                </a:ln>
+                <a:solidFill>
+                  <a:srgbClr val="080808"/>
+                </a:solidFill>
+                <a:effectLst/>
+                <a:latin typeface="JetBrains Mono"/>
+              </a:rPr>
+              <a:t>(</a:t>
+            </a:r>
+            <a:r>
+              <a:rPr kumimoji="0" lang="en-US" altLang="en-US" sz="1600" b="0" i="0" u="none" strike="noStrike" cap="none" normalizeH="0" baseline="0" dirty="0">
+                <a:ln>
+                  <a:noFill/>
+                </a:ln>
+                <a:solidFill>
+                  <a:srgbClr val="067D17"/>
+                </a:solidFill>
+                <a:effectLst/>
+                <a:latin typeface="JetBrains Mono"/>
+              </a:rPr>
+              <a:t>"TEST: the index is: %d"</a:t>
+            </a:r>
+            <a:r>
+              <a:rPr kumimoji="0" lang="en-US" altLang="en-US" sz="1600" b="0" i="0" u="none" strike="noStrike" cap="none" normalizeH="0" baseline="0" dirty="0">
+                <a:ln>
+                  <a:noFill/>
+                </a:ln>
+                <a:solidFill>
+                  <a:srgbClr val="080808"/>
+                </a:solidFill>
+                <a:effectLst/>
+                <a:latin typeface="JetBrains Mono"/>
+              </a:rPr>
+              <a:t>, </a:t>
+            </a:r>
+            <a:r>
+              <a:rPr kumimoji="0" lang="en-US" altLang="en-US" sz="1600" b="0" i="1" u="none" strike="noStrike" cap="none" normalizeH="0" baseline="0" dirty="0" err="1">
+                <a:ln>
+                  <a:noFill/>
+                </a:ln>
+                <a:solidFill>
+                  <a:srgbClr val="080808"/>
+                </a:solidFill>
+                <a:effectLst/>
+                <a:latin typeface="JetBrains Mono"/>
+              </a:rPr>
+              <a:t>findIndex</a:t>
+            </a:r>
+            <a:r>
+              <a:rPr kumimoji="0" lang="en-US" altLang="en-US" sz="1600" b="0" i="0" u="none" strike="noStrike" cap="none" normalizeH="0" baseline="0" dirty="0">
+                <a:ln>
+                  <a:noFill/>
+                </a:ln>
+                <a:solidFill>
+                  <a:srgbClr val="080808"/>
+                </a:solidFill>
+                <a:effectLst/>
+                <a:latin typeface="JetBrains Mono"/>
+              </a:rPr>
+              <a:t>(</a:t>
+            </a:r>
+            <a:r>
+              <a:rPr kumimoji="0" lang="en-US" altLang="en-US" sz="1600" b="0" i="0" u="none" strike="noStrike" cap="none" normalizeH="0" baseline="0" dirty="0">
+                <a:ln>
+                  <a:noFill/>
+                </a:ln>
+                <a:solidFill>
+                  <a:srgbClr val="067D17"/>
+                </a:solidFill>
+                <a:effectLst/>
+                <a:latin typeface="JetBrains Mono"/>
+              </a:rPr>
+              <a:t>"SATOROTAS"</a:t>
+            </a:r>
+            <a:r>
+              <a:rPr kumimoji="0" lang="en-US" altLang="en-US" sz="1600" b="0" i="0" u="none" strike="noStrike" cap="none" normalizeH="0" baseline="0" dirty="0">
+                <a:ln>
+                  <a:noFill/>
+                </a:ln>
+                <a:solidFill>
+                  <a:srgbClr val="080808"/>
+                </a:solidFill>
+                <a:effectLst/>
+                <a:latin typeface="JetBrains Mono"/>
+              </a:rPr>
+              <a:t>, </a:t>
+            </a:r>
+            <a:r>
+              <a:rPr kumimoji="0" lang="en-US" altLang="en-US" sz="1600" b="0" i="0" u="none" strike="noStrike" cap="none" normalizeH="0" baseline="0" dirty="0">
+                <a:ln>
+                  <a:noFill/>
+                </a:ln>
+                <a:solidFill>
+                  <a:srgbClr val="067D17"/>
+                </a:solidFill>
+                <a:effectLst/>
+                <a:latin typeface="JetBrains Mono"/>
+              </a:rPr>
+              <a:t>'A'</a:t>
+            </a:r>
+            <a:r>
+              <a:rPr kumimoji="0" lang="en-US" altLang="en-US" sz="1600" b="0" i="0" u="none" strike="noStrike" cap="none" normalizeH="0" baseline="0" dirty="0">
+                <a:ln>
+                  <a:noFill/>
+                </a:ln>
+                <a:solidFill>
+                  <a:srgbClr val="080808"/>
+                </a:solidFill>
+                <a:effectLst/>
+                <a:latin typeface="JetBrains Mono"/>
+              </a:rPr>
+              <a:t>, </a:t>
+            </a:r>
+            <a:r>
+              <a:rPr kumimoji="0" lang="en-US" altLang="en-US" sz="1600" b="0" i="0" u="none" strike="noStrike" cap="none" normalizeH="0" baseline="0" dirty="0">
+                <a:ln>
+                  <a:noFill/>
+                </a:ln>
+                <a:solidFill>
+                  <a:srgbClr val="1750EB"/>
+                </a:solidFill>
+                <a:effectLst/>
+                <a:latin typeface="JetBrains Mono"/>
+              </a:rPr>
+              <a:t>0</a:t>
+            </a:r>
+            <a:r>
+              <a:rPr kumimoji="0" lang="en-US" altLang="en-US" sz="1600" b="0" i="0" u="none" strike="noStrike" cap="none" normalizeH="0" baseline="0" dirty="0">
+                <a:ln>
+                  <a:noFill/>
+                </a:ln>
+                <a:solidFill>
+                  <a:srgbClr val="080808"/>
+                </a:solidFill>
+                <a:effectLst/>
+                <a:latin typeface="JetBrains Mono"/>
+              </a:rPr>
+              <a:t>));</a:t>
+            </a:r>
+            <a:br>
+              <a:rPr kumimoji="0" lang="en-US" altLang="en-US" sz="1600" b="0" i="0" u="none" strike="noStrike" cap="none" normalizeH="0" baseline="0" dirty="0">
+                <a:ln>
+                  <a:noFill/>
+                </a:ln>
+                <a:solidFill>
+                  <a:srgbClr val="080808"/>
+                </a:solidFill>
+                <a:effectLst/>
+                <a:latin typeface="JetBrains Mono"/>
+              </a:rPr>
+            </a:br>
+            <a:r>
+              <a:rPr kumimoji="0" lang="en-US" altLang="en-US" sz="1600" b="0" i="0" u="none" strike="noStrike" cap="none" normalizeH="0" baseline="0" dirty="0">
+                <a:ln>
+                  <a:noFill/>
+                </a:ln>
+                <a:solidFill>
+                  <a:srgbClr val="080808"/>
+                </a:solidFill>
+                <a:effectLst/>
+                <a:latin typeface="JetBrains Mono"/>
+              </a:rPr>
+              <a:t>    </a:t>
+            </a:r>
+            <a:r>
+              <a:rPr kumimoji="0" lang="en-US" altLang="en-US" sz="1600" b="0" i="0" u="none" strike="noStrike" cap="none" normalizeH="0" baseline="0" dirty="0" err="1">
+                <a:ln>
+                  <a:noFill/>
+                </a:ln>
+                <a:solidFill>
+                  <a:srgbClr val="000000"/>
+                </a:solidFill>
+                <a:effectLst/>
+                <a:latin typeface="JetBrains Mono"/>
+              </a:rPr>
+              <a:t>System</a:t>
+            </a:r>
+            <a:r>
+              <a:rPr kumimoji="0" lang="en-US" altLang="en-US" sz="1600" b="0" i="0" u="none" strike="noStrike" cap="none" normalizeH="0" baseline="0" dirty="0" err="1">
+                <a:ln>
+                  <a:noFill/>
+                </a:ln>
+                <a:solidFill>
+                  <a:srgbClr val="080808"/>
+                </a:solidFill>
+                <a:effectLst/>
+                <a:latin typeface="JetBrains Mono"/>
+              </a:rPr>
+              <a:t>.</a:t>
+            </a:r>
+            <a:r>
+              <a:rPr kumimoji="0" lang="en-US" altLang="en-US" sz="1600" b="0" i="1" u="none" strike="noStrike" cap="none" normalizeH="0" baseline="0" dirty="0" err="1">
+                <a:ln>
+                  <a:noFill/>
+                </a:ln>
+                <a:solidFill>
+                  <a:srgbClr val="871094"/>
+                </a:solidFill>
+                <a:effectLst/>
+                <a:latin typeface="JetBrains Mono"/>
+              </a:rPr>
+              <a:t>out</a:t>
+            </a:r>
+            <a:r>
+              <a:rPr kumimoji="0" lang="en-US" altLang="en-US" sz="1600" b="0" i="0" u="none" strike="noStrike" cap="none" normalizeH="0" baseline="0" dirty="0" err="1">
+                <a:ln>
+                  <a:noFill/>
+                </a:ln>
+                <a:solidFill>
+                  <a:srgbClr val="080808"/>
+                </a:solidFill>
+                <a:effectLst/>
+                <a:latin typeface="JetBrains Mono"/>
+              </a:rPr>
+              <a:t>.printf</a:t>
+            </a:r>
+            <a:r>
+              <a:rPr kumimoji="0" lang="en-US" altLang="en-US" sz="1600" b="0" i="0" u="none" strike="noStrike" cap="none" normalizeH="0" baseline="0" dirty="0">
+                <a:ln>
+                  <a:noFill/>
+                </a:ln>
+                <a:solidFill>
+                  <a:srgbClr val="080808"/>
+                </a:solidFill>
+                <a:effectLst/>
+                <a:latin typeface="JetBrains Mono"/>
+              </a:rPr>
+              <a:t>(</a:t>
+            </a:r>
+            <a:r>
+              <a:rPr kumimoji="0" lang="en-US" altLang="en-US" sz="1600" b="0" i="0" u="none" strike="noStrike" cap="none" normalizeH="0" baseline="0" dirty="0">
+                <a:ln>
+                  <a:noFill/>
+                </a:ln>
+                <a:solidFill>
+                  <a:srgbClr val="067D17"/>
+                </a:solidFill>
+                <a:effectLst/>
+                <a:latin typeface="JetBrains Mono"/>
+              </a:rPr>
+              <a:t>"TEST: the index is: %d"</a:t>
+            </a:r>
+            <a:r>
+              <a:rPr kumimoji="0" lang="en-US" altLang="en-US" sz="1600" b="0" i="0" u="none" strike="noStrike" cap="none" normalizeH="0" baseline="0" dirty="0">
+                <a:ln>
+                  <a:noFill/>
+                </a:ln>
+                <a:solidFill>
+                  <a:srgbClr val="080808"/>
+                </a:solidFill>
+                <a:effectLst/>
+                <a:latin typeface="JetBrains Mono"/>
+              </a:rPr>
+              <a:t>, </a:t>
+            </a:r>
+            <a:r>
+              <a:rPr kumimoji="0" lang="en-US" altLang="en-US" sz="1600" b="0" i="1" u="none" strike="noStrike" cap="none" normalizeH="0" baseline="0" dirty="0" err="1">
+                <a:ln>
+                  <a:noFill/>
+                </a:ln>
+                <a:solidFill>
+                  <a:srgbClr val="080808"/>
+                </a:solidFill>
+                <a:effectLst/>
+                <a:latin typeface="JetBrains Mono"/>
+              </a:rPr>
+              <a:t>findIndex</a:t>
+            </a:r>
+            <a:r>
+              <a:rPr kumimoji="0" lang="en-US" altLang="en-US" sz="1600" b="0" i="0" u="none" strike="noStrike" cap="none" normalizeH="0" baseline="0" dirty="0">
+                <a:ln>
+                  <a:noFill/>
+                </a:ln>
+                <a:solidFill>
+                  <a:srgbClr val="080808"/>
+                </a:solidFill>
+                <a:effectLst/>
+                <a:latin typeface="JetBrains Mono"/>
+              </a:rPr>
+              <a:t>(</a:t>
+            </a:r>
+            <a:r>
+              <a:rPr kumimoji="0" lang="en-US" altLang="en-US" sz="1600" b="0" i="0" u="none" strike="noStrike" cap="none" normalizeH="0" baseline="0" dirty="0">
+                <a:ln>
+                  <a:noFill/>
+                </a:ln>
+                <a:solidFill>
+                  <a:srgbClr val="067D17"/>
+                </a:solidFill>
+                <a:effectLst/>
+                <a:latin typeface="JetBrains Mono"/>
+              </a:rPr>
+              <a:t>"SATOROTAS"</a:t>
+            </a:r>
+            <a:r>
+              <a:rPr kumimoji="0" lang="en-US" altLang="en-US" sz="1600" b="0" i="0" u="none" strike="noStrike" cap="none" normalizeH="0" baseline="0" dirty="0">
+                <a:ln>
+                  <a:noFill/>
+                </a:ln>
+                <a:solidFill>
+                  <a:srgbClr val="080808"/>
+                </a:solidFill>
+                <a:effectLst/>
+                <a:latin typeface="JetBrains Mono"/>
+              </a:rPr>
+              <a:t>, </a:t>
+            </a:r>
+            <a:r>
+              <a:rPr kumimoji="0" lang="en-US" altLang="en-US" sz="1600" b="0" i="0" u="none" strike="noStrike" cap="none" normalizeH="0" baseline="0" dirty="0">
+                <a:ln>
+                  <a:noFill/>
+                </a:ln>
+                <a:solidFill>
+                  <a:srgbClr val="067D17"/>
+                </a:solidFill>
+                <a:effectLst/>
+                <a:latin typeface="JetBrains Mono"/>
+              </a:rPr>
+              <a:t>'T'</a:t>
+            </a:r>
+            <a:r>
+              <a:rPr kumimoji="0" lang="en-US" altLang="en-US" sz="1600" b="0" i="0" u="none" strike="noStrike" cap="none" normalizeH="0" baseline="0" dirty="0">
+                <a:ln>
+                  <a:noFill/>
+                </a:ln>
+                <a:solidFill>
+                  <a:srgbClr val="080808"/>
+                </a:solidFill>
+                <a:effectLst/>
+                <a:latin typeface="JetBrains Mono"/>
+              </a:rPr>
+              <a:t>, </a:t>
+            </a:r>
+            <a:r>
+              <a:rPr kumimoji="0" lang="en-US" altLang="en-US" sz="1600" b="0" i="0" u="none" strike="noStrike" cap="none" normalizeH="0" baseline="0" dirty="0">
+                <a:ln>
+                  <a:noFill/>
+                </a:ln>
+                <a:solidFill>
+                  <a:srgbClr val="1750EB"/>
+                </a:solidFill>
+                <a:effectLst/>
+                <a:latin typeface="JetBrains Mono"/>
+              </a:rPr>
+              <a:t>3</a:t>
+            </a:r>
+            <a:r>
+              <a:rPr kumimoji="0" lang="en-US" altLang="en-US" sz="1600" b="0" i="0" u="none" strike="noStrike" cap="none" normalizeH="0" baseline="0" dirty="0">
+                <a:ln>
+                  <a:noFill/>
+                </a:ln>
+                <a:solidFill>
+                  <a:srgbClr val="080808"/>
+                </a:solidFill>
+                <a:effectLst/>
+                <a:latin typeface="JetBrains Mono"/>
+              </a:rPr>
+              <a:t>));</a:t>
+            </a:r>
+            <a:br>
+              <a:rPr kumimoji="0" lang="en-US" altLang="en-US" sz="1600" b="0" i="0" u="none" strike="noStrike" cap="none" normalizeH="0" baseline="0" dirty="0">
+                <a:ln>
+                  <a:noFill/>
+                </a:ln>
+                <a:solidFill>
+                  <a:srgbClr val="080808"/>
+                </a:solidFill>
+                <a:effectLst/>
+                <a:latin typeface="JetBrains Mono"/>
+              </a:rPr>
+            </a:br>
+            <a:r>
+              <a:rPr kumimoji="0" lang="en-US" altLang="en-US" sz="1600" b="0" i="0" u="none" strike="noStrike" cap="none" normalizeH="0" baseline="0" dirty="0">
+                <a:ln>
+                  <a:noFill/>
+                </a:ln>
+                <a:solidFill>
+                  <a:srgbClr val="080808"/>
+                </a:solidFill>
+                <a:effectLst/>
+                <a:latin typeface="JetBrains Mono"/>
+              </a:rPr>
+              <a:t>    </a:t>
+            </a:r>
+            <a:r>
+              <a:rPr kumimoji="0" lang="en-US" altLang="en-US" sz="1600" b="0" i="0" u="none" strike="noStrike" cap="none" normalizeH="0" baseline="0" dirty="0" err="1">
+                <a:ln>
+                  <a:noFill/>
+                </a:ln>
+                <a:solidFill>
+                  <a:srgbClr val="000000"/>
+                </a:solidFill>
+                <a:effectLst/>
+                <a:latin typeface="JetBrains Mono"/>
+              </a:rPr>
+              <a:t>System</a:t>
+            </a:r>
+            <a:r>
+              <a:rPr kumimoji="0" lang="en-US" altLang="en-US" sz="1600" b="0" i="0" u="none" strike="noStrike" cap="none" normalizeH="0" baseline="0" dirty="0" err="1">
+                <a:ln>
+                  <a:noFill/>
+                </a:ln>
+                <a:solidFill>
+                  <a:srgbClr val="080808"/>
+                </a:solidFill>
+                <a:effectLst/>
+                <a:latin typeface="JetBrains Mono"/>
+              </a:rPr>
+              <a:t>.</a:t>
+            </a:r>
+            <a:r>
+              <a:rPr kumimoji="0" lang="en-US" altLang="en-US" sz="1600" b="0" i="1" u="none" strike="noStrike" cap="none" normalizeH="0" baseline="0" dirty="0" err="1">
+                <a:ln>
+                  <a:noFill/>
+                </a:ln>
+                <a:solidFill>
+                  <a:srgbClr val="871094"/>
+                </a:solidFill>
+                <a:effectLst/>
+                <a:latin typeface="JetBrains Mono"/>
+              </a:rPr>
+              <a:t>out</a:t>
+            </a:r>
+            <a:r>
+              <a:rPr kumimoji="0" lang="en-US" altLang="en-US" sz="1600" b="0" i="0" u="none" strike="noStrike" cap="none" normalizeH="0" baseline="0" dirty="0" err="1">
+                <a:ln>
+                  <a:noFill/>
+                </a:ln>
+                <a:solidFill>
+                  <a:srgbClr val="080808"/>
+                </a:solidFill>
+                <a:effectLst/>
+                <a:latin typeface="JetBrains Mono"/>
+              </a:rPr>
+              <a:t>.printf</a:t>
+            </a:r>
+            <a:r>
+              <a:rPr kumimoji="0" lang="en-US" altLang="en-US" sz="1600" b="0" i="0" u="none" strike="noStrike" cap="none" normalizeH="0" baseline="0" dirty="0">
+                <a:ln>
+                  <a:noFill/>
+                </a:ln>
+                <a:solidFill>
+                  <a:srgbClr val="080808"/>
+                </a:solidFill>
+                <a:effectLst/>
+                <a:latin typeface="JetBrains Mono"/>
+              </a:rPr>
+              <a:t>(</a:t>
+            </a:r>
+            <a:r>
+              <a:rPr kumimoji="0" lang="en-US" altLang="en-US" sz="1600" b="0" i="0" u="none" strike="noStrike" cap="none" normalizeH="0" baseline="0" dirty="0">
+                <a:ln>
+                  <a:noFill/>
+                </a:ln>
+                <a:solidFill>
+                  <a:srgbClr val="067D17"/>
+                </a:solidFill>
+                <a:effectLst/>
+                <a:latin typeface="JetBrains Mono"/>
+              </a:rPr>
+              <a:t>"TEST: the index is: %d"</a:t>
+            </a:r>
+            <a:r>
+              <a:rPr kumimoji="0" lang="en-US" altLang="en-US" sz="1600" b="0" i="0" u="none" strike="noStrike" cap="none" normalizeH="0" baseline="0" dirty="0">
+                <a:ln>
+                  <a:noFill/>
+                </a:ln>
+                <a:solidFill>
+                  <a:srgbClr val="080808"/>
+                </a:solidFill>
+                <a:effectLst/>
+                <a:latin typeface="JetBrains Mono"/>
+              </a:rPr>
+              <a:t>, </a:t>
+            </a:r>
+            <a:r>
+              <a:rPr kumimoji="0" lang="en-US" altLang="en-US" sz="1600" b="0" i="1" u="none" strike="noStrike" cap="none" normalizeH="0" baseline="0" dirty="0" err="1">
+                <a:ln>
+                  <a:noFill/>
+                </a:ln>
+                <a:solidFill>
+                  <a:srgbClr val="080808"/>
+                </a:solidFill>
+                <a:effectLst/>
+                <a:latin typeface="JetBrains Mono"/>
+              </a:rPr>
+              <a:t>findIndex</a:t>
+            </a:r>
+            <a:r>
+              <a:rPr kumimoji="0" lang="en-US" altLang="en-US" sz="1600" b="0" i="0" u="none" strike="noStrike" cap="none" normalizeH="0" baseline="0" dirty="0">
+                <a:ln>
+                  <a:noFill/>
+                </a:ln>
+                <a:solidFill>
+                  <a:srgbClr val="080808"/>
+                </a:solidFill>
+                <a:effectLst/>
+                <a:latin typeface="JetBrains Mono"/>
+              </a:rPr>
+              <a:t>(</a:t>
+            </a:r>
+            <a:r>
+              <a:rPr kumimoji="0" lang="en-US" altLang="en-US" sz="1600" b="0" i="0" u="none" strike="noStrike" cap="none" normalizeH="0" baseline="0" dirty="0">
+                <a:ln>
+                  <a:noFill/>
+                </a:ln>
+                <a:solidFill>
+                  <a:srgbClr val="067D17"/>
+                </a:solidFill>
+                <a:effectLst/>
+                <a:latin typeface="JetBrains Mono"/>
+              </a:rPr>
+              <a:t>"SATOROTAS"</a:t>
+            </a:r>
+            <a:r>
+              <a:rPr kumimoji="0" lang="en-US" altLang="en-US" sz="1600" b="0" i="0" u="none" strike="noStrike" cap="none" normalizeH="0" baseline="0" dirty="0">
+                <a:ln>
+                  <a:noFill/>
+                </a:ln>
+                <a:solidFill>
+                  <a:srgbClr val="080808"/>
+                </a:solidFill>
+                <a:effectLst/>
+                <a:latin typeface="JetBrains Mono"/>
+              </a:rPr>
+              <a:t>, </a:t>
+            </a:r>
+            <a:r>
+              <a:rPr kumimoji="0" lang="en-US" altLang="en-US" sz="1600" b="0" i="0" u="none" strike="noStrike" cap="none" normalizeH="0" baseline="0" dirty="0">
+                <a:ln>
+                  <a:noFill/>
+                </a:ln>
+                <a:solidFill>
+                  <a:srgbClr val="067D17"/>
+                </a:solidFill>
+                <a:effectLst/>
+                <a:latin typeface="JetBrains Mono"/>
+              </a:rPr>
+              <a:t>'Z'</a:t>
+            </a:r>
+            <a:r>
+              <a:rPr kumimoji="0" lang="en-US" altLang="en-US" sz="1600" b="0" i="0" u="none" strike="noStrike" cap="none" normalizeH="0" baseline="0" dirty="0">
+                <a:ln>
+                  <a:noFill/>
+                </a:ln>
+                <a:solidFill>
+                  <a:srgbClr val="080808"/>
+                </a:solidFill>
+                <a:effectLst/>
+                <a:latin typeface="JetBrains Mono"/>
+              </a:rPr>
+              <a:t>, </a:t>
+            </a:r>
+            <a:r>
+              <a:rPr kumimoji="0" lang="en-US" altLang="en-US" sz="1600" b="0" i="0" u="none" strike="noStrike" cap="none" normalizeH="0" baseline="0" dirty="0">
+                <a:ln>
+                  <a:noFill/>
+                </a:ln>
+                <a:solidFill>
+                  <a:srgbClr val="1750EB"/>
+                </a:solidFill>
+                <a:effectLst/>
+                <a:latin typeface="JetBrains Mono"/>
+              </a:rPr>
+              <a:t>4</a:t>
+            </a:r>
+            <a:r>
+              <a:rPr kumimoji="0" lang="en-US" altLang="en-US" sz="1600" b="0" i="0" u="none" strike="noStrike" cap="none" normalizeH="0" baseline="0" dirty="0">
+                <a:ln>
+                  <a:noFill/>
+                </a:ln>
+                <a:solidFill>
+                  <a:srgbClr val="080808"/>
+                </a:solidFill>
+                <a:effectLst/>
+                <a:latin typeface="JetBrains Mono"/>
+              </a:rPr>
+              <a:t>));</a:t>
+            </a:r>
+            <a:br>
+              <a:rPr kumimoji="0" lang="en-US" altLang="en-US" sz="1600" b="0" i="0" u="none" strike="noStrike" cap="none" normalizeH="0" baseline="0" dirty="0">
+                <a:ln>
+                  <a:noFill/>
+                </a:ln>
+                <a:solidFill>
+                  <a:srgbClr val="080808"/>
+                </a:solidFill>
+                <a:effectLst/>
+                <a:latin typeface="JetBrains Mono"/>
+              </a:rPr>
+            </a:br>
+            <a:r>
+              <a:rPr kumimoji="0" lang="en-US" altLang="en-US" sz="1600" b="0" i="0" u="none" strike="noStrike" cap="none" normalizeH="0" baseline="0" dirty="0">
+                <a:ln>
+                  <a:noFill/>
+                </a:ln>
+                <a:solidFill>
+                  <a:srgbClr val="080808"/>
+                </a:solidFill>
+                <a:effectLst/>
+                <a:latin typeface="JetBrains Mono"/>
+              </a:rPr>
+              <a:t>}  </a:t>
+            </a:r>
+            <a:endParaRPr kumimoji="0" lang="en-US" altLang="en-US" sz="1600" b="0" i="0" u="none" strike="noStrike" cap="none" normalizeH="0" baseline="0" dirty="0">
+              <a:ln>
+                <a:noFill/>
+              </a:ln>
+              <a:solidFill>
+                <a:schemeClr val="tx1"/>
+              </a:solidFill>
+              <a:effectLst/>
+              <a:latin typeface="Arial" panose="020B0604020202020204" pitchFamily="34" charset="0"/>
+            </a:endParaRPr>
+          </a:p>
+        </p:txBody>
+      </p:sp>
+    </p:spTree>
+    <p:extLst>
+      <p:ext uri="{BB962C8B-B14F-4D97-AF65-F5344CB8AC3E}">
+        <p14:creationId xmlns:p14="http://schemas.microsoft.com/office/powerpoint/2010/main" val="1248528315"/>
+      </p:ext>
+    </p:extLst>
+  </p:cSld>
+  <p:clrMapOvr>
+    <a:masterClrMapping/>
+  </p:clrMapOvr>
+  <mc:AlternateContent xmlns:mc="http://schemas.openxmlformats.org/markup-compatibility/2006" xmlns:p14="http://schemas.microsoft.com/office/powerpoint/2010/main">
+    <mc:Choice Requires="p14">
+      <p:transition p14:dur="300">
+        <p:fade/>
+      </p:transition>
+    </mc:Choice>
+    <mc:Fallback xmlns="">
+      <p:transition>
+        <p:fade/>
+      </p:transition>
+    </mc:Fallback>
+  </mc:AlternateContent>
+</p:sld>
+</file>
+
+<file path=ppt/slides/slide8.xml><?xml version="1.0" encoding="utf-8"?>
 <p:sld xmlns:a="http://schemas.openxmlformats.org/drawingml/2006/main" xmlns:r="http://schemas.openxmlformats.org/officeDocument/2006/relationships" xmlns:p="http://schemas.openxmlformats.org/presentationml/2006/main">
   <p:cSld>
     <p:spTree>
@@ -17503,7 +22794,7 @@
 </p:sld>
 </file>
 
-<file path=ppt/slides/slide7.xml><?xml version="1.0" encoding="utf-8"?>
+<file path=ppt/slides/slide9.xml><?xml version="1.0" encoding="utf-8"?>
 <p:sld xmlns:a="http://schemas.openxmlformats.org/drawingml/2006/main" xmlns:r="http://schemas.openxmlformats.org/officeDocument/2006/relationships" xmlns:p="http://schemas.openxmlformats.org/presentationml/2006/main">
   <p:cSld>
     <p:spTree>
@@ -17525,7 +22816,7 @@
           <p:cNvPr id="2" name="Title 1">
             <a:extLst>
               <a:ext uri="{FF2B5EF4-FFF2-40B4-BE49-F238E27FC236}">
-                <a16:creationId xmlns:a16="http://schemas.microsoft.com/office/drawing/2014/main" id="{A7708709-87F6-124D-9FAD-13A1F5247BD2}"/>
+                <a16:creationId xmlns:a16="http://schemas.microsoft.com/office/drawing/2014/main" id="{07501FDE-9EED-4C70-A5AE-117BCCA6FB4A}"/>
               </a:ext>
             </a:extLst>
           </p:cNvPr>
@@ -17543,7 +22834,15 @@
           <a:p>
             <a:r>
               <a:rPr lang="en-US" dirty="0"/>
-              <a:t>Substring</a:t>
+              <a:t>Using </a:t>
+            </a:r>
+            <a:r>
+              <a:rPr lang="en-US" dirty="0" err="1"/>
+              <a:t>IndexOf</a:t>
+            </a:r>
+            <a:r>
+              <a:rPr lang="en-US" dirty="0"/>
+              <a:t> – Exploiting Patterns</a:t>
             </a:r>
           </a:p>
         </p:txBody>
@@ -17553,1977 +22852,7 @@
           <p:cNvPr id="3" name="Text Placeholder 2">
             <a:extLst>
               <a:ext uri="{FF2B5EF4-FFF2-40B4-BE49-F238E27FC236}">
-                <a16:creationId xmlns:a16="http://schemas.microsoft.com/office/drawing/2014/main" id="{AC2EB553-F0CB-C244-BBD1-FA2EA841BEFA}"/>
-              </a:ext>
-            </a:extLst>
-          </p:cNvPr>
-          <p:cNvSpPr>
-            <a:spLocks noGrp="1"/>
-          </p:cNvSpPr>
-          <p:nvPr>
-            <p:ph type="body" sz="quarter" idx="10"/>
-          </p:nvPr>
-        </p:nvSpPr>
-        <p:spPr>
-          <a:xfrm>
-            <a:off x="4125461" y="1269339"/>
-            <a:ext cx="7655831" cy="5264262"/>
-          </a:xfrm>
-        </p:spPr>
-        <p:txBody>
-          <a:bodyPr/>
-          <a:lstStyle/>
-          <a:p>
-            <a:r>
-              <a:rPr lang="en-US" sz="2000" dirty="0"/>
-              <a:t>Returns a portion of the string</a:t>
-            </a:r>
-          </a:p>
-          <a:p>
-            <a:r>
-              <a:rPr lang="en-US" sz="2000" dirty="0"/>
-              <a:t>substring(start, end)</a:t>
-            </a:r>
-          </a:p>
-          <a:p>
-            <a:pPr lvl="1"/>
-            <a:r>
-              <a:rPr lang="en-US" sz="1800" dirty="0"/>
-              <a:t>includes start</a:t>
-            </a:r>
-          </a:p>
-          <a:p>
-            <a:pPr lvl="1"/>
-            <a:r>
-              <a:rPr lang="en-US" sz="1800" dirty="0"/>
-              <a:t>excludes end!  (end is optional, defaults to .length())</a:t>
-            </a:r>
-          </a:p>
-          <a:p>
-            <a:pPr marL="0" indent="0">
-              <a:buNone/>
-            </a:pPr>
-            <a:endParaRPr lang="en-US" dirty="0"/>
-          </a:p>
-          <a:p>
-            <a:pPr marL="0" indent="0">
-              <a:buNone/>
-            </a:pPr>
-            <a:r>
-              <a:rPr lang="en-US" dirty="0">
-                <a:latin typeface="Consolas" panose="020B0609020204030204" pitchFamily="49" charset="0"/>
-                <a:cs typeface="Consolas" panose="020B0609020204030204" pitchFamily="49" charset="0"/>
-              </a:rPr>
-              <a:t>String palindrome = “</a:t>
-            </a:r>
-            <a:r>
-              <a:rPr lang="en-US" dirty="0" err="1">
-                <a:latin typeface="Consolas" panose="020B0609020204030204" pitchFamily="49" charset="0"/>
-                <a:cs typeface="Consolas" panose="020B0609020204030204" pitchFamily="49" charset="0"/>
-              </a:rPr>
-              <a:t>kinnikinnik</a:t>
-            </a:r>
-            <a:r>
-              <a:rPr lang="en-US" dirty="0">
-                <a:latin typeface="Consolas" panose="020B0609020204030204" pitchFamily="49" charset="0"/>
-                <a:cs typeface="Consolas" panose="020B0609020204030204" pitchFamily="49" charset="0"/>
-              </a:rPr>
-              <a:t>”;</a:t>
-            </a:r>
-          </a:p>
-          <a:p>
-            <a:pPr marL="0" indent="0">
-              <a:buNone/>
-            </a:pPr>
-            <a:r>
-              <a:rPr lang="en-US" dirty="0">
-                <a:latin typeface="Consolas" panose="020B0609020204030204" pitchFamily="49" charset="0"/>
-                <a:cs typeface="Consolas" panose="020B0609020204030204" pitchFamily="49" charset="0"/>
-              </a:rPr>
-              <a:t>String sub = </a:t>
-            </a:r>
-            <a:r>
-              <a:rPr lang="en-US" dirty="0" err="1">
-                <a:latin typeface="Consolas" panose="020B0609020204030204" pitchFamily="49" charset="0"/>
-                <a:cs typeface="Consolas" panose="020B0609020204030204" pitchFamily="49" charset="0"/>
-              </a:rPr>
-              <a:t>palindrome.substring</a:t>
-            </a:r>
-            <a:r>
-              <a:rPr lang="en-US" dirty="0">
-                <a:latin typeface="Consolas" panose="020B0609020204030204" pitchFamily="49" charset="0"/>
-                <a:cs typeface="Consolas" panose="020B0609020204030204" pitchFamily="49" charset="0"/>
-              </a:rPr>
-              <a:t>(0, 6); // sub is “</a:t>
-            </a:r>
-            <a:r>
-              <a:rPr lang="en-US" dirty="0" err="1">
-                <a:latin typeface="Consolas" panose="020B0609020204030204" pitchFamily="49" charset="0"/>
-                <a:cs typeface="Consolas" panose="020B0609020204030204" pitchFamily="49" charset="0"/>
-              </a:rPr>
-              <a:t>kinnik</a:t>
-            </a:r>
-            <a:r>
-              <a:rPr lang="en-US" dirty="0">
-                <a:latin typeface="Consolas" panose="020B0609020204030204" pitchFamily="49" charset="0"/>
-                <a:cs typeface="Consolas" panose="020B0609020204030204" pitchFamily="49" charset="0"/>
-              </a:rPr>
-              <a:t>”</a:t>
-            </a:r>
-          </a:p>
-          <a:p>
-            <a:pPr marL="0" indent="0">
-              <a:buNone/>
-            </a:pPr>
-            <a:endParaRPr lang="en-US" dirty="0"/>
-          </a:p>
-          <a:p>
-            <a:pPr marL="0" indent="0">
-              <a:buNone/>
-            </a:pPr>
-            <a:r>
-              <a:rPr lang="en-US" dirty="0"/>
-              <a:t>int start = </a:t>
-            </a:r>
-            <a:r>
-              <a:rPr lang="en-US" dirty="0" err="1"/>
-              <a:t>palindrome.indexOf</a:t>
-            </a:r>
-            <a:r>
-              <a:rPr lang="en-US" dirty="0"/>
-              <a:t>(“k”);</a:t>
-            </a:r>
-          </a:p>
-          <a:p>
-            <a:pPr marL="0" indent="0">
-              <a:buNone/>
-            </a:pPr>
-            <a:r>
-              <a:rPr lang="en-US" dirty="0"/>
-              <a:t>int end = </a:t>
-            </a:r>
-            <a:r>
-              <a:rPr lang="en-US" dirty="0" err="1"/>
-              <a:t>palindrome.indexOf</a:t>
-            </a:r>
-            <a:r>
-              <a:rPr lang="en-US" dirty="0"/>
-              <a:t>(“k”, start+1) + 1; </a:t>
-            </a:r>
-          </a:p>
-          <a:p>
-            <a:pPr marL="0" indent="0">
-              <a:buNone/>
-            </a:pPr>
-            <a:r>
-              <a:rPr lang="en-US" dirty="0"/>
-              <a:t>String sub = </a:t>
-            </a:r>
-            <a:r>
-              <a:rPr lang="en-US" dirty="0" err="1"/>
-              <a:t>palindrome.substring</a:t>
-            </a:r>
-            <a:r>
-              <a:rPr lang="en-US" dirty="0"/>
-              <a:t>(start, end);</a:t>
-            </a:r>
-          </a:p>
-        </p:txBody>
-      </p:sp>
-      <p:grpSp>
-        <p:nvGrpSpPr>
-          <p:cNvPr id="4" name="Group 3">
-            <a:extLst>
-              <a:ext uri="{FF2B5EF4-FFF2-40B4-BE49-F238E27FC236}">
-                <a16:creationId xmlns:a16="http://schemas.microsoft.com/office/drawing/2014/main" id="{D985D3A1-7E2B-5E4C-9051-BAC0BCA72826}"/>
-              </a:ext>
-            </a:extLst>
-          </p:cNvPr>
-          <p:cNvGrpSpPr/>
-          <p:nvPr/>
-        </p:nvGrpSpPr>
-        <p:grpSpPr>
-          <a:xfrm>
-            <a:off x="2035406" y="1463722"/>
-            <a:ext cx="639599" cy="5261542"/>
-            <a:chOff x="1136771" y="1929083"/>
-            <a:chExt cx="639599" cy="5261542"/>
-          </a:xfrm>
-        </p:grpSpPr>
-        <p:grpSp>
-          <p:nvGrpSpPr>
-            <p:cNvPr id="5" name="Group 4">
-              <a:extLst>
-                <a:ext uri="{FF2B5EF4-FFF2-40B4-BE49-F238E27FC236}">
-                  <a16:creationId xmlns:a16="http://schemas.microsoft.com/office/drawing/2014/main" id="{0C6D8A38-6FC0-954B-BCB0-D3E79D7E2731}"/>
-                </a:ext>
-              </a:extLst>
-            </p:cNvPr>
-            <p:cNvGrpSpPr/>
-            <p:nvPr/>
-          </p:nvGrpSpPr>
-          <p:grpSpPr>
-            <a:xfrm>
-              <a:off x="1136771" y="4798162"/>
-              <a:ext cx="639599" cy="2392463"/>
-              <a:chOff x="626920" y="3527053"/>
-              <a:chExt cx="819707" cy="3066171"/>
-            </a:xfrm>
-          </p:grpSpPr>
-          <p:sp>
-            <p:nvSpPr>
-              <p:cNvPr id="13" name="Rectangle 12">
-                <a:extLst>
-                  <a:ext uri="{FF2B5EF4-FFF2-40B4-BE49-F238E27FC236}">
-                    <a16:creationId xmlns:a16="http://schemas.microsoft.com/office/drawing/2014/main" id="{F603C322-C61B-AC45-8C2A-F37E66166331}"/>
-                  </a:ext>
-                </a:extLst>
-              </p:cNvPr>
-              <p:cNvSpPr/>
-              <p:nvPr/>
-            </p:nvSpPr>
-            <p:spPr>
-              <a:xfrm>
-                <a:off x="628076" y="5983624"/>
-                <a:ext cx="817600" cy="609600"/>
-              </a:xfrm>
-              <a:prstGeom prst="rect">
-                <a:avLst/>
-              </a:prstGeom>
-              <a:noFill/>
-              <a:ln>
-                <a:solidFill>
-                  <a:srgbClr val="092529"/>
-                </a:solidFill>
-              </a:ln>
-              <a:effectLst/>
-            </p:spPr>
-            <p:style>
-              <a:lnRef idx="1">
-                <a:schemeClr val="accent1"/>
-              </a:lnRef>
-              <a:fillRef idx="3">
-                <a:schemeClr val="accent1"/>
-              </a:fillRef>
-              <a:effectRef idx="2">
-                <a:schemeClr val="accent1"/>
-              </a:effectRef>
-              <a:fontRef idx="minor">
-                <a:schemeClr val="lt1"/>
-              </a:fontRef>
-            </p:style>
-            <p:txBody>
-              <a:bodyPr lIns="274320" tIns="182880" rIns="274320" bIns="182880" rtlCol="0" anchor="ctr"/>
-              <a:lstStyle/>
-              <a:p>
-                <a:pPr algn="ctr"/>
-                <a:r>
-                  <a:rPr lang="en-US" dirty="0">
-                    <a:solidFill>
-                      <a:schemeClr val="tx1"/>
-                    </a:solidFill>
-                    <a:latin typeface="Proxima Nova" charset="0"/>
-                    <a:ea typeface="Proxima Nova" charset="0"/>
-                    <a:cs typeface="Proxima Nova" charset="0"/>
-                  </a:rPr>
-                  <a:t>k</a:t>
-                </a:r>
-              </a:p>
-            </p:txBody>
-          </p:sp>
-          <p:sp>
-            <p:nvSpPr>
-              <p:cNvPr id="14" name="Rectangle 13">
-                <a:extLst>
-                  <a:ext uri="{FF2B5EF4-FFF2-40B4-BE49-F238E27FC236}">
-                    <a16:creationId xmlns:a16="http://schemas.microsoft.com/office/drawing/2014/main" id="{46069DD0-53A1-A343-AD81-175D8D81EB8A}"/>
-                  </a:ext>
-                </a:extLst>
-              </p:cNvPr>
-              <p:cNvSpPr/>
-              <p:nvPr/>
-            </p:nvSpPr>
-            <p:spPr>
-              <a:xfrm>
-                <a:off x="628070" y="3527053"/>
-                <a:ext cx="818557" cy="609600"/>
-              </a:xfrm>
-              <a:prstGeom prst="rect">
-                <a:avLst/>
-              </a:prstGeom>
-              <a:noFill/>
-              <a:ln>
-                <a:solidFill>
-                  <a:srgbClr val="092529"/>
-                </a:solidFill>
-              </a:ln>
-              <a:effectLst/>
-            </p:spPr>
-            <p:style>
-              <a:lnRef idx="1">
-                <a:schemeClr val="accent1"/>
-              </a:lnRef>
-              <a:fillRef idx="3">
-                <a:schemeClr val="accent1"/>
-              </a:fillRef>
-              <a:effectRef idx="2">
-                <a:schemeClr val="accent1"/>
-              </a:effectRef>
-              <a:fontRef idx="minor">
-                <a:schemeClr val="lt1"/>
-              </a:fontRef>
-            </p:style>
-            <p:txBody>
-              <a:bodyPr lIns="274320" tIns="182880" rIns="274320" bIns="182880" rtlCol="0" anchor="ctr"/>
-              <a:lstStyle/>
-              <a:p>
-                <a:pPr algn="ctr"/>
-                <a:r>
-                  <a:rPr lang="en-US" dirty="0" err="1">
-                    <a:solidFill>
-                      <a:schemeClr val="tx1"/>
-                    </a:solidFill>
-                    <a:latin typeface="Proxima Nova" charset="0"/>
-                    <a:ea typeface="Proxima Nova" charset="0"/>
-                    <a:cs typeface="Proxima Nova" charset="0"/>
-                  </a:rPr>
-                  <a:t>i</a:t>
-                </a:r>
-                <a:endParaRPr lang="en-US" dirty="0">
-                  <a:solidFill>
-                    <a:schemeClr val="tx1"/>
-                  </a:solidFill>
-                  <a:latin typeface="Proxima Nova" charset="0"/>
-                  <a:ea typeface="Proxima Nova" charset="0"/>
-                  <a:cs typeface="Proxima Nova" charset="0"/>
-                </a:endParaRPr>
-              </a:p>
-            </p:txBody>
-          </p:sp>
-          <p:sp>
-            <p:nvSpPr>
-              <p:cNvPr id="15" name="Rectangle 14">
-                <a:extLst>
-                  <a:ext uri="{FF2B5EF4-FFF2-40B4-BE49-F238E27FC236}">
-                    <a16:creationId xmlns:a16="http://schemas.microsoft.com/office/drawing/2014/main" id="{287E81F8-A6D8-5D48-97E8-04BB5526F726}"/>
-                  </a:ext>
-                </a:extLst>
-              </p:cNvPr>
-              <p:cNvSpPr/>
-              <p:nvPr/>
-            </p:nvSpPr>
-            <p:spPr>
-              <a:xfrm>
-                <a:off x="626920" y="4138189"/>
-                <a:ext cx="818557" cy="609600"/>
-              </a:xfrm>
-              <a:prstGeom prst="rect">
-                <a:avLst/>
-              </a:prstGeom>
-              <a:noFill/>
-              <a:ln>
-                <a:solidFill>
-                  <a:srgbClr val="092529"/>
-                </a:solidFill>
-              </a:ln>
-              <a:effectLst/>
-            </p:spPr>
-            <p:style>
-              <a:lnRef idx="1">
-                <a:schemeClr val="accent1"/>
-              </a:lnRef>
-              <a:fillRef idx="3">
-                <a:schemeClr val="accent1"/>
-              </a:fillRef>
-              <a:effectRef idx="2">
-                <a:schemeClr val="accent1"/>
-              </a:effectRef>
-              <a:fontRef idx="minor">
-                <a:schemeClr val="lt1"/>
-              </a:fontRef>
-            </p:style>
-            <p:txBody>
-              <a:bodyPr lIns="274320" tIns="182880" rIns="274320" bIns="182880" rtlCol="0" anchor="ctr"/>
-              <a:lstStyle/>
-              <a:p>
-                <a:pPr algn="ctr"/>
-                <a:r>
-                  <a:rPr lang="en-US" dirty="0">
-                    <a:solidFill>
-                      <a:schemeClr val="tx1"/>
-                    </a:solidFill>
-                    <a:latin typeface="Proxima Nova" charset="0"/>
-                    <a:ea typeface="Proxima Nova" charset="0"/>
-                    <a:cs typeface="Proxima Nova" charset="0"/>
-                  </a:rPr>
-                  <a:t>n</a:t>
-                </a:r>
-              </a:p>
-            </p:txBody>
-          </p:sp>
-          <p:sp>
-            <p:nvSpPr>
-              <p:cNvPr id="16" name="Rectangle 15">
-                <a:extLst>
-                  <a:ext uri="{FF2B5EF4-FFF2-40B4-BE49-F238E27FC236}">
-                    <a16:creationId xmlns:a16="http://schemas.microsoft.com/office/drawing/2014/main" id="{79460A98-15C4-C744-93E3-0322C3939069}"/>
-                  </a:ext>
-                </a:extLst>
-              </p:cNvPr>
-              <p:cNvSpPr/>
-              <p:nvPr/>
-            </p:nvSpPr>
-            <p:spPr>
-              <a:xfrm>
-                <a:off x="626920" y="4747482"/>
-                <a:ext cx="818557" cy="609600"/>
-              </a:xfrm>
-              <a:prstGeom prst="rect">
-                <a:avLst/>
-              </a:prstGeom>
-              <a:noFill/>
-              <a:ln>
-                <a:solidFill>
-                  <a:srgbClr val="092529"/>
-                </a:solidFill>
-              </a:ln>
-              <a:effectLst/>
-            </p:spPr>
-            <p:style>
-              <a:lnRef idx="1">
-                <a:schemeClr val="accent1"/>
-              </a:lnRef>
-              <a:fillRef idx="3">
-                <a:schemeClr val="accent1"/>
-              </a:fillRef>
-              <a:effectRef idx="2">
-                <a:schemeClr val="accent1"/>
-              </a:effectRef>
-              <a:fontRef idx="minor">
-                <a:schemeClr val="lt1"/>
-              </a:fontRef>
-            </p:style>
-            <p:txBody>
-              <a:bodyPr lIns="274320" tIns="182880" rIns="274320" bIns="182880" rtlCol="0" anchor="ctr"/>
-              <a:lstStyle/>
-              <a:p>
-                <a:pPr algn="ctr"/>
-                <a:r>
-                  <a:rPr lang="en-US" dirty="0">
-                    <a:solidFill>
-                      <a:schemeClr val="tx1"/>
-                    </a:solidFill>
-                    <a:latin typeface="Proxima Nova" charset="0"/>
-                    <a:ea typeface="Proxima Nova" charset="0"/>
-                    <a:cs typeface="Proxima Nova" charset="0"/>
-                  </a:rPr>
-                  <a:t>n</a:t>
-                </a:r>
-              </a:p>
-            </p:txBody>
-          </p:sp>
-          <p:sp>
-            <p:nvSpPr>
-              <p:cNvPr id="17" name="Rectangle 16">
-                <a:extLst>
-                  <a:ext uri="{FF2B5EF4-FFF2-40B4-BE49-F238E27FC236}">
-                    <a16:creationId xmlns:a16="http://schemas.microsoft.com/office/drawing/2014/main" id="{40B11676-AB5F-DD4E-8A69-6A7526086A5F}"/>
-                  </a:ext>
-                </a:extLst>
-              </p:cNvPr>
-              <p:cNvSpPr/>
-              <p:nvPr/>
-            </p:nvSpPr>
-            <p:spPr>
-              <a:xfrm>
-                <a:off x="627879" y="5362240"/>
-                <a:ext cx="817600" cy="621384"/>
-              </a:xfrm>
-              <a:prstGeom prst="rect">
-                <a:avLst/>
-              </a:prstGeom>
-              <a:noFill/>
-              <a:ln>
-                <a:solidFill>
-                  <a:srgbClr val="092529"/>
-                </a:solidFill>
-              </a:ln>
-              <a:effectLst/>
-            </p:spPr>
-            <p:style>
-              <a:lnRef idx="1">
-                <a:schemeClr val="accent1"/>
-              </a:lnRef>
-              <a:fillRef idx="3">
-                <a:schemeClr val="accent1"/>
-              </a:fillRef>
-              <a:effectRef idx="2">
-                <a:schemeClr val="accent1"/>
-              </a:effectRef>
-              <a:fontRef idx="minor">
-                <a:schemeClr val="lt1"/>
-              </a:fontRef>
-            </p:style>
-            <p:txBody>
-              <a:bodyPr lIns="274320" tIns="182880" rIns="274320" bIns="182880" rtlCol="0" anchor="ctr"/>
-              <a:lstStyle/>
-              <a:p>
-                <a:pPr algn="ctr"/>
-                <a:r>
-                  <a:rPr lang="en-US" dirty="0" err="1">
-                    <a:solidFill>
-                      <a:schemeClr val="tx1"/>
-                    </a:solidFill>
-                    <a:latin typeface="Proxima Nova" charset="0"/>
-                    <a:ea typeface="Proxima Nova" charset="0"/>
-                    <a:cs typeface="Proxima Nova" charset="0"/>
-                  </a:rPr>
-                  <a:t>i</a:t>
-                </a:r>
-                <a:endParaRPr lang="en-US" dirty="0">
-                  <a:solidFill>
-                    <a:schemeClr val="tx1"/>
-                  </a:solidFill>
-                  <a:latin typeface="Proxima Nova" charset="0"/>
-                  <a:ea typeface="Proxima Nova" charset="0"/>
-                  <a:cs typeface="Proxima Nova" charset="0"/>
-                </a:endParaRPr>
-              </a:p>
-            </p:txBody>
-          </p:sp>
-        </p:grpSp>
-        <p:grpSp>
-          <p:nvGrpSpPr>
-            <p:cNvPr id="6" name="Group 5">
-              <a:extLst>
-                <a:ext uri="{FF2B5EF4-FFF2-40B4-BE49-F238E27FC236}">
-                  <a16:creationId xmlns:a16="http://schemas.microsoft.com/office/drawing/2014/main" id="{279E6B74-B7C4-2243-83F2-FB01CE0954AD}"/>
-                </a:ext>
-              </a:extLst>
-            </p:cNvPr>
-            <p:cNvGrpSpPr/>
-            <p:nvPr/>
-          </p:nvGrpSpPr>
-          <p:grpSpPr>
-            <a:xfrm>
-              <a:off x="1136771" y="1929083"/>
-              <a:ext cx="639599" cy="2874145"/>
-              <a:chOff x="626920" y="3527053"/>
-              <a:chExt cx="819707" cy="3683493"/>
-            </a:xfrm>
-          </p:grpSpPr>
-          <p:sp>
-            <p:nvSpPr>
-              <p:cNvPr id="7" name="Rectangle 6">
-                <a:extLst>
-                  <a:ext uri="{FF2B5EF4-FFF2-40B4-BE49-F238E27FC236}">
-                    <a16:creationId xmlns:a16="http://schemas.microsoft.com/office/drawing/2014/main" id="{C870B0E3-ED8E-AC46-8AD0-2D219CA855A1}"/>
-                  </a:ext>
-                </a:extLst>
-              </p:cNvPr>
-              <p:cNvSpPr/>
-              <p:nvPr/>
-            </p:nvSpPr>
-            <p:spPr>
-              <a:xfrm>
-                <a:off x="628076" y="5983624"/>
-                <a:ext cx="817600" cy="609600"/>
-              </a:xfrm>
-              <a:prstGeom prst="rect">
-                <a:avLst/>
-              </a:prstGeom>
-              <a:noFill/>
-              <a:ln>
-                <a:solidFill>
-                  <a:srgbClr val="092529"/>
-                </a:solidFill>
-              </a:ln>
-              <a:effectLst/>
-            </p:spPr>
-            <p:style>
-              <a:lnRef idx="1">
-                <a:schemeClr val="accent1"/>
-              </a:lnRef>
-              <a:fillRef idx="3">
-                <a:schemeClr val="accent1"/>
-              </a:fillRef>
-              <a:effectRef idx="2">
-                <a:schemeClr val="accent1"/>
-              </a:effectRef>
-              <a:fontRef idx="minor">
-                <a:schemeClr val="lt1"/>
-              </a:fontRef>
-            </p:style>
-            <p:txBody>
-              <a:bodyPr lIns="274320" tIns="182880" rIns="274320" bIns="182880" rtlCol="0" anchor="ctr"/>
-              <a:lstStyle/>
-              <a:p>
-                <a:pPr algn="ctr"/>
-                <a:r>
-                  <a:rPr lang="en-US" dirty="0" err="1">
-                    <a:solidFill>
-                      <a:schemeClr val="tx1"/>
-                    </a:solidFill>
-                    <a:latin typeface="Proxima Nova" charset="0"/>
-                    <a:ea typeface="Proxima Nova" charset="0"/>
-                    <a:cs typeface="Proxima Nova" charset="0"/>
-                  </a:rPr>
-                  <a:t>i</a:t>
-                </a:r>
-                <a:endParaRPr lang="en-US" dirty="0">
-                  <a:solidFill>
-                    <a:schemeClr val="tx1"/>
-                  </a:solidFill>
-                  <a:latin typeface="Proxima Nova" charset="0"/>
-                  <a:ea typeface="Proxima Nova" charset="0"/>
-                  <a:cs typeface="Proxima Nova" charset="0"/>
-                </a:endParaRPr>
-              </a:p>
-            </p:txBody>
-          </p:sp>
-          <p:sp>
-            <p:nvSpPr>
-              <p:cNvPr id="8" name="Rectangle 7">
-                <a:extLst>
-                  <a:ext uri="{FF2B5EF4-FFF2-40B4-BE49-F238E27FC236}">
-                    <a16:creationId xmlns:a16="http://schemas.microsoft.com/office/drawing/2014/main" id="{6EB6D0A4-5BCA-2E43-BE3D-AF4374FEF39F}"/>
-                  </a:ext>
-                </a:extLst>
-              </p:cNvPr>
-              <p:cNvSpPr/>
-              <p:nvPr/>
-            </p:nvSpPr>
-            <p:spPr>
-              <a:xfrm>
-                <a:off x="628076" y="6600946"/>
-                <a:ext cx="817600" cy="609600"/>
-              </a:xfrm>
-              <a:prstGeom prst="rect">
-                <a:avLst/>
-              </a:prstGeom>
-              <a:noFill/>
-              <a:ln>
-                <a:solidFill>
-                  <a:srgbClr val="092529"/>
-                </a:solidFill>
-              </a:ln>
-              <a:effectLst/>
-            </p:spPr>
-            <p:style>
-              <a:lnRef idx="1">
-                <a:schemeClr val="accent1"/>
-              </a:lnRef>
-              <a:fillRef idx="3">
-                <a:schemeClr val="accent1"/>
-              </a:fillRef>
-              <a:effectRef idx="2">
-                <a:schemeClr val="accent1"/>
-              </a:effectRef>
-              <a:fontRef idx="minor">
-                <a:schemeClr val="lt1"/>
-              </a:fontRef>
-            </p:style>
-            <p:txBody>
-              <a:bodyPr lIns="274320" tIns="182880" rIns="274320" bIns="182880" rtlCol="0" anchor="ctr"/>
-              <a:lstStyle/>
-              <a:p>
-                <a:pPr algn="ctr"/>
-                <a:r>
-                  <a:rPr lang="en-US" dirty="0">
-                    <a:solidFill>
-                      <a:schemeClr val="tx1"/>
-                    </a:solidFill>
-                    <a:latin typeface="Proxima Nova" charset="0"/>
-                    <a:ea typeface="Proxima Nova" charset="0"/>
-                    <a:cs typeface="Proxima Nova" charset="0"/>
-                  </a:rPr>
-                  <a:t>k</a:t>
-                </a:r>
-              </a:p>
-            </p:txBody>
-          </p:sp>
-          <p:sp>
-            <p:nvSpPr>
-              <p:cNvPr id="9" name="Rectangle 8">
-                <a:extLst>
-                  <a:ext uri="{FF2B5EF4-FFF2-40B4-BE49-F238E27FC236}">
-                    <a16:creationId xmlns:a16="http://schemas.microsoft.com/office/drawing/2014/main" id="{44DD38BB-C474-4B4B-9908-5A45001D95C3}"/>
-                  </a:ext>
-                </a:extLst>
-              </p:cNvPr>
-              <p:cNvSpPr/>
-              <p:nvPr/>
-            </p:nvSpPr>
-            <p:spPr>
-              <a:xfrm>
-                <a:off x="628070" y="3527053"/>
-                <a:ext cx="818557" cy="609600"/>
-              </a:xfrm>
-              <a:prstGeom prst="rect">
-                <a:avLst/>
-              </a:prstGeom>
-              <a:noFill/>
-              <a:ln>
-                <a:solidFill>
-                  <a:srgbClr val="092529"/>
-                </a:solidFill>
-              </a:ln>
-              <a:effectLst/>
-            </p:spPr>
-            <p:style>
-              <a:lnRef idx="1">
-                <a:schemeClr val="accent1"/>
-              </a:lnRef>
-              <a:fillRef idx="3">
-                <a:schemeClr val="accent1"/>
-              </a:fillRef>
-              <a:effectRef idx="2">
-                <a:schemeClr val="accent1"/>
-              </a:effectRef>
-              <a:fontRef idx="minor">
-                <a:schemeClr val="lt1"/>
-              </a:fontRef>
-            </p:style>
-            <p:txBody>
-              <a:bodyPr lIns="274320" tIns="182880" rIns="274320" bIns="182880" rtlCol="0" anchor="ctr"/>
-              <a:lstStyle/>
-              <a:p>
-                <a:pPr algn="ctr"/>
-                <a:r>
-                  <a:rPr lang="en-US" dirty="0">
-                    <a:solidFill>
-                      <a:srgbClr val="092529"/>
-                    </a:solidFill>
-                    <a:latin typeface="Proxima Nova" charset="0"/>
-                    <a:ea typeface="Proxima Nova" charset="0"/>
-                    <a:cs typeface="Proxima Nova" charset="0"/>
-                  </a:rPr>
-                  <a:t>k</a:t>
-                </a:r>
-              </a:p>
-            </p:txBody>
-          </p:sp>
-          <p:sp>
-            <p:nvSpPr>
-              <p:cNvPr id="10" name="Rectangle 9">
-                <a:extLst>
-                  <a:ext uri="{FF2B5EF4-FFF2-40B4-BE49-F238E27FC236}">
-                    <a16:creationId xmlns:a16="http://schemas.microsoft.com/office/drawing/2014/main" id="{C5515279-A581-D24F-8D7C-E4BB3D467286}"/>
-                  </a:ext>
-                </a:extLst>
-              </p:cNvPr>
-              <p:cNvSpPr/>
-              <p:nvPr/>
-            </p:nvSpPr>
-            <p:spPr>
-              <a:xfrm>
-                <a:off x="626920" y="4138189"/>
-                <a:ext cx="818557" cy="609600"/>
-              </a:xfrm>
-              <a:prstGeom prst="rect">
-                <a:avLst/>
-              </a:prstGeom>
-              <a:noFill/>
-              <a:ln>
-                <a:solidFill>
-                  <a:srgbClr val="092529"/>
-                </a:solidFill>
-              </a:ln>
-              <a:effectLst/>
-            </p:spPr>
-            <p:style>
-              <a:lnRef idx="1">
-                <a:schemeClr val="accent1"/>
-              </a:lnRef>
-              <a:fillRef idx="3">
-                <a:schemeClr val="accent1"/>
-              </a:fillRef>
-              <a:effectRef idx="2">
-                <a:schemeClr val="accent1"/>
-              </a:effectRef>
-              <a:fontRef idx="minor">
-                <a:schemeClr val="lt1"/>
-              </a:fontRef>
-            </p:style>
-            <p:txBody>
-              <a:bodyPr lIns="274320" tIns="182880" rIns="274320" bIns="182880" rtlCol="0" anchor="ctr"/>
-              <a:lstStyle/>
-              <a:p>
-                <a:pPr algn="ctr"/>
-                <a:r>
-                  <a:rPr lang="en-US" dirty="0" err="1">
-                    <a:solidFill>
-                      <a:srgbClr val="092529"/>
-                    </a:solidFill>
-                    <a:latin typeface="Proxima Nova" charset="0"/>
-                    <a:ea typeface="Proxima Nova" charset="0"/>
-                    <a:cs typeface="Proxima Nova" charset="0"/>
-                  </a:rPr>
-                  <a:t>i</a:t>
-                </a:r>
-                <a:endParaRPr lang="en-US" dirty="0">
-                  <a:solidFill>
-                    <a:srgbClr val="092529"/>
-                  </a:solidFill>
-                  <a:latin typeface="Proxima Nova" charset="0"/>
-                  <a:ea typeface="Proxima Nova" charset="0"/>
-                  <a:cs typeface="Proxima Nova" charset="0"/>
-                </a:endParaRPr>
-              </a:p>
-            </p:txBody>
-          </p:sp>
-          <p:sp>
-            <p:nvSpPr>
-              <p:cNvPr id="11" name="Rectangle 10">
-                <a:extLst>
-                  <a:ext uri="{FF2B5EF4-FFF2-40B4-BE49-F238E27FC236}">
-                    <a16:creationId xmlns:a16="http://schemas.microsoft.com/office/drawing/2014/main" id="{161DBB51-3FB3-8A4D-9474-C45D347255C2}"/>
-                  </a:ext>
-                </a:extLst>
-              </p:cNvPr>
-              <p:cNvSpPr/>
-              <p:nvPr/>
-            </p:nvSpPr>
-            <p:spPr>
-              <a:xfrm>
-                <a:off x="626920" y="4747482"/>
-                <a:ext cx="818557" cy="609600"/>
-              </a:xfrm>
-              <a:prstGeom prst="rect">
-                <a:avLst/>
-              </a:prstGeom>
-              <a:noFill/>
-              <a:ln>
-                <a:solidFill>
-                  <a:srgbClr val="092529"/>
-                </a:solidFill>
-              </a:ln>
-              <a:effectLst/>
-            </p:spPr>
-            <p:style>
-              <a:lnRef idx="1">
-                <a:schemeClr val="accent1"/>
-              </a:lnRef>
-              <a:fillRef idx="3">
-                <a:schemeClr val="accent1"/>
-              </a:fillRef>
-              <a:effectRef idx="2">
-                <a:schemeClr val="accent1"/>
-              </a:effectRef>
-              <a:fontRef idx="minor">
-                <a:schemeClr val="lt1"/>
-              </a:fontRef>
-            </p:style>
-            <p:txBody>
-              <a:bodyPr lIns="274320" tIns="182880" rIns="274320" bIns="182880" rtlCol="0" anchor="ctr"/>
-              <a:lstStyle/>
-              <a:p>
-                <a:pPr algn="ctr"/>
-                <a:r>
-                  <a:rPr lang="en-US" dirty="0">
-                    <a:solidFill>
-                      <a:srgbClr val="092529"/>
-                    </a:solidFill>
-                    <a:latin typeface="Proxima Nova" charset="0"/>
-                    <a:ea typeface="Proxima Nova" charset="0"/>
-                    <a:cs typeface="Proxima Nova" charset="0"/>
-                  </a:rPr>
-                  <a:t>n</a:t>
-                </a:r>
-              </a:p>
-            </p:txBody>
-          </p:sp>
-          <p:sp>
-            <p:nvSpPr>
-              <p:cNvPr id="12" name="Rectangle 11">
-                <a:extLst>
-                  <a:ext uri="{FF2B5EF4-FFF2-40B4-BE49-F238E27FC236}">
-                    <a16:creationId xmlns:a16="http://schemas.microsoft.com/office/drawing/2014/main" id="{923BCAF3-84EA-3F49-9BC0-DEF01806DF37}"/>
-                  </a:ext>
-                </a:extLst>
-              </p:cNvPr>
-              <p:cNvSpPr/>
-              <p:nvPr/>
-            </p:nvSpPr>
-            <p:spPr>
-              <a:xfrm>
-                <a:off x="627879" y="5362240"/>
-                <a:ext cx="817600" cy="621384"/>
-              </a:xfrm>
-              <a:prstGeom prst="rect">
-                <a:avLst/>
-              </a:prstGeom>
-              <a:noFill/>
-              <a:ln>
-                <a:solidFill>
-                  <a:srgbClr val="092529"/>
-                </a:solidFill>
-              </a:ln>
-              <a:effectLst/>
-            </p:spPr>
-            <p:style>
-              <a:lnRef idx="1">
-                <a:schemeClr val="accent1"/>
-              </a:lnRef>
-              <a:fillRef idx="3">
-                <a:schemeClr val="accent1"/>
-              </a:fillRef>
-              <a:effectRef idx="2">
-                <a:schemeClr val="accent1"/>
-              </a:effectRef>
-              <a:fontRef idx="minor">
-                <a:schemeClr val="lt1"/>
-              </a:fontRef>
-            </p:style>
-            <p:txBody>
-              <a:bodyPr lIns="274320" tIns="182880" rIns="274320" bIns="182880" rtlCol="0" anchor="ctr"/>
-              <a:lstStyle/>
-              <a:p>
-                <a:pPr algn="ctr"/>
-                <a:r>
-                  <a:rPr lang="en-US" dirty="0">
-                    <a:solidFill>
-                      <a:srgbClr val="092529"/>
-                    </a:solidFill>
-                    <a:latin typeface="Proxima Nova" charset="0"/>
-                    <a:ea typeface="Proxima Nova" charset="0"/>
-                    <a:cs typeface="Proxima Nova" charset="0"/>
-                  </a:rPr>
-                  <a:t>n</a:t>
-                </a:r>
-              </a:p>
-            </p:txBody>
-          </p:sp>
-        </p:grpSp>
-      </p:grpSp>
-      <p:grpSp>
-        <p:nvGrpSpPr>
-          <p:cNvPr id="18" name="Group 17">
-            <a:extLst>
-              <a:ext uri="{FF2B5EF4-FFF2-40B4-BE49-F238E27FC236}">
-                <a16:creationId xmlns:a16="http://schemas.microsoft.com/office/drawing/2014/main" id="{973FBECF-0B96-9C49-93B0-CDFB2AE84414}"/>
-              </a:ext>
-            </a:extLst>
-          </p:cNvPr>
-          <p:cNvGrpSpPr/>
-          <p:nvPr/>
-        </p:nvGrpSpPr>
-        <p:grpSpPr>
-          <a:xfrm>
-            <a:off x="1463516" y="1494151"/>
-            <a:ext cx="637954" cy="5202922"/>
-            <a:chOff x="769833" y="1803702"/>
-            <a:chExt cx="637954" cy="5202922"/>
-          </a:xfrm>
-        </p:grpSpPr>
-        <p:sp>
-          <p:nvSpPr>
-            <p:cNvPr id="19" name="TextBox 18">
-              <a:extLst>
-                <a:ext uri="{FF2B5EF4-FFF2-40B4-BE49-F238E27FC236}">
-                  <a16:creationId xmlns:a16="http://schemas.microsoft.com/office/drawing/2014/main" id="{FE96829C-B63D-474B-8DAC-A9BE2FD4D824}"/>
-                </a:ext>
-              </a:extLst>
-            </p:cNvPr>
-            <p:cNvSpPr txBox="1"/>
-            <p:nvPr/>
-          </p:nvSpPr>
-          <p:spPr>
-            <a:xfrm>
-              <a:off x="912686" y="1803702"/>
-              <a:ext cx="286324" cy="400110"/>
-            </a:xfrm>
-            <a:prstGeom prst="rect">
-              <a:avLst/>
-            </a:prstGeom>
-            <a:noFill/>
-          </p:spPr>
-          <p:txBody>
-            <a:bodyPr wrap="square" rtlCol="0">
-              <a:spAutoFit/>
-            </a:bodyPr>
-            <a:lstStyle/>
-            <a:p>
-              <a:r>
-                <a:rPr lang="en-US" dirty="0"/>
-                <a:t>0</a:t>
-              </a:r>
-            </a:p>
-          </p:txBody>
-        </p:sp>
-        <p:sp>
-          <p:nvSpPr>
-            <p:cNvPr id="20" name="TextBox 19">
-              <a:extLst>
-                <a:ext uri="{FF2B5EF4-FFF2-40B4-BE49-F238E27FC236}">
-                  <a16:creationId xmlns:a16="http://schemas.microsoft.com/office/drawing/2014/main" id="{93C6121B-1016-304F-951A-96CFB7128924}"/>
-                </a:ext>
-              </a:extLst>
-            </p:cNvPr>
-            <p:cNvSpPr txBox="1"/>
-            <p:nvPr/>
-          </p:nvSpPr>
-          <p:spPr>
-            <a:xfrm>
-              <a:off x="912686" y="2265743"/>
-              <a:ext cx="286324" cy="400110"/>
-            </a:xfrm>
-            <a:prstGeom prst="rect">
-              <a:avLst/>
-            </a:prstGeom>
-            <a:noFill/>
-          </p:spPr>
-          <p:txBody>
-            <a:bodyPr wrap="square" rtlCol="0">
-              <a:spAutoFit/>
-            </a:bodyPr>
-            <a:lstStyle/>
-            <a:p>
-              <a:r>
-                <a:rPr lang="en-US" dirty="0"/>
-                <a:t>1</a:t>
-              </a:r>
-            </a:p>
-          </p:txBody>
-        </p:sp>
-        <p:sp>
-          <p:nvSpPr>
-            <p:cNvPr id="21" name="TextBox 20">
-              <a:extLst>
-                <a:ext uri="{FF2B5EF4-FFF2-40B4-BE49-F238E27FC236}">
-                  <a16:creationId xmlns:a16="http://schemas.microsoft.com/office/drawing/2014/main" id="{C204FC8C-5524-F741-B855-FC852EC11621}"/>
-                </a:ext>
-              </a:extLst>
-            </p:cNvPr>
-            <p:cNvSpPr txBox="1"/>
-            <p:nvPr/>
-          </p:nvSpPr>
-          <p:spPr>
-            <a:xfrm>
-              <a:off x="912686" y="2763319"/>
-              <a:ext cx="286324" cy="400110"/>
-            </a:xfrm>
-            <a:prstGeom prst="rect">
-              <a:avLst/>
-            </a:prstGeom>
-            <a:noFill/>
-          </p:spPr>
-          <p:txBody>
-            <a:bodyPr wrap="square" rtlCol="0">
-              <a:spAutoFit/>
-            </a:bodyPr>
-            <a:lstStyle/>
-            <a:p>
-              <a:r>
-                <a:rPr lang="en-US" dirty="0"/>
-                <a:t>2</a:t>
-              </a:r>
-            </a:p>
-          </p:txBody>
-        </p:sp>
-        <p:sp>
-          <p:nvSpPr>
-            <p:cNvPr id="22" name="TextBox 21">
-              <a:extLst>
-                <a:ext uri="{FF2B5EF4-FFF2-40B4-BE49-F238E27FC236}">
-                  <a16:creationId xmlns:a16="http://schemas.microsoft.com/office/drawing/2014/main" id="{9F667CAE-9EC6-A645-A149-9C930B9C6346}"/>
-                </a:ext>
-              </a:extLst>
-            </p:cNvPr>
-            <p:cNvSpPr txBox="1"/>
-            <p:nvPr/>
-          </p:nvSpPr>
-          <p:spPr>
-            <a:xfrm>
-              <a:off x="912545" y="3247598"/>
-              <a:ext cx="286324" cy="400110"/>
-            </a:xfrm>
-            <a:prstGeom prst="rect">
-              <a:avLst/>
-            </a:prstGeom>
-            <a:noFill/>
-          </p:spPr>
-          <p:txBody>
-            <a:bodyPr wrap="square" rtlCol="0">
-              <a:spAutoFit/>
-            </a:bodyPr>
-            <a:lstStyle/>
-            <a:p>
-              <a:r>
-                <a:rPr lang="en-US" dirty="0"/>
-                <a:t>3</a:t>
-              </a:r>
-            </a:p>
-          </p:txBody>
-        </p:sp>
-        <p:sp>
-          <p:nvSpPr>
-            <p:cNvPr id="23" name="TextBox 22">
-              <a:extLst>
-                <a:ext uri="{FF2B5EF4-FFF2-40B4-BE49-F238E27FC236}">
-                  <a16:creationId xmlns:a16="http://schemas.microsoft.com/office/drawing/2014/main" id="{80852F22-E13E-0546-B598-F4DFB95F2A30}"/>
-                </a:ext>
-              </a:extLst>
-            </p:cNvPr>
-            <p:cNvSpPr txBox="1"/>
-            <p:nvPr/>
-          </p:nvSpPr>
-          <p:spPr>
-            <a:xfrm>
-              <a:off x="912545" y="3706151"/>
-              <a:ext cx="286324" cy="400110"/>
-            </a:xfrm>
-            <a:prstGeom prst="rect">
-              <a:avLst/>
-            </a:prstGeom>
-            <a:noFill/>
-          </p:spPr>
-          <p:txBody>
-            <a:bodyPr wrap="square" rtlCol="0">
-              <a:spAutoFit/>
-            </a:bodyPr>
-            <a:lstStyle/>
-            <a:p>
-              <a:r>
-                <a:rPr lang="en-US" dirty="0"/>
-                <a:t>4</a:t>
-              </a:r>
-            </a:p>
-          </p:txBody>
-        </p:sp>
-        <p:sp>
-          <p:nvSpPr>
-            <p:cNvPr id="24" name="TextBox 23">
-              <a:extLst>
-                <a:ext uri="{FF2B5EF4-FFF2-40B4-BE49-F238E27FC236}">
-                  <a16:creationId xmlns:a16="http://schemas.microsoft.com/office/drawing/2014/main" id="{DCFFAF81-6EFA-714C-A5A0-C045D2C9E81F}"/>
-                </a:ext>
-              </a:extLst>
-            </p:cNvPr>
-            <p:cNvSpPr txBox="1"/>
-            <p:nvPr/>
-          </p:nvSpPr>
-          <p:spPr>
-            <a:xfrm>
-              <a:off x="912545" y="4211021"/>
-              <a:ext cx="286324" cy="400110"/>
-            </a:xfrm>
-            <a:prstGeom prst="rect">
-              <a:avLst/>
-            </a:prstGeom>
-            <a:noFill/>
-          </p:spPr>
-          <p:txBody>
-            <a:bodyPr wrap="square" rtlCol="0">
-              <a:spAutoFit/>
-            </a:bodyPr>
-            <a:lstStyle/>
-            <a:p>
-              <a:r>
-                <a:rPr lang="en-US" dirty="0"/>
-                <a:t>5</a:t>
-              </a:r>
-            </a:p>
-          </p:txBody>
-        </p:sp>
-        <p:sp>
-          <p:nvSpPr>
-            <p:cNvPr id="25" name="TextBox 24">
-              <a:extLst>
-                <a:ext uri="{FF2B5EF4-FFF2-40B4-BE49-F238E27FC236}">
-                  <a16:creationId xmlns:a16="http://schemas.microsoft.com/office/drawing/2014/main" id="{3A07A71D-E812-F744-8770-1259EDBA3D4F}"/>
-                </a:ext>
-              </a:extLst>
-            </p:cNvPr>
-            <p:cNvSpPr txBox="1"/>
-            <p:nvPr/>
-          </p:nvSpPr>
-          <p:spPr>
-            <a:xfrm>
-              <a:off x="912545" y="4680125"/>
-              <a:ext cx="286324" cy="400110"/>
-            </a:xfrm>
-            <a:prstGeom prst="rect">
-              <a:avLst/>
-            </a:prstGeom>
-            <a:noFill/>
-          </p:spPr>
-          <p:txBody>
-            <a:bodyPr wrap="square" rtlCol="0">
-              <a:spAutoFit/>
-            </a:bodyPr>
-            <a:lstStyle/>
-            <a:p>
-              <a:r>
-                <a:rPr lang="en-US" dirty="0"/>
-                <a:t>6</a:t>
-              </a:r>
-            </a:p>
-          </p:txBody>
-        </p:sp>
-        <p:sp>
-          <p:nvSpPr>
-            <p:cNvPr id="26" name="TextBox 25">
-              <a:extLst>
-                <a:ext uri="{FF2B5EF4-FFF2-40B4-BE49-F238E27FC236}">
-                  <a16:creationId xmlns:a16="http://schemas.microsoft.com/office/drawing/2014/main" id="{CE0AD569-AAA5-8449-951E-88AAB3CE2527}"/>
-                </a:ext>
-              </a:extLst>
-            </p:cNvPr>
-            <p:cNvSpPr txBox="1"/>
-            <p:nvPr/>
-          </p:nvSpPr>
-          <p:spPr>
-            <a:xfrm>
-              <a:off x="911789" y="5149229"/>
-              <a:ext cx="286324" cy="400110"/>
-            </a:xfrm>
-            <a:prstGeom prst="rect">
-              <a:avLst/>
-            </a:prstGeom>
-            <a:noFill/>
-          </p:spPr>
-          <p:txBody>
-            <a:bodyPr wrap="square" rtlCol="0">
-              <a:spAutoFit/>
-            </a:bodyPr>
-            <a:lstStyle/>
-            <a:p>
-              <a:r>
-                <a:rPr lang="en-US" dirty="0"/>
-                <a:t>7</a:t>
-              </a:r>
-            </a:p>
-          </p:txBody>
-        </p:sp>
-        <p:sp>
-          <p:nvSpPr>
-            <p:cNvPr id="27" name="TextBox 26">
-              <a:extLst>
-                <a:ext uri="{FF2B5EF4-FFF2-40B4-BE49-F238E27FC236}">
-                  <a16:creationId xmlns:a16="http://schemas.microsoft.com/office/drawing/2014/main" id="{21CB13CB-CF05-6742-9573-F14FE40C7B77}"/>
-                </a:ext>
-              </a:extLst>
-            </p:cNvPr>
-            <p:cNvSpPr txBox="1"/>
-            <p:nvPr/>
-          </p:nvSpPr>
-          <p:spPr>
-            <a:xfrm>
-              <a:off x="911723" y="5644139"/>
-              <a:ext cx="286324" cy="400110"/>
-            </a:xfrm>
-            <a:prstGeom prst="rect">
-              <a:avLst/>
-            </a:prstGeom>
-            <a:noFill/>
-          </p:spPr>
-          <p:txBody>
-            <a:bodyPr wrap="square" rtlCol="0">
-              <a:spAutoFit/>
-            </a:bodyPr>
-            <a:lstStyle/>
-            <a:p>
-              <a:r>
-                <a:rPr lang="en-US" dirty="0"/>
-                <a:t>8</a:t>
-              </a:r>
-            </a:p>
-          </p:txBody>
-        </p:sp>
-        <p:sp>
-          <p:nvSpPr>
-            <p:cNvPr id="28" name="TextBox 27">
-              <a:extLst>
-                <a:ext uri="{FF2B5EF4-FFF2-40B4-BE49-F238E27FC236}">
-                  <a16:creationId xmlns:a16="http://schemas.microsoft.com/office/drawing/2014/main" id="{2A677E85-CF9D-6648-932D-931085AA6956}"/>
-                </a:ext>
-              </a:extLst>
-            </p:cNvPr>
-            <p:cNvSpPr txBox="1"/>
-            <p:nvPr/>
-          </p:nvSpPr>
-          <p:spPr>
-            <a:xfrm>
-              <a:off x="911723" y="6117987"/>
-              <a:ext cx="286324" cy="400110"/>
-            </a:xfrm>
-            <a:prstGeom prst="rect">
-              <a:avLst/>
-            </a:prstGeom>
-            <a:noFill/>
-          </p:spPr>
-          <p:txBody>
-            <a:bodyPr wrap="square" rtlCol="0">
-              <a:spAutoFit/>
-            </a:bodyPr>
-            <a:lstStyle/>
-            <a:p>
-              <a:r>
-                <a:rPr lang="en-US" dirty="0"/>
-                <a:t>9</a:t>
-              </a:r>
-            </a:p>
-          </p:txBody>
-        </p:sp>
-        <p:sp>
-          <p:nvSpPr>
-            <p:cNvPr id="29" name="TextBox 28">
-              <a:extLst>
-                <a:ext uri="{FF2B5EF4-FFF2-40B4-BE49-F238E27FC236}">
-                  <a16:creationId xmlns:a16="http://schemas.microsoft.com/office/drawing/2014/main" id="{D1991BAD-B691-5940-95D1-3534A9E964DC}"/>
-                </a:ext>
-              </a:extLst>
-            </p:cNvPr>
-            <p:cNvSpPr txBox="1"/>
-            <p:nvPr/>
-          </p:nvSpPr>
-          <p:spPr>
-            <a:xfrm>
-              <a:off x="769833" y="6606514"/>
-              <a:ext cx="637954" cy="400110"/>
-            </a:xfrm>
-            <a:prstGeom prst="rect">
-              <a:avLst/>
-            </a:prstGeom>
-            <a:noFill/>
-          </p:spPr>
-          <p:txBody>
-            <a:bodyPr wrap="square" rtlCol="0">
-              <a:spAutoFit/>
-            </a:bodyPr>
-            <a:lstStyle/>
-            <a:p>
-              <a:r>
-                <a:rPr lang="en-US" dirty="0"/>
-                <a:t>10</a:t>
-              </a:r>
-            </a:p>
-          </p:txBody>
-        </p:sp>
-      </p:grpSp>
-    </p:spTree>
-    <p:extLst>
-      <p:ext uri="{BB962C8B-B14F-4D97-AF65-F5344CB8AC3E}">
-        <p14:creationId xmlns:p14="http://schemas.microsoft.com/office/powerpoint/2010/main" val="922784966"/>
-      </p:ext>
-    </p:extLst>
-  </p:cSld>
-  <p:clrMapOvr>
-    <a:masterClrMapping/>
-  </p:clrMapOvr>
-  <mc:AlternateContent xmlns:mc="http://schemas.openxmlformats.org/markup-compatibility/2006" xmlns:p14="http://schemas.microsoft.com/office/powerpoint/2010/main">
-    <mc:Choice Requires="p14">
-      <p:transition p14:dur="300">
-        <p:fade/>
-      </p:transition>
-    </mc:Choice>
-    <mc:Fallback xmlns="">
-      <p:transition>
-        <p:fade/>
-      </p:transition>
-    </mc:Fallback>
-  </mc:AlternateContent>
-  <p:timing>
-    <p:tnLst>
-      <p:par>
-        <p:cTn id="1" dur="indefinite" restart="never" nodeType="tmRoot">
-          <p:childTnLst>
-            <p:seq concurrent="1" nextAc="seek">
-              <p:cTn id="2" dur="indefinite" nodeType="mainSeq">
-                <p:childTnLst>
-                  <p:par>
-                    <p:cTn id="3" fill="hold">
-                      <p:stCondLst>
-                        <p:cond delay="indefinite"/>
-                      </p:stCondLst>
-                      <p:childTnLst>
-                        <p:par>
-                          <p:cTn id="4" fill="hold">
-                            <p:stCondLst>
-                              <p:cond delay="0"/>
-                            </p:stCondLst>
-                            <p:childTnLst>
-                              <p:par>
-                                <p:cTn id="5" presetID="9" presetClass="entr" presetSubtype="0" fill="hold" grpId="0" nodeType="clickEffect">
-                                  <p:stCondLst>
-                                    <p:cond delay="0"/>
-                                  </p:stCondLst>
-                                  <p:childTnLst>
-                                    <p:set>
-                                      <p:cBhvr>
-                                        <p:cTn id="6" dur="1" fill="hold">
-                                          <p:stCondLst>
-                                            <p:cond delay="0"/>
-                                          </p:stCondLst>
-                                        </p:cTn>
-                                        <p:tgtEl>
-                                          <p:spTgt spid="3">
-                                            <p:txEl>
-                                              <p:pRg st="0" end="0"/>
-                                            </p:txEl>
-                                          </p:spTgt>
-                                        </p:tgtEl>
-                                        <p:attrNameLst>
-                                          <p:attrName>style.visibility</p:attrName>
-                                        </p:attrNameLst>
-                                      </p:cBhvr>
-                                      <p:to>
-                                        <p:strVal val="visible"/>
-                                      </p:to>
-                                    </p:set>
-                                    <p:animEffect transition="in" filter="dissolve">
-                                      <p:cBhvr>
-                                        <p:cTn id="7" dur="500"/>
-                                        <p:tgtEl>
-                                          <p:spTgt spid="3">
-                                            <p:txEl>
-                                              <p:pRg st="0" end="0"/>
-                                            </p:txEl>
-                                          </p:spTgt>
-                                        </p:tgtEl>
-                                      </p:cBhvr>
-                                    </p:animEffect>
-                                  </p:childTnLst>
-                                </p:cTn>
-                              </p:par>
-                            </p:childTnLst>
-                          </p:cTn>
-                        </p:par>
-                      </p:childTnLst>
-                    </p:cTn>
-                  </p:par>
-                  <p:par>
-                    <p:cTn id="8" fill="hold">
-                      <p:stCondLst>
-                        <p:cond delay="indefinite"/>
-                      </p:stCondLst>
-                      <p:childTnLst>
-                        <p:par>
-                          <p:cTn id="9" fill="hold">
-                            <p:stCondLst>
-                              <p:cond delay="0"/>
-                            </p:stCondLst>
-                            <p:childTnLst>
-                              <p:par>
-                                <p:cTn id="10" presetID="9" presetClass="entr" presetSubtype="0" fill="hold" grpId="0" nodeType="clickEffect">
-                                  <p:stCondLst>
-                                    <p:cond delay="0"/>
-                                  </p:stCondLst>
-                                  <p:childTnLst>
-                                    <p:set>
-                                      <p:cBhvr>
-                                        <p:cTn id="11" dur="1" fill="hold">
-                                          <p:stCondLst>
-                                            <p:cond delay="0"/>
-                                          </p:stCondLst>
-                                        </p:cTn>
-                                        <p:tgtEl>
-                                          <p:spTgt spid="3">
-                                            <p:txEl>
-                                              <p:pRg st="1" end="1"/>
-                                            </p:txEl>
-                                          </p:spTgt>
-                                        </p:tgtEl>
-                                        <p:attrNameLst>
-                                          <p:attrName>style.visibility</p:attrName>
-                                        </p:attrNameLst>
-                                      </p:cBhvr>
-                                      <p:to>
-                                        <p:strVal val="visible"/>
-                                      </p:to>
-                                    </p:set>
-                                    <p:animEffect transition="in" filter="dissolve">
-                                      <p:cBhvr>
-                                        <p:cTn id="12" dur="500"/>
-                                        <p:tgtEl>
-                                          <p:spTgt spid="3">
-                                            <p:txEl>
-                                              <p:pRg st="1" end="1"/>
-                                            </p:txEl>
-                                          </p:spTgt>
-                                        </p:tgtEl>
-                                      </p:cBhvr>
-                                    </p:animEffect>
-                                  </p:childTnLst>
-                                </p:cTn>
-                              </p:par>
-                              <p:par>
-                                <p:cTn id="13" presetID="9" presetClass="entr" presetSubtype="0" fill="hold" grpId="0" nodeType="withEffect">
-                                  <p:stCondLst>
-                                    <p:cond delay="0"/>
-                                  </p:stCondLst>
-                                  <p:childTnLst>
-                                    <p:set>
-                                      <p:cBhvr>
-                                        <p:cTn id="14" dur="1" fill="hold">
-                                          <p:stCondLst>
-                                            <p:cond delay="0"/>
-                                          </p:stCondLst>
-                                        </p:cTn>
-                                        <p:tgtEl>
-                                          <p:spTgt spid="3">
-                                            <p:txEl>
-                                              <p:pRg st="2" end="2"/>
-                                            </p:txEl>
-                                          </p:spTgt>
-                                        </p:tgtEl>
-                                        <p:attrNameLst>
-                                          <p:attrName>style.visibility</p:attrName>
-                                        </p:attrNameLst>
-                                      </p:cBhvr>
-                                      <p:to>
-                                        <p:strVal val="visible"/>
-                                      </p:to>
-                                    </p:set>
-                                    <p:animEffect transition="in" filter="dissolve">
-                                      <p:cBhvr>
-                                        <p:cTn id="15" dur="500"/>
-                                        <p:tgtEl>
-                                          <p:spTgt spid="3">
-                                            <p:txEl>
-                                              <p:pRg st="2" end="2"/>
-                                            </p:txEl>
-                                          </p:spTgt>
-                                        </p:tgtEl>
-                                      </p:cBhvr>
-                                    </p:animEffect>
-                                  </p:childTnLst>
-                                </p:cTn>
-                              </p:par>
-                              <p:par>
-                                <p:cTn id="16" presetID="9" presetClass="entr" presetSubtype="0" fill="hold" grpId="0" nodeType="withEffect">
-                                  <p:stCondLst>
-                                    <p:cond delay="0"/>
-                                  </p:stCondLst>
-                                  <p:childTnLst>
-                                    <p:set>
-                                      <p:cBhvr>
-                                        <p:cTn id="17" dur="1" fill="hold">
-                                          <p:stCondLst>
-                                            <p:cond delay="0"/>
-                                          </p:stCondLst>
-                                        </p:cTn>
-                                        <p:tgtEl>
-                                          <p:spTgt spid="3">
-                                            <p:txEl>
-                                              <p:pRg st="3" end="3"/>
-                                            </p:txEl>
-                                          </p:spTgt>
-                                        </p:tgtEl>
-                                        <p:attrNameLst>
-                                          <p:attrName>style.visibility</p:attrName>
-                                        </p:attrNameLst>
-                                      </p:cBhvr>
-                                      <p:to>
-                                        <p:strVal val="visible"/>
-                                      </p:to>
-                                    </p:set>
-                                    <p:animEffect transition="in" filter="dissolve">
-                                      <p:cBhvr>
-                                        <p:cTn id="18" dur="500"/>
-                                        <p:tgtEl>
-                                          <p:spTgt spid="3">
-                                            <p:txEl>
-                                              <p:pRg st="3" end="3"/>
-                                            </p:txEl>
-                                          </p:spTgt>
-                                        </p:tgtEl>
-                                      </p:cBhvr>
-                                    </p:animEffect>
-                                  </p:childTnLst>
-                                </p:cTn>
-                              </p:par>
-                            </p:childTnLst>
-                          </p:cTn>
-                        </p:par>
-                      </p:childTnLst>
-                    </p:cTn>
-                  </p:par>
-                  <p:par>
-                    <p:cTn id="19" fill="hold">
-                      <p:stCondLst>
-                        <p:cond delay="indefinite"/>
-                      </p:stCondLst>
-                      <p:childTnLst>
-                        <p:par>
-                          <p:cTn id="20" fill="hold">
-                            <p:stCondLst>
-                              <p:cond delay="0"/>
-                            </p:stCondLst>
-                            <p:childTnLst>
-                              <p:par>
-                                <p:cTn id="21" presetID="9" presetClass="entr" presetSubtype="0" fill="hold" grpId="0" nodeType="clickEffect">
-                                  <p:stCondLst>
-                                    <p:cond delay="0"/>
-                                  </p:stCondLst>
-                                  <p:childTnLst>
-                                    <p:set>
-                                      <p:cBhvr>
-                                        <p:cTn id="22" dur="1" fill="hold">
-                                          <p:stCondLst>
-                                            <p:cond delay="0"/>
-                                          </p:stCondLst>
-                                        </p:cTn>
-                                        <p:tgtEl>
-                                          <p:spTgt spid="3">
-                                            <p:txEl>
-                                              <p:pRg st="5" end="5"/>
-                                            </p:txEl>
-                                          </p:spTgt>
-                                        </p:tgtEl>
-                                        <p:attrNameLst>
-                                          <p:attrName>style.visibility</p:attrName>
-                                        </p:attrNameLst>
-                                      </p:cBhvr>
-                                      <p:to>
-                                        <p:strVal val="visible"/>
-                                      </p:to>
-                                    </p:set>
-                                    <p:animEffect transition="in" filter="dissolve">
-                                      <p:cBhvr>
-                                        <p:cTn id="23" dur="500"/>
-                                        <p:tgtEl>
-                                          <p:spTgt spid="3">
-                                            <p:txEl>
-                                              <p:pRg st="5" end="5"/>
-                                            </p:txEl>
-                                          </p:spTgt>
-                                        </p:tgtEl>
-                                      </p:cBhvr>
-                                    </p:animEffect>
-                                  </p:childTnLst>
-                                </p:cTn>
-                              </p:par>
-                            </p:childTnLst>
-                          </p:cTn>
-                        </p:par>
-                      </p:childTnLst>
-                    </p:cTn>
-                  </p:par>
-                  <p:par>
-                    <p:cTn id="24" fill="hold">
-                      <p:stCondLst>
-                        <p:cond delay="indefinite"/>
-                      </p:stCondLst>
-                      <p:childTnLst>
-                        <p:par>
-                          <p:cTn id="25" fill="hold">
-                            <p:stCondLst>
-                              <p:cond delay="0"/>
-                            </p:stCondLst>
-                            <p:childTnLst>
-                              <p:par>
-                                <p:cTn id="26" presetID="9" presetClass="entr" presetSubtype="0" fill="hold" grpId="0" nodeType="clickEffect">
-                                  <p:stCondLst>
-                                    <p:cond delay="0"/>
-                                  </p:stCondLst>
-                                  <p:childTnLst>
-                                    <p:set>
-                                      <p:cBhvr>
-                                        <p:cTn id="27" dur="1" fill="hold">
-                                          <p:stCondLst>
-                                            <p:cond delay="0"/>
-                                          </p:stCondLst>
-                                        </p:cTn>
-                                        <p:tgtEl>
-                                          <p:spTgt spid="3">
-                                            <p:txEl>
-                                              <p:pRg st="6" end="6"/>
-                                            </p:txEl>
-                                          </p:spTgt>
-                                        </p:tgtEl>
-                                        <p:attrNameLst>
-                                          <p:attrName>style.visibility</p:attrName>
-                                        </p:attrNameLst>
-                                      </p:cBhvr>
-                                      <p:to>
-                                        <p:strVal val="visible"/>
-                                      </p:to>
-                                    </p:set>
-                                    <p:animEffect transition="in" filter="dissolve">
-                                      <p:cBhvr>
-                                        <p:cTn id="28" dur="500"/>
-                                        <p:tgtEl>
-                                          <p:spTgt spid="3">
-                                            <p:txEl>
-                                              <p:pRg st="6" end="6"/>
-                                            </p:txEl>
-                                          </p:spTgt>
-                                        </p:tgtEl>
-                                      </p:cBhvr>
-                                    </p:animEffect>
-                                  </p:childTnLst>
-                                </p:cTn>
-                              </p:par>
-                            </p:childTnLst>
-                          </p:cTn>
-                        </p:par>
-                      </p:childTnLst>
-                    </p:cTn>
-                  </p:par>
-                  <p:par>
-                    <p:cTn id="29" fill="hold">
-                      <p:stCondLst>
-                        <p:cond delay="indefinite"/>
-                      </p:stCondLst>
-                      <p:childTnLst>
-                        <p:par>
-                          <p:cTn id="30" fill="hold">
-                            <p:stCondLst>
-                              <p:cond delay="0"/>
-                            </p:stCondLst>
-                            <p:childTnLst>
-                              <p:par>
-                                <p:cTn id="31" presetID="9" presetClass="entr" presetSubtype="0" fill="hold" grpId="0" nodeType="clickEffect">
-                                  <p:stCondLst>
-                                    <p:cond delay="0"/>
-                                  </p:stCondLst>
-                                  <p:childTnLst>
-                                    <p:set>
-                                      <p:cBhvr>
-                                        <p:cTn id="32" dur="1" fill="hold">
-                                          <p:stCondLst>
-                                            <p:cond delay="0"/>
-                                          </p:stCondLst>
-                                        </p:cTn>
-                                        <p:tgtEl>
-                                          <p:spTgt spid="3">
-                                            <p:txEl>
-                                              <p:pRg st="8" end="8"/>
-                                            </p:txEl>
-                                          </p:spTgt>
-                                        </p:tgtEl>
-                                        <p:attrNameLst>
-                                          <p:attrName>style.visibility</p:attrName>
-                                        </p:attrNameLst>
-                                      </p:cBhvr>
-                                      <p:to>
-                                        <p:strVal val="visible"/>
-                                      </p:to>
-                                    </p:set>
-                                    <p:animEffect transition="in" filter="dissolve">
-                                      <p:cBhvr>
-                                        <p:cTn id="33" dur="500"/>
-                                        <p:tgtEl>
-                                          <p:spTgt spid="3">
-                                            <p:txEl>
-                                              <p:pRg st="8" end="8"/>
-                                            </p:txEl>
-                                          </p:spTgt>
-                                        </p:tgtEl>
-                                      </p:cBhvr>
-                                    </p:animEffect>
-                                  </p:childTnLst>
-                                </p:cTn>
-                              </p:par>
-                            </p:childTnLst>
-                          </p:cTn>
-                        </p:par>
-                      </p:childTnLst>
-                    </p:cTn>
-                  </p:par>
-                  <p:par>
-                    <p:cTn id="34" fill="hold">
-                      <p:stCondLst>
-                        <p:cond delay="indefinite"/>
-                      </p:stCondLst>
-                      <p:childTnLst>
-                        <p:par>
-                          <p:cTn id="35" fill="hold">
-                            <p:stCondLst>
-                              <p:cond delay="0"/>
-                            </p:stCondLst>
-                            <p:childTnLst>
-                              <p:par>
-                                <p:cTn id="36" presetID="9" presetClass="entr" presetSubtype="0" fill="hold" grpId="0" nodeType="clickEffect">
-                                  <p:stCondLst>
-                                    <p:cond delay="0"/>
-                                  </p:stCondLst>
-                                  <p:childTnLst>
-                                    <p:set>
-                                      <p:cBhvr>
-                                        <p:cTn id="37" dur="1" fill="hold">
-                                          <p:stCondLst>
-                                            <p:cond delay="0"/>
-                                          </p:stCondLst>
-                                        </p:cTn>
-                                        <p:tgtEl>
-                                          <p:spTgt spid="3">
-                                            <p:txEl>
-                                              <p:pRg st="9" end="9"/>
-                                            </p:txEl>
-                                          </p:spTgt>
-                                        </p:tgtEl>
-                                        <p:attrNameLst>
-                                          <p:attrName>style.visibility</p:attrName>
-                                        </p:attrNameLst>
-                                      </p:cBhvr>
-                                      <p:to>
-                                        <p:strVal val="visible"/>
-                                      </p:to>
-                                    </p:set>
-                                    <p:animEffect transition="in" filter="dissolve">
-                                      <p:cBhvr>
-                                        <p:cTn id="38" dur="500"/>
-                                        <p:tgtEl>
-                                          <p:spTgt spid="3">
-                                            <p:txEl>
-                                              <p:pRg st="9" end="9"/>
-                                            </p:txEl>
-                                          </p:spTgt>
-                                        </p:tgtEl>
-                                      </p:cBhvr>
-                                    </p:animEffect>
-                                  </p:childTnLst>
-                                </p:cTn>
-                              </p:par>
-                            </p:childTnLst>
-                          </p:cTn>
-                        </p:par>
-                      </p:childTnLst>
-                    </p:cTn>
-                  </p:par>
-                  <p:par>
-                    <p:cTn id="39" fill="hold">
-                      <p:stCondLst>
-                        <p:cond delay="indefinite"/>
-                      </p:stCondLst>
-                      <p:childTnLst>
-                        <p:par>
-                          <p:cTn id="40" fill="hold">
-                            <p:stCondLst>
-                              <p:cond delay="0"/>
-                            </p:stCondLst>
-                            <p:childTnLst>
-                              <p:par>
-                                <p:cTn id="41" presetID="9" presetClass="entr" presetSubtype="0" fill="hold" grpId="0" nodeType="clickEffect">
-                                  <p:stCondLst>
-                                    <p:cond delay="0"/>
-                                  </p:stCondLst>
-                                  <p:childTnLst>
-                                    <p:set>
-                                      <p:cBhvr>
-                                        <p:cTn id="42" dur="1" fill="hold">
-                                          <p:stCondLst>
-                                            <p:cond delay="0"/>
-                                          </p:stCondLst>
-                                        </p:cTn>
-                                        <p:tgtEl>
-                                          <p:spTgt spid="3">
-                                            <p:txEl>
-                                              <p:pRg st="10" end="10"/>
-                                            </p:txEl>
-                                          </p:spTgt>
-                                        </p:tgtEl>
-                                        <p:attrNameLst>
-                                          <p:attrName>style.visibility</p:attrName>
-                                        </p:attrNameLst>
-                                      </p:cBhvr>
-                                      <p:to>
-                                        <p:strVal val="visible"/>
-                                      </p:to>
-                                    </p:set>
-                                    <p:animEffect transition="in" filter="dissolve">
-                                      <p:cBhvr>
-                                        <p:cTn id="43" dur="500"/>
-                                        <p:tgtEl>
-                                          <p:spTgt spid="3">
-                                            <p:txEl>
-                                              <p:pRg st="10" end="10"/>
-                                            </p:txEl>
-                                          </p:spTgt>
-                                        </p:tgtEl>
-                                      </p:cBhvr>
-                                    </p:animEffect>
-                                  </p:childTnLst>
-                                </p:cTn>
-                              </p:par>
-                            </p:childTnLst>
-                          </p:cTn>
-                        </p:par>
-                      </p:childTnLst>
-                    </p:cTn>
-                  </p:par>
-                </p:childTnLst>
-              </p:cTn>
-              <p:prevCondLst>
-                <p:cond evt="onPrev" delay="0">
-                  <p:tgtEl>
-                    <p:sldTgt/>
-                  </p:tgtEl>
-                </p:cond>
-              </p:prevCondLst>
-              <p:nextCondLst>
-                <p:cond evt="onNext" delay="0">
-                  <p:tgtEl>
-                    <p:sldTgt/>
-                  </p:tgtEl>
-                </p:cond>
-              </p:nextCondLst>
-            </p:seq>
-          </p:childTnLst>
-        </p:cTn>
-      </p:par>
-    </p:tnLst>
-    <p:bldLst>
-      <p:bldP spid="3" grpId="0" build="p"/>
-    </p:bldLst>
-  </p:timing>
-</p:sld>
-</file>
-
-<file path=ppt/slides/slide8.xml><?xml version="1.0" encoding="utf-8"?>
-<p:sld xmlns:a="http://schemas.openxmlformats.org/drawingml/2006/main" xmlns:r="http://schemas.openxmlformats.org/officeDocument/2006/relationships" xmlns:p="http://schemas.openxmlformats.org/presentationml/2006/main">
-  <p:cSld>
-    <p:spTree>
-      <p:nvGrpSpPr>
-        <p:cNvPr id="1" name=""/>
-        <p:cNvGrpSpPr/>
-        <p:nvPr/>
-      </p:nvGrpSpPr>
-      <p:grpSpPr>
-        <a:xfrm>
-          <a:off x="0" y="0"/>
-          <a:ext cx="0" cy="0"/>
-          <a:chOff x="0" y="0"/>
-          <a:chExt cx="0" cy="0"/>
-        </a:xfrm>
-      </p:grpSpPr>
-      <p:sp>
-        <p:nvSpPr>
-          <p:cNvPr id="2" name="Title 1">
-            <a:extLst>
-              <a:ext uri="{FF2B5EF4-FFF2-40B4-BE49-F238E27FC236}">
-                <a16:creationId xmlns:a16="http://schemas.microsoft.com/office/drawing/2014/main" id="{40A86CDA-E287-DD40-AE57-9C3F147567A0}"/>
-              </a:ext>
-            </a:extLst>
-          </p:cNvPr>
-          <p:cNvSpPr>
-            <a:spLocks noGrp="1"/>
-          </p:cNvSpPr>
-          <p:nvPr>
-            <p:ph type="title"/>
-          </p:nvPr>
-        </p:nvSpPr>
-        <p:spPr/>
-        <p:txBody>
-          <a:bodyPr/>
-          <a:lstStyle/>
-          <a:p>
-            <a:r>
-              <a:rPr lang="en-US" dirty="0"/>
-              <a:t>Take-away</a:t>
-            </a:r>
-          </a:p>
-        </p:txBody>
-      </p:sp>
-      <p:sp>
-        <p:nvSpPr>
-          <p:cNvPr id="3" name="Text Placeholder 2">
-            <a:extLst>
-              <a:ext uri="{FF2B5EF4-FFF2-40B4-BE49-F238E27FC236}">
-                <a16:creationId xmlns:a16="http://schemas.microsoft.com/office/drawing/2014/main" id="{41B5368D-D77B-EE49-9BAC-201648A47624}"/>
+                <a16:creationId xmlns:a16="http://schemas.microsoft.com/office/drawing/2014/main" id="{4C01D548-FA6E-48B7-9251-7599A28E8EBE}"/>
               </a:ext>
             </a:extLst>
           </p:cNvPr>
@@ -19537,7 +22866,7 @@
         <p:spPr>
           <a:xfrm>
             <a:off x="628075" y="1776683"/>
-            <a:ext cx="12561453" cy="3117135"/>
+            <a:ext cx="12561453" cy="2211183"/>
           </a:xfrm>
         </p:spPr>
         <p:txBody>
@@ -19545,247 +22874,92 @@
           <a:lstStyle/>
           <a:p>
             <a:r>
-              <a:rPr lang="en-US" sz="3200" dirty="0"/>
-              <a:t>All Strings have indices from 0 to length-1</a:t>
+              <a:rPr lang="en-US" dirty="0">
+                <a:latin typeface="Consolas" panose="020B0609020204030204" pitchFamily="49" charset="0"/>
+                <a:cs typeface="Consolas" panose="020B0609020204030204" pitchFamily="49" charset="0"/>
+              </a:rPr>
+              <a:t>String palindrome = “</a:t>
+            </a:r>
+            <a:r>
+              <a:rPr lang="en-US" dirty="0" err="1">
+                <a:latin typeface="Consolas" panose="020B0609020204030204" pitchFamily="49" charset="0"/>
+                <a:cs typeface="Consolas" panose="020B0609020204030204" pitchFamily="49" charset="0"/>
+              </a:rPr>
+              <a:t>kinnikinnik</a:t>
+            </a:r>
+            <a:r>
+              <a:rPr lang="en-US" dirty="0">
+                <a:latin typeface="Consolas" panose="020B0609020204030204" pitchFamily="49" charset="0"/>
+                <a:cs typeface="Consolas" panose="020B0609020204030204" pitchFamily="49" charset="0"/>
+              </a:rPr>
+              <a:t>”;</a:t>
+            </a:r>
+          </a:p>
+          <a:p>
+            <a:r>
+              <a:rPr lang="en-US" dirty="0"/>
+              <a:t>Using index of – write code to find the second </a:t>
+            </a:r>
+            <a:r>
+              <a:rPr lang="en-US" b="1" dirty="0"/>
+              <a:t>k</a:t>
+            </a:r>
+          </a:p>
+          <a:p>
+            <a:r>
+              <a:rPr lang="en-US" dirty="0"/>
+              <a:t>Will the same code work on  </a:t>
+            </a:r>
+            <a:r>
+              <a:rPr lang="en-US" dirty="0">
+                <a:latin typeface="Consolas" panose="020B0609020204030204" pitchFamily="49" charset="0"/>
+                <a:cs typeface="Consolas" panose="020B0609020204030204" pitchFamily="49" charset="0"/>
+              </a:rPr>
+              <a:t>“There is a plant called </a:t>
+            </a:r>
+            <a:r>
+              <a:rPr lang="en-US" dirty="0" err="1">
+                <a:latin typeface="Consolas" panose="020B0609020204030204" pitchFamily="49" charset="0"/>
+                <a:cs typeface="Consolas" panose="020B0609020204030204" pitchFamily="49" charset="0"/>
+              </a:rPr>
+              <a:t>kinnikinnik</a:t>
+            </a:r>
+            <a:r>
+              <a:rPr lang="en-US" dirty="0">
+                <a:latin typeface="Consolas" panose="020B0609020204030204" pitchFamily="49" charset="0"/>
+                <a:cs typeface="Consolas" panose="020B0609020204030204" pitchFamily="49" charset="0"/>
+              </a:rPr>
+              <a:t>.”? </a:t>
             </a:r>
           </a:p>
           <a:p>
             <a:pPr lvl="1"/>
             <a:r>
-              <a:rPr lang="en-US" sz="2800" dirty="0" err="1"/>
-              <a:t>indexOf</a:t>
-            </a:r>
-            <a:r>
-              <a:rPr lang="en-US" sz="2800" dirty="0"/>
-              <a:t>(char) – finds the index of a character or substring</a:t>
+              <a:rPr lang="en-US" dirty="0"/>
+              <a:t>work If not, make it work on it!</a:t>
             </a:r>
           </a:p>
           <a:p>
             <a:pPr lvl="1"/>
             <a:r>
-              <a:rPr lang="en-US" sz="2800" dirty="0" err="1"/>
-              <a:t>charAt</a:t>
-            </a:r>
-            <a:r>
-              <a:rPr lang="en-US" sz="2800" dirty="0"/>
-              <a:t>(int) - gives you the character at an index</a:t>
-            </a:r>
-          </a:p>
-          <a:p>
-            <a:pPr lvl="1"/>
-            <a:r>
-              <a:rPr lang="en-US" sz="2800" dirty="0"/>
-              <a:t>substring(</a:t>
-            </a:r>
-            <a:r>
-              <a:rPr lang="en-US" sz="2800" dirty="0" err="1"/>
-              <a:t>int,int</a:t>
-            </a:r>
-            <a:r>
-              <a:rPr lang="en-US" sz="2800" dirty="0"/>
-              <a:t>) – gives you a  portion of the string</a:t>
-            </a:r>
-          </a:p>
-          <a:p>
-            <a:pPr lvl="1"/>
-            <a:r>
-              <a:rPr lang="en-US" sz="2800" dirty="0"/>
-              <a:t>length() – don’t forget to use it!</a:t>
-            </a:r>
-          </a:p>
-        </p:txBody>
-      </p:sp>
-      <p:sp>
-        <p:nvSpPr>
-          <p:cNvPr id="4" name="Rectangle 3">
-            <a:extLst>
-              <a:ext uri="{FF2B5EF4-FFF2-40B4-BE49-F238E27FC236}">
-                <a16:creationId xmlns:a16="http://schemas.microsoft.com/office/drawing/2014/main" id="{95DC637E-12B4-584C-8EDE-84FFD545EE73}"/>
-              </a:ext>
-            </a:extLst>
-          </p:cNvPr>
-          <p:cNvSpPr/>
-          <p:nvPr/>
-        </p:nvSpPr>
-        <p:spPr>
-          <a:xfrm>
-            <a:off x="419099" y="6248400"/>
-            <a:ext cx="5564011" cy="889000"/>
-          </a:xfrm>
-          <a:prstGeom prst="rect">
-            <a:avLst/>
-          </a:prstGeom>
-          <a:solidFill>
-            <a:schemeClr val="tx2"/>
-          </a:solidFill>
-          <a:ln>
-            <a:noFill/>
-          </a:ln>
-          <a:effectLst/>
-        </p:spPr>
-        <p:style>
-          <a:lnRef idx="1">
-            <a:schemeClr val="accent1"/>
-          </a:lnRef>
-          <a:fillRef idx="3">
-            <a:schemeClr val="accent1"/>
-          </a:fillRef>
-          <a:effectRef idx="2">
-            <a:schemeClr val="accent1"/>
-          </a:effectRef>
-          <a:fontRef idx="minor">
-            <a:schemeClr val="lt1"/>
-          </a:fontRef>
-        </p:style>
-        <p:txBody>
-          <a:bodyPr lIns="274320" tIns="182880" rIns="274320" bIns="182880" rtlCol="0" anchor="ctr"/>
-          <a:lstStyle/>
-          <a:p>
-            <a:r>
-              <a:rPr lang="en-US" dirty="0">
-                <a:latin typeface="Proxima Nova" charset="0"/>
-                <a:ea typeface="Proxima Nova" charset="0"/>
-                <a:cs typeface="Proxima Nova" charset="0"/>
-              </a:rPr>
-              <a:t>Read more about the String Class : </a:t>
-            </a:r>
-            <a:r>
-              <a:rPr lang="en-US" dirty="0">
-                <a:latin typeface="Proxima Nova" charset="0"/>
-                <a:ea typeface="Proxima Nova" charset="0"/>
-                <a:cs typeface="Proxima Nova" charset="0"/>
-                <a:hlinkClick r:id="rId2"/>
-              </a:rPr>
-              <a:t>Here</a:t>
-            </a:r>
-            <a:br>
-              <a:rPr lang="en-US" dirty="0">
-                <a:latin typeface="Proxima Nova" charset="0"/>
-                <a:ea typeface="Proxima Nova" charset="0"/>
-                <a:cs typeface="Proxima Nova" charset="0"/>
-              </a:rPr>
-            </a:br>
-            <a:r>
-              <a:rPr lang="en-US" dirty="0">
-                <a:latin typeface="Proxima Nova" charset="0"/>
-                <a:ea typeface="Proxima Nova" charset="0"/>
-                <a:cs typeface="Proxima Nova" charset="0"/>
-              </a:rPr>
-              <a:t>Read more about the Character Class : </a:t>
-            </a:r>
-            <a:r>
-              <a:rPr lang="en-US" dirty="0">
-                <a:latin typeface="Proxima Nova" charset="0"/>
-                <a:ea typeface="Proxima Nova" charset="0"/>
-                <a:cs typeface="Proxima Nova" charset="0"/>
-                <a:hlinkClick r:id="rId3"/>
-              </a:rPr>
-              <a:t>Here</a:t>
-            </a:r>
-            <a:endParaRPr lang="en-US" dirty="0">
-              <a:latin typeface="Proxima Nova" charset="0"/>
-              <a:ea typeface="Proxima Nova" charset="0"/>
-              <a:cs typeface="Proxima Nova" charset="0"/>
-            </a:endParaRPr>
-          </a:p>
-        </p:txBody>
-      </p:sp>
-      <p:sp>
-        <p:nvSpPr>
-          <p:cNvPr id="5" name="TextBox 4">
-            <a:extLst>
-              <a:ext uri="{FF2B5EF4-FFF2-40B4-BE49-F238E27FC236}">
-                <a16:creationId xmlns:a16="http://schemas.microsoft.com/office/drawing/2014/main" id="{569F2272-3E70-1042-97AE-028C2CE64242}"/>
-              </a:ext>
-            </a:extLst>
-          </p:cNvPr>
-          <p:cNvSpPr txBox="1"/>
-          <p:nvPr/>
-        </p:nvSpPr>
-        <p:spPr>
-          <a:xfrm>
-            <a:off x="419100" y="5848290"/>
-            <a:ext cx="2340705" cy="400110"/>
-          </a:xfrm>
-          <a:prstGeom prst="rect">
-            <a:avLst/>
-          </a:prstGeom>
-          <a:noFill/>
-        </p:spPr>
-        <p:txBody>
-          <a:bodyPr wrap="none" rtlCol="0">
-            <a:spAutoFit/>
-          </a:bodyPr>
-          <a:lstStyle/>
-          <a:p>
-            <a:r>
               <a:rPr lang="en-US" dirty="0"/>
-              <a:t>Additional Reading</a:t>
-            </a:r>
-          </a:p>
-        </p:txBody>
-      </p:sp>
-      <p:sp>
-        <p:nvSpPr>
-          <p:cNvPr id="6" name="TextBox 5">
-            <a:extLst>
-              <a:ext uri="{FF2B5EF4-FFF2-40B4-BE49-F238E27FC236}">
-                <a16:creationId xmlns:a16="http://schemas.microsoft.com/office/drawing/2014/main" id="{0FDD2E09-034D-EC46-BBA5-790122A90B75}"/>
-              </a:ext>
-            </a:extLst>
-          </p:cNvPr>
-          <p:cNvSpPr txBox="1"/>
-          <p:nvPr/>
-        </p:nvSpPr>
-        <p:spPr>
-          <a:xfrm>
-            <a:off x="8712200" y="117506"/>
-            <a:ext cx="4978400" cy="1015663"/>
-          </a:xfrm>
-          <a:prstGeom prst="rect">
-            <a:avLst/>
-          </a:prstGeom>
-          <a:solidFill>
-            <a:schemeClr val="bg2"/>
-          </a:solidFill>
-        </p:spPr>
-        <p:txBody>
-          <a:bodyPr wrap="square" rtlCol="0">
-            <a:spAutoFit/>
-          </a:bodyPr>
-          <a:lstStyle/>
-          <a:p>
+              <a:t>Hint: you will use </a:t>
+            </a:r>
+            <a:r>
+              <a:rPr lang="en-US" dirty="0" err="1"/>
+              <a:t>indexOf</a:t>
+            </a:r>
             <a:r>
               <a:rPr lang="en-US" dirty="0"/>
-              <a:t>Natural Language Processing is about understanding language, Strings express language – Learn more about </a:t>
-            </a:r>
-            <a:r>
-              <a:rPr lang="en-US" dirty="0">
-                <a:solidFill>
-                  <a:schemeClr val="accent4"/>
-                </a:solidFill>
-                <a:hlinkClick r:id="rId4">
-                  <a:extLst>
-                    <a:ext uri="{A12FA001-AC4F-418D-AE19-62706E023703}">
-                      <ahyp:hlinkClr xmlns:ahyp="http://schemas.microsoft.com/office/drawing/2018/hyperlinkcolor" val="tx"/>
-                    </a:ext>
-                  </a:extLst>
-                </a:hlinkClick>
-              </a:rPr>
-              <a:t>NLP</a:t>
-            </a:r>
-            <a:endParaRPr lang="en-US" dirty="0">
-              <a:solidFill>
-                <a:schemeClr val="accent4"/>
-              </a:solidFill>
-            </a:endParaRPr>
+              <a:t> twice</a:t>
+            </a:r>
           </a:p>
         </p:txBody>
       </p:sp>
     </p:spTree>
     <p:extLst>
       <p:ext uri="{BB962C8B-B14F-4D97-AF65-F5344CB8AC3E}">
-        <p14:creationId xmlns:p14="http://schemas.microsoft.com/office/powerpoint/2010/main" val="481316595"/>
+        <p14:creationId xmlns:p14="http://schemas.microsoft.com/office/powerpoint/2010/main" val="2531927317"/>
       </p:ext>
     </p:extLst>
   </p:cSld>

--- a/slides/On-Campus/05_03_StringManipulation.pptx
+++ b/slides/On-Campus/05_03_StringManipulation.pptx
@@ -225,7 +225,7 @@
           <a:p>
             <a:fld id="{4D7E51A5-B478-1E40-8CBB-0DAA8831E99D}" type="datetimeFigureOut">
               <a:rPr lang="en-US" smtClean="0"/>
-              <a:t>9/23/2021</a:t>
+              <a:t>9/24/21</a:t>
             </a:fld>
             <a:endParaRPr lang="en-US"/>
           </a:p>
@@ -390,7 +390,7 @@
           <a:p>
             <a:fld id="{D0ED587F-861E-6740-9643-E3DDAE89B8D6}" type="datetimeFigureOut">
               <a:rPr lang="en-US" smtClean="0"/>
-              <a:t>9/23/2021</a:t>
+              <a:t>9/24/21</a:t>
             </a:fld>
             <a:endParaRPr lang="en-US"/>
           </a:p>
@@ -21173,7 +21173,7 @@
         <p:spPr>
           <a:xfrm>
             <a:off x="2298267" y="4752194"/>
-            <a:ext cx="7034924" cy="2324611"/>
+            <a:ext cx="7034924" cy="857671"/>
           </a:xfrm>
           <a:prstGeom prst="rect">
             <a:avLst/>
@@ -21358,84 +21358,6 @@
             <a:r>
               <a:rPr lang="en-US" dirty="0"/>
               <a:t>Just that there is a second one?</a:t>
-            </a:r>
-          </a:p>
-          <a:p>
-            <a:pPr marL="0" indent="0">
-              <a:buNone/>
-            </a:pPr>
-            <a:r>
-              <a:rPr lang="en-US" dirty="0">
-                <a:latin typeface="Consolas" panose="020B0609020204030204" pitchFamily="49" charset="0"/>
-                <a:cs typeface="Consolas" panose="020B0609020204030204" pitchFamily="49" charset="0"/>
-              </a:rPr>
-              <a:t>int start = </a:t>
-            </a:r>
-            <a:r>
-              <a:rPr lang="en-US" dirty="0" err="1">
-                <a:latin typeface="Consolas" panose="020B0609020204030204" pitchFamily="49" charset="0"/>
-                <a:cs typeface="Consolas" panose="020B0609020204030204" pitchFamily="49" charset="0"/>
-              </a:rPr>
-              <a:t>palindrome.indexOf</a:t>
-            </a:r>
-            <a:r>
-              <a:rPr lang="en-US" dirty="0">
-                <a:latin typeface="Consolas" panose="020B0609020204030204" pitchFamily="49" charset="0"/>
-                <a:cs typeface="Consolas" panose="020B0609020204030204" pitchFamily="49" charset="0"/>
-              </a:rPr>
-              <a:t>(‘k’);</a:t>
-            </a:r>
-          </a:p>
-          <a:p>
-            <a:pPr marL="0" indent="0">
-              <a:buNone/>
-            </a:pPr>
-            <a:r>
-              <a:rPr lang="en-US" dirty="0" err="1">
-                <a:latin typeface="Consolas" panose="020B0609020204030204" pitchFamily="49" charset="0"/>
-                <a:cs typeface="Consolas" panose="020B0609020204030204" pitchFamily="49" charset="0"/>
-              </a:rPr>
-              <a:t>palindrome.indexOf</a:t>
-            </a:r>
-            <a:r>
-              <a:rPr lang="en-US" dirty="0">
-                <a:latin typeface="Consolas" panose="020B0609020204030204" pitchFamily="49" charset="0"/>
-                <a:cs typeface="Consolas" panose="020B0609020204030204" pitchFamily="49" charset="0"/>
-              </a:rPr>
-              <a:t>(‘k’, start+1);</a:t>
-            </a:r>
-          </a:p>
-          <a:p>
-            <a:pPr marL="0" indent="0">
-              <a:buNone/>
-            </a:pPr>
-            <a:r>
-              <a:rPr lang="en-US" dirty="0" err="1">
-                <a:latin typeface="Consolas" panose="020B0609020204030204" pitchFamily="49" charset="0"/>
-                <a:cs typeface="Consolas" panose="020B0609020204030204" pitchFamily="49" charset="0"/>
-              </a:rPr>
-              <a:t>palindrome.indexOf</a:t>
-            </a:r>
-            <a:r>
-              <a:rPr lang="en-US" dirty="0">
-                <a:latin typeface="Consolas" panose="020B0609020204030204" pitchFamily="49" charset="0"/>
-                <a:cs typeface="Consolas" panose="020B0609020204030204" pitchFamily="49" charset="0"/>
-              </a:rPr>
-              <a:t>(‘k’, </a:t>
-            </a:r>
-            <a:r>
-              <a:rPr lang="en-US" dirty="0" err="1">
-                <a:latin typeface="Consolas" panose="020B0609020204030204" pitchFamily="49" charset="0"/>
-                <a:cs typeface="Consolas" panose="020B0609020204030204" pitchFamily="49" charset="0"/>
-              </a:rPr>
-              <a:t>palindrome.indexOf</a:t>
-            </a:r>
-            <a:r>
-              <a:rPr lang="en-US" dirty="0">
-                <a:latin typeface="Consolas" panose="020B0609020204030204" pitchFamily="49" charset="0"/>
-                <a:cs typeface="Consolas" panose="020B0609020204030204" pitchFamily="49" charset="0"/>
-              </a:rPr>
-              <a:t>(‘k’)+1);</a:t>
             </a:r>
           </a:p>
         </p:txBody>
@@ -22573,189 +22495,6 @@
                       </p:childTnLst>
                     </p:cTn>
                   </p:par>
-                  <p:par>
-                    <p:cTn id="52" fill="hold">
-                      <p:stCondLst>
-                        <p:cond delay="indefinite"/>
-                      </p:stCondLst>
-                      <p:childTnLst>
-                        <p:par>
-                          <p:cTn id="53" fill="hold">
-                            <p:stCondLst>
-                              <p:cond delay="0"/>
-                            </p:stCondLst>
-                            <p:childTnLst>
-                              <p:par>
-                                <p:cTn id="54" presetID="9" presetClass="entr" presetSubtype="0" fill="hold" grpId="0" nodeType="clickEffect">
-                                  <p:stCondLst>
-                                    <p:cond delay="0"/>
-                                  </p:stCondLst>
-                                  <p:childTnLst>
-                                    <p:set>
-                                      <p:cBhvr>
-                                        <p:cTn id="55" dur="1" fill="hold">
-                                          <p:stCondLst>
-                                            <p:cond delay="0"/>
-                                          </p:stCondLst>
-                                        </p:cTn>
-                                        <p:tgtEl>
-                                          <p:spTgt spid="31">
-                                            <p:txEl>
-                                              <p:pRg st="2" end="2"/>
-                                            </p:txEl>
-                                          </p:spTgt>
-                                        </p:tgtEl>
-                                        <p:attrNameLst>
-                                          <p:attrName>style.visibility</p:attrName>
-                                        </p:attrNameLst>
-                                      </p:cBhvr>
-                                      <p:to>
-                                        <p:strVal val="visible"/>
-                                      </p:to>
-                                    </p:set>
-                                    <p:animEffect transition="in" filter="dissolve">
-                                      <p:cBhvr>
-                                        <p:cTn id="56" dur="500"/>
-                                        <p:tgtEl>
-                                          <p:spTgt spid="31">
-                                            <p:txEl>
-                                              <p:pRg st="2" end="2"/>
-                                            </p:txEl>
-                                          </p:spTgt>
-                                        </p:tgtEl>
-                                      </p:cBhvr>
-                                    </p:animEffect>
-                                  </p:childTnLst>
-                                </p:cTn>
-                              </p:par>
-                            </p:childTnLst>
-                          </p:cTn>
-                        </p:par>
-                      </p:childTnLst>
-                    </p:cTn>
-                  </p:par>
-                  <p:par>
-                    <p:cTn id="57" fill="hold">
-                      <p:stCondLst>
-                        <p:cond delay="indefinite"/>
-                      </p:stCondLst>
-                      <p:childTnLst>
-                        <p:par>
-                          <p:cTn id="58" fill="hold">
-                            <p:stCondLst>
-                              <p:cond delay="0"/>
-                            </p:stCondLst>
-                            <p:childTnLst>
-                              <p:par>
-                                <p:cTn id="59" presetID="9" presetClass="entr" presetSubtype="0" fill="hold" grpId="0" nodeType="clickEffect">
-                                  <p:stCondLst>
-                                    <p:cond delay="0"/>
-                                  </p:stCondLst>
-                                  <p:childTnLst>
-                                    <p:set>
-                                      <p:cBhvr>
-                                        <p:cTn id="60" dur="1" fill="hold">
-                                          <p:stCondLst>
-                                            <p:cond delay="0"/>
-                                          </p:stCondLst>
-                                        </p:cTn>
-                                        <p:tgtEl>
-                                          <p:spTgt spid="31">
-                                            <p:txEl>
-                                              <p:pRg st="3" end="3"/>
-                                            </p:txEl>
-                                          </p:spTgt>
-                                        </p:tgtEl>
-                                        <p:attrNameLst>
-                                          <p:attrName>style.visibility</p:attrName>
-                                        </p:attrNameLst>
-                                      </p:cBhvr>
-                                      <p:to>
-                                        <p:strVal val="visible"/>
-                                      </p:to>
-                                    </p:set>
-                                    <p:animEffect transition="in" filter="dissolve">
-                                      <p:cBhvr>
-                                        <p:cTn id="61" dur="500"/>
-                                        <p:tgtEl>
-                                          <p:spTgt spid="31">
-                                            <p:txEl>
-                                              <p:pRg st="3" end="3"/>
-                                            </p:txEl>
-                                          </p:spTgt>
-                                        </p:tgtEl>
-                                      </p:cBhvr>
-                                    </p:animEffect>
-                                  </p:childTnLst>
-                                </p:cTn>
-                              </p:par>
-                            </p:childTnLst>
-                          </p:cTn>
-                        </p:par>
-                      </p:childTnLst>
-                    </p:cTn>
-                  </p:par>
-                  <p:par>
-                    <p:cTn id="62" fill="hold">
-                      <p:stCondLst>
-                        <p:cond delay="indefinite"/>
-                      </p:stCondLst>
-                      <p:childTnLst>
-                        <p:par>
-                          <p:cTn id="63" fill="hold">
-                            <p:stCondLst>
-                              <p:cond delay="0"/>
-                            </p:stCondLst>
-                            <p:childTnLst>
-                              <p:par>
-                                <p:cTn id="64" presetID="9" presetClass="entr" presetSubtype="0" fill="hold" grpId="0" nodeType="clickEffect">
-                                  <p:stCondLst>
-                                    <p:cond delay="0"/>
-                                  </p:stCondLst>
-                                  <p:childTnLst>
-                                    <p:set>
-                                      <p:cBhvr>
-                                        <p:cTn id="65" dur="1" fill="hold">
-                                          <p:stCondLst>
-                                            <p:cond delay="0"/>
-                                          </p:stCondLst>
-                                        </p:cTn>
-                                        <p:tgtEl>
-                                          <p:spTgt spid="31">
-                                            <p:txEl>
-                                              <p:pRg st="4" end="4"/>
-                                            </p:txEl>
-                                          </p:spTgt>
-                                        </p:tgtEl>
-                                        <p:attrNameLst>
-                                          <p:attrName>style.visibility</p:attrName>
-                                        </p:attrNameLst>
-                                      </p:cBhvr>
-                                      <p:to>
-                                        <p:strVal val="visible"/>
-                                      </p:to>
-                                    </p:set>
-                                    <p:animEffect transition="in" filter="dissolve">
-                                      <p:cBhvr>
-                                        <p:cTn id="66" dur="500"/>
-                                        <p:tgtEl>
-                                          <p:spTgt spid="31">
-                                            <p:txEl>
-                                              <p:pRg st="4" end="4"/>
-                                            </p:txEl>
-                                          </p:spTgt>
-                                        </p:tgtEl>
-                                      </p:cBhvr>
-                                    </p:animEffect>
-                                  </p:childTnLst>
-                                </p:cTn>
-                              </p:par>
-                            </p:childTnLst>
-                          </p:cTn>
-                        </p:par>
-                      </p:childTnLst>
-                    </p:cTn>
-                  </p:par>
                 </p:childTnLst>
               </p:cTn>
               <p:prevCondLst>
@@ -22956,6 +22695,107 @@
           </a:p>
         </p:txBody>
       </p:sp>
+      <p:sp>
+        <p:nvSpPr>
+          <p:cNvPr id="4" name="TextBox 3">
+            <a:extLst>
+              <a:ext uri="{FF2B5EF4-FFF2-40B4-BE49-F238E27FC236}">
+                <a16:creationId xmlns:a16="http://schemas.microsoft.com/office/drawing/2014/main" id="{EB973A2D-A446-F449-B74A-FE5B5A485EE4}"/>
+              </a:ext>
+            </a:extLst>
+          </p:cNvPr>
+          <p:cNvSpPr txBox="1"/>
+          <p:nvPr/>
+        </p:nvSpPr>
+        <p:spPr>
+          <a:xfrm>
+            <a:off x="2991556" y="5995717"/>
+            <a:ext cx="8681156" cy="1323439"/>
+          </a:xfrm>
+          <a:prstGeom prst="rect">
+            <a:avLst/>
+          </a:prstGeom>
+          <a:noFill/>
+        </p:spPr>
+        <p:txBody>
+          <a:bodyPr wrap="square" rtlCol="0">
+            <a:spAutoFit/>
+          </a:bodyPr>
+          <a:lstStyle/>
+          <a:p>
+            <a:r>
+              <a:rPr lang="en-US" dirty="0">
+                <a:latin typeface="Consolas" panose="020B0609020204030204" pitchFamily="49" charset="0"/>
+                <a:cs typeface="Consolas" panose="020B0609020204030204" pitchFamily="49" charset="0"/>
+              </a:rPr>
+              <a:t>int start = </a:t>
+            </a:r>
+            <a:r>
+              <a:rPr lang="en-US" dirty="0" err="1">
+                <a:latin typeface="Consolas" panose="020B0609020204030204" pitchFamily="49" charset="0"/>
+                <a:cs typeface="Consolas" panose="020B0609020204030204" pitchFamily="49" charset="0"/>
+              </a:rPr>
+              <a:t>palindrome.indexOf</a:t>
+            </a:r>
+            <a:r>
+              <a:rPr lang="en-US" dirty="0">
+                <a:latin typeface="Consolas" panose="020B0609020204030204" pitchFamily="49" charset="0"/>
+                <a:cs typeface="Consolas" panose="020B0609020204030204" pitchFamily="49" charset="0"/>
+              </a:rPr>
+              <a:t>(‘k’);</a:t>
+            </a:r>
+          </a:p>
+          <a:p>
+            <a:r>
+              <a:rPr lang="en-US" dirty="0" err="1">
+                <a:latin typeface="Consolas" panose="020B0609020204030204" pitchFamily="49" charset="0"/>
+                <a:cs typeface="Consolas" panose="020B0609020204030204" pitchFamily="49" charset="0"/>
+              </a:rPr>
+              <a:t>palindrome.indexOf</a:t>
+            </a:r>
+            <a:r>
+              <a:rPr lang="en-US" dirty="0">
+                <a:latin typeface="Consolas" panose="020B0609020204030204" pitchFamily="49" charset="0"/>
+                <a:cs typeface="Consolas" panose="020B0609020204030204" pitchFamily="49" charset="0"/>
+              </a:rPr>
+              <a:t>(‘k’, start+1);</a:t>
+            </a:r>
+          </a:p>
+          <a:p>
+            <a:r>
+              <a:rPr lang="en-US" dirty="0" err="1">
+                <a:latin typeface="Consolas" panose="020B0609020204030204" pitchFamily="49" charset="0"/>
+                <a:cs typeface="Consolas" panose="020B0609020204030204" pitchFamily="49" charset="0"/>
+              </a:rPr>
+              <a:t>palindrome.indexOf</a:t>
+            </a:r>
+            <a:r>
+              <a:rPr lang="en-US" dirty="0">
+                <a:latin typeface="Consolas" panose="020B0609020204030204" pitchFamily="49" charset="0"/>
+                <a:cs typeface="Consolas" panose="020B0609020204030204" pitchFamily="49" charset="0"/>
+              </a:rPr>
+              <a:t>(‘k’, </a:t>
+            </a:r>
+            <a:r>
+              <a:rPr lang="en-US" dirty="0" err="1">
+                <a:latin typeface="Consolas" panose="020B0609020204030204" pitchFamily="49" charset="0"/>
+                <a:cs typeface="Consolas" panose="020B0609020204030204" pitchFamily="49" charset="0"/>
+              </a:rPr>
+              <a:t>palindrome.indexOf</a:t>
+            </a:r>
+            <a:r>
+              <a:rPr lang="en-US" dirty="0">
+                <a:latin typeface="Consolas" panose="020B0609020204030204" pitchFamily="49" charset="0"/>
+                <a:cs typeface="Consolas" panose="020B0609020204030204" pitchFamily="49" charset="0"/>
+              </a:rPr>
+              <a:t>(‘k’)+1);</a:t>
+            </a:r>
+          </a:p>
+          <a:p>
+            <a:endParaRPr lang="en-US" dirty="0"/>
+          </a:p>
+        </p:txBody>
+      </p:sp>
     </p:spTree>
     <p:extLst>
       <p:ext uri="{BB962C8B-B14F-4D97-AF65-F5344CB8AC3E}">
@@ -22978,6 +22818,92 @@
       </p:transition>
     </mc:Fallback>
   </mc:AlternateContent>
+  <p:timing>
+    <p:tnLst>
+      <p:par>
+        <p:cTn id="1" dur="indefinite" restart="never" nodeType="tmRoot">
+          <p:childTnLst>
+            <p:seq concurrent="1" nextAc="seek">
+              <p:cTn id="2" dur="indefinite" nodeType="mainSeq">
+                <p:childTnLst>
+                  <p:par>
+                    <p:cTn id="3" fill="hold">
+                      <p:stCondLst>
+                        <p:cond delay="indefinite"/>
+                      </p:stCondLst>
+                      <p:childTnLst>
+                        <p:par>
+                          <p:cTn id="4" fill="hold">
+                            <p:stCondLst>
+                              <p:cond delay="0"/>
+                            </p:stCondLst>
+                            <p:childTnLst>
+                              <p:par>
+                                <p:cTn id="5" presetID="9" presetClass="entr" presetSubtype="0" fill="hold" grpId="0" nodeType="clickEffect">
+                                  <p:stCondLst>
+                                    <p:cond delay="0"/>
+                                  </p:stCondLst>
+                                  <p:childTnLst>
+                                    <p:set>
+                                      <p:cBhvr>
+                                        <p:cTn id="6" dur="1" fill="hold">
+                                          <p:stCondLst>
+                                            <p:cond delay="0"/>
+                                          </p:stCondLst>
+                                        </p:cTn>
+                                        <p:tgtEl>
+                                          <p:spTgt spid="4"/>
+                                        </p:tgtEl>
+                                        <p:attrNameLst>
+                                          <p:attrName>style.visibility</p:attrName>
+                                        </p:attrNameLst>
+                                      </p:cBhvr>
+                                      <p:to>
+                                        <p:strVal val="visible"/>
+                                      </p:to>
+                                    </p:set>
+                                    <p:animEffect transition="in" filter="dissolve">
+                                      <p:cBhvr>
+                                        <p:cTn id="7" dur="500"/>
+                                        <p:tgtEl>
+                                          <p:spTgt spid="4"/>
+                                        </p:tgtEl>
+                                      </p:cBhvr>
+                                    </p:animEffect>
+                                  </p:childTnLst>
+                                </p:cTn>
+                              </p:par>
+                            </p:childTnLst>
+                          </p:cTn>
+                        </p:par>
+                      </p:childTnLst>
+                    </p:cTn>
+                  </p:par>
+                </p:childTnLst>
+              </p:cTn>
+              <p:prevCondLst>
+                <p:cond evt="onPrev" delay="0">
+                  <p:tgtEl>
+                    <p:sldTgt/>
+                  </p:tgtEl>
+                </p:cond>
+              </p:prevCondLst>
+              <p:nextCondLst>
+                <p:cond evt="onNext" delay="0">
+                  <p:tgtEl>
+                    <p:sldTgt/>
+                  </p:tgtEl>
+                </p:cond>
+              </p:nextCondLst>
+            </p:seq>
+          </p:childTnLst>
+        </p:cTn>
+      </p:par>
+    </p:tnLst>
+    <p:bldLst>
+      <p:bldP spid="4" grpId="0"/>
+    </p:bldLst>
+  </p:timing>
 </p:sld>
 </file>
 
